--- a/reference_material/slides/011_Correlation_Scatter.pptx
+++ b/reference_material/slides/011_Correlation_Scatter.pptx
@@ -5,29 +5,33 @@
     <p:sldMasterId id="2147483660" r:id="rId1"/>
   </p:sldMasterIdLst>
   <p:sldIdLst>
-    <p:sldId id="276" r:id="rId2"/>
+    <p:sldId id="280" r:id="rId2"/>
     <p:sldId id="274" r:id="rId3"/>
     <p:sldId id="275" r:id="rId4"/>
     <p:sldId id="277" r:id="rId5"/>
-    <p:sldId id="256" r:id="rId6"/>
-    <p:sldId id="257" r:id="rId7"/>
-    <p:sldId id="271" r:id="rId8"/>
-    <p:sldId id="259" r:id="rId9"/>
-    <p:sldId id="258" r:id="rId10"/>
-    <p:sldId id="261" r:id="rId11"/>
-    <p:sldId id="262" r:id="rId12"/>
-    <p:sldId id="263" r:id="rId13"/>
-    <p:sldId id="264" r:id="rId14"/>
-    <p:sldId id="265" r:id="rId15"/>
-    <p:sldId id="278" r:id="rId16"/>
-    <p:sldId id="270" r:id="rId17"/>
-    <p:sldId id="266" r:id="rId18"/>
-    <p:sldId id="267" r:id="rId19"/>
-    <p:sldId id="268" r:id="rId20"/>
-    <p:sldId id="269" r:id="rId21"/>
-    <p:sldId id="279" r:id="rId22"/>
-    <p:sldId id="272" r:id="rId23"/>
-    <p:sldId id="273" r:id="rId24"/>
+    <p:sldId id="281" r:id="rId6"/>
+    <p:sldId id="256" r:id="rId7"/>
+    <p:sldId id="284" r:id="rId8"/>
+    <p:sldId id="257" r:id="rId9"/>
+    <p:sldId id="271" r:id="rId10"/>
+    <p:sldId id="259" r:id="rId11"/>
+    <p:sldId id="258" r:id="rId12"/>
+    <p:sldId id="282" r:id="rId13"/>
+    <p:sldId id="261" r:id="rId14"/>
+    <p:sldId id="262" r:id="rId15"/>
+    <p:sldId id="263" r:id="rId16"/>
+    <p:sldId id="283" r:id="rId17"/>
+    <p:sldId id="264" r:id="rId18"/>
+    <p:sldId id="265" r:id="rId19"/>
+    <p:sldId id="278" r:id="rId20"/>
+    <p:sldId id="270" r:id="rId21"/>
+    <p:sldId id="266" r:id="rId22"/>
+    <p:sldId id="267" r:id="rId23"/>
+    <p:sldId id="268" r:id="rId24"/>
+    <p:sldId id="269" r:id="rId25"/>
+    <p:sldId id="279" r:id="rId26"/>
+    <p:sldId id="272" r:id="rId27"/>
+    <p:sldId id="273" r:id="rId28"/>
   </p:sldIdLst>
   <p:sldSz cx="12192000" cy="6858000"/>
   <p:notesSz cx="6858000" cy="9144000"/>
@@ -150,45 +154,18 @@
           <inkml:channelProperty channel="F" name="resolution" value="0" units="1/dev"/>
         </inkml:channelProperties>
       </inkml:inkSource>
-      <inkml:timestamp xml:id="ts0" timeString="2022-10-12T15:41:19.532"/>
+      <inkml:timestamp xml:id="ts0" timeString="2022-10-12T15:39:33.835"/>
     </inkml:context>
     <inkml:brush xml:id="br0">
       <inkml:brushProperty name="width" value="0.05" units="cm"/>
       <inkml:brushProperty name="height" value="0.05" units="cm"/>
     </inkml:brush>
   </inkml:definitions>
-  <inkml:trace contextRef="#ctx0" brushRef="#br0">0 0 24575,'0'0'0</inkml:trace>
+  <inkml:trace contextRef="#ctx0" brushRef="#br0">43 1 24575,'-5'78'0,"0"1"0,0 0 0,1-10-1535,-1 11 0,-1 15 0,2-33 1535,4-50 0,0-3 1406,-4-1-1406,3 1 750,-2 3-750,3-2 0,0 2 0,0 19 0,0-16 0,0 54 0,0-51 0,7 81 0,-1-73 0,0 30 0,0 0 0,-1-32 0,-1 76 0,-4-77 0,4 66 0,-3-64 0,6 72 0,-6-68 0,1 26 0,0 1 0,-2-26 0,1 29 0,2 5 0,1-10 0,4 18 0,1 2 0,1 1 0,3-3 0,1-3 0,-2-20 0,8 48 0,-12-66 2449,5 38-2449,-4-32 0,7 20 0,-6-17 0,2 18 0,-3 3 0,-1 19 0,4-1 0,-4-26 0,1 1 0,11 41 0,-8-35 0,1-2 0,11 28 0,-11-29 0,0-5 0,5 0 0,1 38 0,-9-44 0,6 33 0,-5-11-3392,3-5 0,0 1 3392,0-1-2269,7 29 1,-1-3 2268,-7-42-1012,-1 20 1,3 19 0,-4-18 1011,-3-14-677,3 22 1,3 20 0,-3-20 676,-2-23 0,2 17 0,3 18 0,-2-20 0,-1-24 58,5 42 1,-1-2-59,-7-52 370,2 29 0,-1-2-370,-8-32 0,5 30 0,3 2 0,-1-15 0,7 30 0,2 5 0,2 2 0,3 14 0,0 2 0,-2-9-46,-4-15 1,2 12-1,-4-16 46,-2-7-135,7 38 0,-3-3 135,-13-47 0,3 17 0,0 1 0,-6-18 0,1 10 0,1 0 0,-1-13 0,3 19 0,0-1 0,1-21 0,-1 38 0,0 2 0,1-23 0,-2 0 0,0 14 0,-1-9 0,-1 29 0,0-30 0,0 10 0,0-11 2201,-1 19-2201,-5-8 0,-3 14 0,1-17 0,-2-8 0,-4 10 0,-3 17 0,1-18 0,2-18 0,-4 17 0,-4 17 0,4-16 2984,1-10-2984,3 5 0,-4 22 0,1 2 0,4-20 2428,1 14-2428,4-19 0,-2 21 0,-1 8 0,1-6 0,4-21 0,2-17 0,2-1 0,-2 21 0,0 22 0,-1 7 0,1-8 0,1-24 0,2 14 0,-1-5 0,-2 25 0,1-3 0,0-28 0,0-16 0,-4 22 0,-2 21 0,2-20 6023,2-26-6023,-2 11 0,-3 16 0,2-16 135,1-13-135,1 11 0,0 16 0,1-15 674,-1-15-674,4 16 0,1 16 0,1-17 1489,0-15-1489,4 17 0,4 16 0,-2-16 0,-3-15 0,8 46 0,0-2 0,-6-55 0,-2 31 0,1-2 0,-2-42 0,-3 73 0,0-73 0,2 24 0,0 1 0,-1-18 0,0 29 0,2 0 0,1-31 0,0 43 0,0 2 0,2-36 0,2 40 0,-1-1 0,-5-41 0,4 32 0,-1 0 0,-4-39 0,1 24 0,0-2 0,-2-31 0,0 66 0,0-65-1183,0 32 1183,0-38 0,0-4 0,0 3 0,0-2 0,0-1 0,0-1 0,0 1 0,-4 19 0,3-10 0,-2 10 0,3 41 0,0-38 0,-2 38 0,0 3 0,1-29-3196,-1 41 0,0-3 3196,2-48-2138,-5 49 1,-1-2 2137,3-57-813,-10 40 0,-1 0 813,10-42 0,-7 31 0,0 3 0,5-25 0,-2 36 0,0 1 0,-2-29-1160,2 35 0,0-1 1160,3-43 745,-7 44-745,11-69 2689,-3 1-2689,4-1 2497,0 1-2497,0-1 0,-3 1 0,2 3 0,-11 9 0,10-6 5259,-9 5-5259,-9 26 0,8-27 0,-14 29 0,2 3 0,12-25 0,-15 35 0,1 1 0,17-31 0,-12 31 0,-1-1 0,10-31 0,-7 24 0,3 0 0,8-30 0,-15 52 0,18-61 4606,-8 31-4606,8-34 0,2 16 0,-1-7 0,3 5 0,-3 1 0,4 5 0,0-17 0,-4 9 0,3-15 0,-2 4 0,3-5 0,-4-3 0,3 3 0,-3-4 0,8 1 0,-3 6 0,14 22 0,-12-14 0,8 16 0,-7-12 0,1-10 0,7 29 0,-2-32 0,2 20 0,-7-24 0,2 2 0,-2-4 0,7 4 0,-2-6 0,2 9 0,-3-6 0,-1 0 0,1-2 0,-1-3 0,1 0 0,-5 0 0,0 0 0</inkml:trace>
 </inkml:ink>
 </file>
 
 <file path=ppt/ink/ink10.xml><?xml version="1.0" encoding="utf-8"?>
-<inkml:ink xmlns:inkml="http://www.w3.org/2003/InkML">
-  <inkml:definitions>
-    <inkml:context xml:id="ctx0">
-      <inkml:inkSource xml:id="inkSrc0">
-        <inkml:traceFormat>
-          <inkml:channel name="X" type="integer" min="-2.14748E9" max="2.14748E9" units="cm"/>
-          <inkml:channel name="Y" type="integer" min="-2.14748E9" max="2.14748E9" units="cm"/>
-          <inkml:channel name="F" type="integer" max="32767" units="dev"/>
-        </inkml:traceFormat>
-        <inkml:channelProperties>
-          <inkml:channelProperty channel="X" name="resolution" value="1000" units="1/cm"/>
-          <inkml:channelProperty channel="Y" name="resolution" value="1000" units="1/cm"/>
-          <inkml:channelProperty channel="F" name="resolution" value="0" units="1/dev"/>
-        </inkml:channelProperties>
-      </inkml:inkSource>
-      <inkml:timestamp xml:id="ts0" timeString="2022-10-12T15:39:47.413"/>
-    </inkml:context>
-    <inkml:brush xml:id="br0">
-      <inkml:brushProperty name="width" value="0.05" units="cm"/>
-      <inkml:brushProperty name="height" value="0.05" units="cm"/>
-    </inkml:brush>
-  </inkml:definitions>
-  <inkml:trace contextRef="#ctx0" brushRef="#br0">1 1 24575,'0'8'0,"4"-3"0,-4 3 0,12 8 0,-10-5 0,5 9 0,5 27 0,-9-26-8503,15 72 8503,-16-69-231,6 68 231,-8-74-1177,0 55 1177,0-58-124,4 43 124,-3-44 0,3 14 0,-4-25 0</inkml:trace>
-</inkml:ink>
-</file>
-
-<file path=ppt/ink/ink11.xml><?xml version="1.0" encoding="utf-8"?>
 <inkml:ink xmlns:inkml="http://www.w3.org/2003/InkML">
   <inkml:definitions>
     <inkml:context xml:id="ctx0">
@@ -215,7 +192,7 @@
 </inkml:ink>
 </file>
 
-<file path=ppt/ink/ink12.xml><?xml version="1.0" encoding="utf-8"?>
+<file path=ppt/ink/ink11.xml><?xml version="1.0" encoding="utf-8"?>
 <inkml:ink xmlns:inkml="http://www.w3.org/2003/InkML">
   <inkml:definitions>
     <inkml:context xml:id="ctx0">
@@ -242,7 +219,7 @@
 </inkml:ink>
 </file>
 
-<file path=ppt/ink/ink13.xml><?xml version="1.0" encoding="utf-8"?>
+<file path=ppt/ink/ink12.xml><?xml version="1.0" encoding="utf-8"?>
 <inkml:ink xmlns:inkml="http://www.w3.org/2003/InkML">
   <inkml:definitions>
     <inkml:context xml:id="ctx0">
@@ -269,7 +246,7 @@
 </inkml:ink>
 </file>
 
-<file path=ppt/ink/ink14.xml><?xml version="1.0" encoding="utf-8"?>
+<file path=ppt/ink/ink13.xml><?xml version="1.0" encoding="utf-8"?>
 <inkml:ink xmlns:inkml="http://www.w3.org/2003/InkML">
   <inkml:definitions>
     <inkml:context xml:id="ctx0">
@@ -296,7 +273,7 @@
 </inkml:ink>
 </file>
 
-<file path=ppt/ink/ink15.xml><?xml version="1.0" encoding="utf-8"?>
+<file path=ppt/ink/ink14.xml><?xml version="1.0" encoding="utf-8"?>
 <inkml:ink xmlns:inkml="http://www.w3.org/2003/InkML">
   <inkml:definitions>
     <inkml:context xml:id="ctx0">
@@ -323,7 +300,7 @@
 </inkml:ink>
 </file>
 
-<file path=ppt/ink/ink16.xml><?xml version="1.0" encoding="utf-8"?>
+<file path=ppt/ink/ink15.xml><?xml version="1.0" encoding="utf-8"?>
 <inkml:ink xmlns:inkml="http://www.w3.org/2003/InkML">
   <inkml:definitions>
     <inkml:context xml:id="ctx0">
@@ -350,7 +327,7 @@
 </inkml:ink>
 </file>
 
-<file path=ppt/ink/ink17.xml><?xml version="1.0" encoding="utf-8"?>
+<file path=ppt/ink/ink16.xml><?xml version="1.0" encoding="utf-8"?>
 <inkml:ink xmlns:inkml="http://www.w3.org/2003/InkML">
   <inkml:definitions>
     <inkml:context xml:id="ctx0">
@@ -377,7 +354,7 @@
 </inkml:ink>
 </file>
 
-<file path=ppt/ink/ink18.xml><?xml version="1.0" encoding="utf-8"?>
+<file path=ppt/ink/ink17.xml><?xml version="1.0" encoding="utf-8"?>
 <inkml:ink xmlns:inkml="http://www.w3.org/2003/InkML">
   <inkml:definitions>
     <inkml:context xml:id="ctx0">
@@ -405,7 +382,7 @@
 </inkml:ink>
 </file>
 
-<file path=ppt/ink/ink19.xml><?xml version="1.0" encoding="utf-8"?>
+<file path=ppt/ink/ink18.xml><?xml version="1.0" encoding="utf-8"?>
 <inkml:ink xmlns:inkml="http://www.w3.org/2003/InkML">
   <inkml:definitions>
     <inkml:context xml:id="ctx0">
@@ -433,34 +410,7 @@
 </inkml:ink>
 </file>
 
-<file path=ppt/ink/ink2.xml><?xml version="1.0" encoding="utf-8"?>
-<inkml:ink xmlns:inkml="http://www.w3.org/2003/InkML">
-  <inkml:definitions>
-    <inkml:context xml:id="ctx0">
-      <inkml:inkSource xml:id="inkSrc0">
-        <inkml:traceFormat>
-          <inkml:channel name="X" type="integer" min="-2.14748E9" max="2.14748E9" units="cm"/>
-          <inkml:channel name="Y" type="integer" min="-2.14748E9" max="2.14748E9" units="cm"/>
-          <inkml:channel name="F" type="integer" max="32767" units="dev"/>
-        </inkml:traceFormat>
-        <inkml:channelProperties>
-          <inkml:channelProperty channel="X" name="resolution" value="1000" units="1/cm"/>
-          <inkml:channelProperty channel="Y" name="resolution" value="1000" units="1/cm"/>
-          <inkml:channelProperty channel="F" name="resolution" value="0" units="1/dev"/>
-        </inkml:channelProperties>
-      </inkml:inkSource>
-      <inkml:timestamp xml:id="ts0" timeString="2022-10-12T15:39:33.835"/>
-    </inkml:context>
-    <inkml:brush xml:id="br0">
-      <inkml:brushProperty name="width" value="0.05" units="cm"/>
-      <inkml:brushProperty name="height" value="0.05" units="cm"/>
-    </inkml:brush>
-  </inkml:definitions>
-  <inkml:trace contextRef="#ctx0" brushRef="#br0">43 1 24575,'-5'78'0,"0"1"0,0 0 0,1-10-1535,-1 11 0,-1 15 0,2-33 1535,4-50 0,0-3 1406,-4-1-1406,3 1 750,-2 3-750,3-2 0,0 2 0,0 19 0,0-16 0,0 54 0,0-51 0,7 81 0,-1-73 0,0 30 0,0 0 0,-1-32 0,-1 76 0,-4-77 0,4 66 0,-3-64 0,6 72 0,-6-68 0,1 26 0,0 1 0,-2-26 0,1 29 0,2 5 0,1-10 0,4 18 0,1 2 0,1 1 0,3-3 0,1-3 0,-2-20 0,8 48 0,-12-66 2449,5 38-2449,-4-32 0,7 20 0,-6-17 0,2 18 0,-3 3 0,-1 19 0,4-1 0,-4-26 0,1 1 0,11 41 0,-8-35 0,1-2 0,11 28 0,-11-29 0,0-5 0,5 0 0,1 38 0,-9-44 0,6 33 0,-5-11-3392,3-5 0,0 1 3392,0-1-2269,7 29 1,-1-3 2268,-7-42-1012,-1 20 1,3 19 0,-4-18 1011,-3-14-677,3 22 1,3 20 0,-3-20 676,-2-23 0,2 17 0,3 18 0,-2-20 0,-1-24 58,5 42 1,-1-2-59,-7-52 370,2 29 0,-1-2-370,-8-32 0,5 30 0,3 2 0,-1-15 0,7 30 0,2 5 0,2 2 0,3 14 0,0 2 0,-2-9-46,-4-15 1,2 12-1,-4-16 46,-2-7-135,7 38 0,-3-3 135,-13-47 0,3 17 0,0 1 0,-6-18 0,1 10 0,1 0 0,-1-13 0,3 19 0,0-1 0,1-21 0,-1 38 0,0 2 0,1-23 0,-2 0 0,0 14 0,-1-9 0,-1 29 0,0-30 0,0 10 0,0-11 2201,-1 19-2201,-5-8 0,-3 14 0,1-17 0,-2-8 0,-4 10 0,-3 17 0,1-18 0,2-18 0,-4 17 0,-4 17 0,4-16 2984,1-10-2984,3 5 0,-4 22 0,1 2 0,4-20 2428,1 14-2428,4-19 0,-2 21 0,-1 8 0,1-6 0,4-21 0,2-17 0,2-1 0,-2 21 0,0 22 0,-1 7 0,1-8 0,1-24 0,2 14 0,-1-5 0,-2 25 0,1-3 0,0-28 0,0-16 0,-4 22 0,-2 21 0,2-20 6023,2-26-6023,-2 11 0,-3 16 0,2-16 135,1-13-135,1 11 0,0 16 0,1-15 674,-1-15-674,4 16 0,1 16 0,1-17 1489,0-15-1489,4 17 0,4 16 0,-2-16 0,-3-15 0,8 46 0,0-2 0,-6-55 0,-2 31 0,1-2 0,-2-42 0,-3 73 0,0-73 0,2 24 0,0 1 0,-1-18 0,0 29 0,2 0 0,1-31 0,0 43 0,0 2 0,2-36 0,2 40 0,-1-1 0,-5-41 0,4 32 0,-1 0 0,-4-39 0,1 24 0,0-2 0,-2-31 0,0 66 0,0-65-1183,0 32 1183,0-38 0,0-4 0,0 3 0,0-2 0,0-1 0,0-1 0,0 1 0,-4 19 0,3-10 0,-2 10 0,3 41 0,0-38 0,-2 38 0,0 3 0,1-29-3196,-1 41 0,0-3 3196,2-48-2138,-5 49 1,-1-2 2137,3-57-813,-10 40 0,-1 0 813,10-42 0,-7 31 0,0 3 0,5-25 0,-2 36 0,0 1 0,-2-29-1160,2 35 0,0-1 1160,3-43 745,-7 44-745,11-69 2689,-3 1-2689,4-1 2497,0 1-2497,0-1 0,-3 1 0,2 3 0,-11 9 0,10-6 5259,-9 5-5259,-9 26 0,8-27 0,-14 29 0,2 3 0,12-25 0,-15 35 0,1 1 0,17-31 0,-12 31 0,-1-1 0,10-31 0,-7 24 0,3 0 0,8-30 0,-15 52 0,18-61 4606,-8 31-4606,8-34 0,2 16 0,-1-7 0,3 5 0,-3 1 0,4 5 0,0-17 0,-4 9 0,3-15 0,-2 4 0,3-5 0,-4-3 0,3 3 0,-3-4 0,8 1 0,-3 6 0,14 22 0,-12-14 0,8 16 0,-7-12 0,1-10 0,7 29 0,-2-32 0,2 20 0,-7-24 0,2 2 0,-2-4 0,7 4 0,-2-6 0,2 9 0,-3-6 0,-1 0 0,1-2 0,-1-3 0,1 0 0,-5 0 0,0 0 0</inkml:trace>
-</inkml:ink>
-</file>
-
-<file path=ppt/ink/ink20.xml><?xml version="1.0" encoding="utf-8"?>
+<file path=ppt/ink/ink19.xml><?xml version="1.0" encoding="utf-8"?>
 <inkml:ink xmlns:inkml="http://www.w3.org/2003/InkML">
   <inkml:definitions>
     <inkml:context xml:id="ctx0">
@@ -488,7 +438,34 @@
 </inkml:ink>
 </file>
 
-<file path=ppt/ink/ink21.xml><?xml version="1.0" encoding="utf-8"?>
+<file path=ppt/ink/ink2.xml><?xml version="1.0" encoding="utf-8"?>
+<inkml:ink xmlns:inkml="http://www.w3.org/2003/InkML">
+  <inkml:definitions>
+    <inkml:context xml:id="ctx0">
+      <inkml:inkSource xml:id="inkSrc0">
+        <inkml:traceFormat>
+          <inkml:channel name="X" type="integer" min="-2.14748E9" max="2.14748E9" units="cm"/>
+          <inkml:channel name="Y" type="integer" min="-2.14748E9" max="2.14748E9" units="cm"/>
+          <inkml:channel name="F" type="integer" max="32767" units="dev"/>
+        </inkml:traceFormat>
+        <inkml:channelProperties>
+          <inkml:channelProperty channel="X" name="resolution" value="1000" units="1/cm"/>
+          <inkml:channelProperty channel="Y" name="resolution" value="1000" units="1/cm"/>
+          <inkml:channelProperty channel="F" name="resolution" value="0" units="1/dev"/>
+        </inkml:channelProperties>
+      </inkml:inkSource>
+      <inkml:timestamp xml:id="ts0" timeString="2022-10-12T15:39:37.684"/>
+    </inkml:context>
+    <inkml:brush xml:id="br0">
+      <inkml:brushProperty name="width" value="0.05" units="cm"/>
+      <inkml:brushProperty name="height" value="0.05" units="cm"/>
+    </inkml:brush>
+  </inkml:definitions>
+  <inkml:trace contextRef="#ctx0" brushRef="#br0">1 520 24575,'12'0'0,"-3"0"0,4-4 0,-1-1 0,-2 1 0,2 0 0,8 0 0,-9 3 0,43-7 0,-37 8 0,41-8 0,-23-1 0,25-8 0,-21 7 0,22-9 0,-43 13 0,15-2 0,24-4 0,-6 7 0,33-4 0,10 9 0,-24 5-3392,13 7 0,-1 1 3392,-18-4 0,19 7 0,0 0-4537,-21-3 4537,13 0-1517,-7-5 0,-7-2 1517,-31-5-1015,46-1 1,-2 0 1014,-51-1 0,38-3 0,0 0 0,-38 3 0,40-1 0,0 0 0,-39 2 363,37 0 0,0 0-363,-35 0 2380,70 4-2380,-48 8 0,8 4 0,1 2 0,-2 3 137,13 9 0,-5-2-137,-29-13 911,18 10 1,2 1-912,-2-7 10,43 11-10,-8-17 0,-27-5 0,-9-8 4102,-1-12-4102,22-2 285,-9 0-285,-2 3 0,-7 3 0,-28 6 0,36-6 0,-4 5 0,-8-2 0,15 2 0,0 1 0,-5-2-198,20 4 1,5 0 197,-34 0 0,-2 0 0,18 0 0,-3 0 0,16 0 0,-19 0 0,-6 0 0,-21 0 0,57 0 0,13 0 0,-46 0 0,-2 0 3294,15 1 1,5-2-3295,23 0 0,-10-1 590,-30 1-590,35-7 0,-5 1 0,-53 4 0,25-5 0,3 0 0,-16 4 0,5-1 0,43 1 0,-73 4 0,49 0 0,1 0 0,-45 0 0,56-3 0,1-1 0,-51 2 0,42-8 0,11-3-3392,-34 4 0,-3-1 3392,45-9-2269,-12 6 1,-12 3 2268,-44 8-1517,61-3 0,4-1 1517,-54 5-677,24-1 1,19-1 0,-18 1 676,-27 1 0,28-5 0,21-1 0,-21 1 0,-29 2 0,37-4 0,24-3 0,-21 3 0,-31 5 0,33-3 0,23-2 0,-23 2 0,-31 4 0,28-1 0,22-1 0,-22 2 0,-30 2 559,50 0 0,-1 0-559,-50 0 2583,32 0-2583,-10 0 0,-23-4 0,19 0 0,2 0 0,-11-2 0,42 3 0,-2 2 0,-49 6-558,33 1 1,23 2 0,-21 0 557,-28 0-677,37-1 1,26 1 0,-26-2 676,-36-6 556,24-2 0,21-2 0,-12-3-556,-27-2 0,-2-1 0,29-4 0,9 0 0,-17 4 0,3 2 0,-11 1 0,23-3 0,-11 6 0,14 2 0,-12 1 0,-32 3 0,1 1 492,29 2 1,14 1 0,-8-1-493,-4 0 0,-7 0 0,-2 4 0,1 0 0,16-6 0,-5-1 3275,3 10-3275,2-5 0,19-1 0,-16-1 1827,-42 1 1,0-1-1828,39 2 0,18 1 0,-13-3-612,-24-1 1,3-2 611,7 0 0,19 0 0,7 0 0,-4-1 0,-16 1 0,-16-1 0,-9 1 0,10-2 0,8 0 0,17 0 0,7-1 0,-2 0 0,-14 0 0,-23 1 0,20-1 0,-5-6 0,26-3 0,-2-1 0,-28 2 0,-12-4 0,16-1 0,19-3 0,-18 3 0,-7-1 0,-3 9 0,13 0 0,-13 1 0,7-3 0,5 9 0,17 5 0,-20-2 0,-20 0 0,14 4 0,27 5 0,1 0 0,-23-4 0,6-2 0,-1 4 0,28 7 0,0 0 0,-28-6 0,-6-4 0,-6 2 0,20 4 0,-2 0 0,-23-4 0,-13-6 0,30 2 0,25 3 0,-26-4 0,-36-4 0,40-2 0,27 0 0,-26-1 0,-37 0 0,40-2 0,27-2 0,-27 1 0,-38 3 0,25 0 0,32-2 0,3 1 0,-28 1 0,-3 1 0,-12-2 0,25-2 0,7 0 0,-8 0 0,-26 1 0,4-1 0,-7 1 0,22-1 0,8-1 0,-7 0 0,-23 1 0,10-2 0,-7 3 0,23 0 0,10 1 0,-9-1 0,-22 0 0,17-4 0,-19 4 0,24 0 0,6 0 0,-8 0 0,-24 2 0,8-1 0,-11-1 0,17-3 0,4 0 0,-9 1 0,9 2 0,1-1 0,-14-2 0,7-2 0,3 1 0,1 0-38,4 3 0,0 2 0,3 0 0,7 0 38,-8-2 0,6 0 0,5 0 0,-1 0 0,-4 1 0,-6 0-520,3 1 0,-9 1 0,3 0 0,11 1 520,-10 0 0,13 1 0,8 0 0,2 0 0,0 0 0,-7 1 0,-10-1 0,-16 1-447,0-1 1,-14 0 0,11 3 446,2 0 0,14 1 0,8 2 0,3 0 0,-3 1 0,-7 1 0,-14 1 0,7 5 0,-12 1 0,9 2 0,6 0 0,10 1 0,5 1 0,0 0 0,-8-1-521,-1 0 0,-3 0 0,-3-1 1,-3 0 520,14 3 0,-3-1 0,-5-3 0,-9-5 0,-4-2 0,-18-3 1489,-16-4-1489,39 3 0,-4-2 0,-51-7-781,30-1 1,-4-2 780,-35 0-724,52-27 724,-53 28 0,61-43 0,-59 42-927,62-34 927,-59 37 0,57-19 0,-53 21 0,52-9 0,-56 10 0,26-3 2698,-38 4-2698,3 0 0,-3 0 0,-1 0 0,20-4 0,-15 3 3386,19-3-3386,30 8 5773,-36-3-5773,58 6 0,5 1 2900,-49-5-2900,28 3 0,21 3 0,-21-3 151,-30-4-151,30 2 0,20-1 0,-20 0 0,-28-3 0,26-5 0,19-3 0,-19 2-6784,-26 1 6784,11-3 0,4-3-4537,39-14 4537,-62 16 0,36-13 0,8-1 0,18 3-3034,-15-2 3034,-3 11 0,-10 3 0,-43 7 0,32-5 0,1 0 0,-37 5 0,77-10 0,-39 5 0,3-6 0,5 3 0,-44 5 0,54-12 0,-48 14 594,28-10 0,-2 1-594,-32 8 3623,68-16-3623,-63 13 0,12-6 0,20-4 0,-40 9 5417,44-8-5417,-35 10 4127,31-7-4127,19-1 0,-27 3 0,2 4 0,-5 1 0,-27 4 0,72-3 0,-74 4 0,70 0 0,-69 0 0,62 0 0,-50 0 0,31 0 0,-26 0 0,20-11 0,-33 8 0,31-12 0,-41 14 0,41-7 0,-39 7 0,39-3 0,-41 4 0,15 0 0,-19 0 0,3 0 0,-3 0 0,4 0 0,10 0 0,-10 0 0,44 4 0,-39-3 0,58 14 0,-59-12 0,56 9 0,-56-12 0,56 0 0,-56 0 0,40 0 0,-37 0 0,10 0 0,-13 0 0,-5 0 0,-3 0 0,-1 0 0,1 0 0,-1 0 0,12 0 0,-8 0 0,26 0 0,-28-4 0,43 3 0,-42-3 0,40 0 0,-39 3 0,27-6 0,-27 6 0,12-3 0,-4 0 0,-9 3 0,13-3 0,-15 4 0,4 0 0,-1 0 0,-3 0 0,15-3 0,-13 2 0,13-3 0,-14 4 0,13 0 0,-11 0 0,30-4 0,-27 3 0,12-3 0,-23 4 0</inkml:trace>
+</inkml:ink>
+</file>
+
+<file path=ppt/ink/ink20.xml><?xml version="1.0" encoding="utf-8"?>
 <inkml:ink xmlns:inkml="http://www.w3.org/2003/InkML">
   <inkml:definitions>
     <inkml:context xml:id="ctx0">
@@ -516,7 +493,7 @@
 </inkml:ink>
 </file>
 
-<file path=ppt/ink/ink22.xml><?xml version="1.0" encoding="utf-8"?>
+<file path=ppt/ink/ink21.xml><?xml version="1.0" encoding="utf-8"?>
 <inkml:ink xmlns:inkml="http://www.w3.org/2003/InkML">
   <inkml:definitions>
     <inkml:context xml:id="ctx0">
@@ -543,7 +520,7 @@
 </inkml:ink>
 </file>
 
-<file path=ppt/ink/ink23.xml><?xml version="1.0" encoding="utf-8"?>
+<file path=ppt/ink/ink22.xml><?xml version="1.0" encoding="utf-8"?>
 <inkml:ink xmlns:inkml="http://www.w3.org/2003/InkML">
   <inkml:definitions>
     <inkml:context xml:id="ctx0">
@@ -570,7 +547,7 @@
 </inkml:ink>
 </file>
 
-<file path=ppt/ink/ink24.xml><?xml version="1.0" encoding="utf-8"?>
+<file path=ppt/ink/ink23.xml><?xml version="1.0" encoding="utf-8"?>
 <inkml:ink xmlns:inkml="http://www.w3.org/2003/InkML">
   <inkml:definitions>
     <inkml:context xml:id="ctx0">
@@ -597,7 +574,7 @@
 </inkml:ink>
 </file>
 
-<file path=ppt/ink/ink25.xml><?xml version="1.0" encoding="utf-8"?>
+<file path=ppt/ink/ink24.xml><?xml version="1.0" encoding="utf-8"?>
 <inkml:ink xmlns:inkml="http://www.w3.org/2003/InkML">
   <inkml:definitions>
     <inkml:context xml:id="ctx0">
@@ -624,7 +601,7 @@
 </inkml:ink>
 </file>
 
-<file path=ppt/ink/ink26.xml><?xml version="1.0" encoding="utf-8"?>
+<file path=ppt/ink/ink25.xml><?xml version="1.0" encoding="utf-8"?>
 <inkml:ink xmlns:inkml="http://www.w3.org/2003/InkML">
   <inkml:definitions>
     <inkml:context xml:id="ctx0">
@@ -651,7 +628,7 @@
 </inkml:ink>
 </file>
 
-<file path=ppt/ink/ink27.xml><?xml version="1.0" encoding="utf-8"?>
+<file path=ppt/ink/ink26.xml><?xml version="1.0" encoding="utf-8"?>
 <inkml:ink xmlns:inkml="http://www.w3.org/2003/InkML">
   <inkml:definitions>
     <inkml:context xml:id="ctx0">
@@ -678,7 +655,7 @@
 </inkml:ink>
 </file>
 
-<file path=ppt/ink/ink28.xml><?xml version="1.0" encoding="utf-8"?>
+<file path=ppt/ink/ink27.xml><?xml version="1.0" encoding="utf-8"?>
 <inkml:ink xmlns:inkml="http://www.w3.org/2003/InkML">
   <inkml:definitions>
     <inkml:context xml:id="ctx0">
@@ -705,7 +682,7 @@
 </inkml:ink>
 </file>
 
-<file path=ppt/ink/ink3.xml><?xml version="1.0" encoding="utf-8"?>
+<file path=ppt/ink/ink28.xml><?xml version="1.0" encoding="utf-8"?>
 <inkml:ink xmlns:inkml="http://www.w3.org/2003/InkML">
   <inkml:definitions>
     <inkml:context xml:id="ctx0">
@@ -721,18 +698,47 @@
           <inkml:channelProperty channel="F" name="resolution" value="0" units="1/dev"/>
         </inkml:channelProperties>
       </inkml:inkSource>
-      <inkml:timestamp xml:id="ts0" timeString="2022-10-12T15:39:37.684"/>
+      <inkml:timestamp xml:id="ts0" timeString="2025-10-03T15:59:34.945"/>
     </inkml:context>
     <inkml:brush xml:id="br0">
-      <inkml:brushProperty name="width" value="0.05" units="cm"/>
-      <inkml:brushProperty name="height" value="0.05" units="cm"/>
+      <inkml:brushProperty name="width" value="0.2" units="cm"/>
+      <inkml:brushProperty name="height" value="1.2" units="cm"/>
+      <inkml:brushProperty name="inkEffects" value="pencil"/>
     </inkml:brush>
   </inkml:definitions>
-  <inkml:trace contextRef="#ctx0" brushRef="#br0">1 520 24575,'12'0'0,"-3"0"0,4-4 0,-1-1 0,-2 1 0,2 0 0,8 0 0,-9 3 0,43-7 0,-37 8 0,41-8 0,-23-1 0,25-8 0,-21 7 0,22-9 0,-43 13 0,15-2 0,24-4 0,-6 7 0,33-4 0,10 9 0,-24 5-3392,13 7 0,-1 1 3392,-18-4 0,19 7 0,0 0-4537,-21-3 4537,13 0-1517,-7-5 0,-7-2 1517,-31-5-1015,46-1 1,-2 0 1014,-51-1 0,38-3 0,0 0 0,-38 3 0,40-1 0,0 0 0,-39 2 363,37 0 0,0 0-363,-35 0 2380,70 4-2380,-48 8 0,8 4 0,1 2 0,-2 3 137,13 9 0,-5-2-137,-29-13 911,18 10 1,2 1-912,-2-7 10,43 11-10,-8-17 0,-27-5 0,-9-8 4102,-1-12-4102,22-2 285,-9 0-285,-2 3 0,-7 3 0,-28 6 0,36-6 0,-4 5 0,-8-2 0,15 2 0,0 1 0,-5-2-198,20 4 1,5 0 197,-34 0 0,-2 0 0,18 0 0,-3 0 0,16 0 0,-19 0 0,-6 0 0,-21 0 0,57 0 0,13 0 0,-46 0 0,-2 0 3294,15 1 1,5-2-3295,23 0 0,-10-1 590,-30 1-590,35-7 0,-5 1 0,-53 4 0,25-5 0,3 0 0,-16 4 0,5-1 0,43 1 0,-73 4 0,49 0 0,1 0 0,-45 0 0,56-3 0,1-1 0,-51 2 0,42-8 0,11-3-3392,-34 4 0,-3-1 3392,45-9-2269,-12 6 1,-12 3 2268,-44 8-1517,61-3 0,4-1 1517,-54 5-677,24-1 1,19-1 0,-18 1 676,-27 1 0,28-5 0,21-1 0,-21 1 0,-29 2 0,37-4 0,24-3 0,-21 3 0,-31 5 0,33-3 0,23-2 0,-23 2 0,-31 4 0,28-1 0,22-1 0,-22 2 0,-30 2 559,50 0 0,-1 0-559,-50 0 2583,32 0-2583,-10 0 0,-23-4 0,19 0 0,2 0 0,-11-2 0,42 3 0,-2 2 0,-49 6-558,33 1 1,23 2 0,-21 0 557,-28 0-677,37-1 1,26 1 0,-26-2 676,-36-6 556,24-2 0,21-2 0,-12-3-556,-27-2 0,-2-1 0,29-4 0,9 0 0,-17 4 0,3 2 0,-11 1 0,23-3 0,-11 6 0,14 2 0,-12 1 0,-32 3 0,1 1 492,29 2 1,14 1 0,-8-1-493,-4 0 0,-7 0 0,-2 4 0,1 0 0,16-6 0,-5-1 3275,3 10-3275,2-5 0,19-1 0,-16-1 1827,-42 1 1,0-1-1828,39 2 0,18 1 0,-13-3-612,-24-1 1,3-2 611,7 0 0,19 0 0,7 0 0,-4-1 0,-16 1 0,-16-1 0,-9 1 0,10-2 0,8 0 0,17 0 0,7-1 0,-2 0 0,-14 0 0,-23 1 0,20-1 0,-5-6 0,26-3 0,-2-1 0,-28 2 0,-12-4 0,16-1 0,19-3 0,-18 3 0,-7-1 0,-3 9 0,13 0 0,-13 1 0,7-3 0,5 9 0,17 5 0,-20-2 0,-20 0 0,14 4 0,27 5 0,1 0 0,-23-4 0,6-2 0,-1 4 0,28 7 0,0 0 0,-28-6 0,-6-4 0,-6 2 0,20 4 0,-2 0 0,-23-4 0,-13-6 0,30 2 0,25 3 0,-26-4 0,-36-4 0,40-2 0,27 0 0,-26-1 0,-37 0 0,40-2 0,27-2 0,-27 1 0,-38 3 0,25 0 0,32-2 0,3 1 0,-28 1 0,-3 1 0,-12-2 0,25-2 0,7 0 0,-8 0 0,-26 1 0,4-1 0,-7 1 0,22-1 0,8-1 0,-7 0 0,-23 1 0,10-2 0,-7 3 0,23 0 0,10 1 0,-9-1 0,-22 0 0,17-4 0,-19 4 0,24 0 0,6 0 0,-8 0 0,-24 2 0,8-1 0,-11-1 0,17-3 0,4 0 0,-9 1 0,9 2 0,1-1 0,-14-2 0,7-2 0,3 1 0,1 0-38,4 3 0,0 2 0,3 0 0,7 0 38,-8-2 0,6 0 0,5 0 0,-1 0 0,-4 1 0,-6 0-520,3 1 0,-9 1 0,3 0 0,11 1 520,-10 0 0,13 1 0,8 0 0,2 0 0,0 0 0,-7 1 0,-10-1 0,-16 1-447,0-1 1,-14 0 0,11 3 446,2 0 0,14 1 0,8 2 0,3 0 0,-3 1 0,-7 1 0,-14 1 0,7 5 0,-12 1 0,9 2 0,6 0 0,10 1 0,5 1 0,0 0 0,-8-1-521,-1 0 0,-3 0 0,-3-1 1,-3 0 520,14 3 0,-3-1 0,-5-3 0,-9-5 0,-4-2 0,-18-3 1489,-16-4-1489,39 3 0,-4-2 0,-51-7-781,30-1 1,-4-2 780,-35 0-724,52-27 724,-53 28 0,61-43 0,-59 42-927,62-34 927,-59 37 0,57-19 0,-53 21 0,52-9 0,-56 10 0,26-3 2698,-38 4-2698,3 0 0,-3 0 0,-1 0 0,20-4 0,-15 3 3386,19-3-3386,30 8 5773,-36-3-5773,58 6 0,5 1 2900,-49-5-2900,28 3 0,21 3 0,-21-3 151,-30-4-151,30 2 0,20-1 0,-20 0 0,-28-3 0,26-5 0,19-3 0,-19 2-6784,-26 1 6784,11-3 0,4-3-4537,39-14 4537,-62 16 0,36-13 0,8-1 0,18 3-3034,-15-2 3034,-3 11 0,-10 3 0,-43 7 0,32-5 0,1 0 0,-37 5 0,77-10 0,-39 5 0,3-6 0,5 3 0,-44 5 0,54-12 0,-48 14 594,28-10 0,-2 1-594,-32 8 3623,68-16-3623,-63 13 0,12-6 0,20-4 0,-40 9 5417,44-8-5417,-35 10 4127,31-7-4127,19-1 0,-27 3 0,2 4 0,-5 1 0,-27 4 0,72-3 0,-74 4 0,70 0 0,-69 0 0,62 0 0,-50 0 0,31 0 0,-26 0 0,20-11 0,-33 8 0,31-12 0,-41 14 0,41-7 0,-39 7 0,39-3 0,-41 4 0,15 0 0,-19 0 0,3 0 0,-3 0 0,4 0 0,10 0 0,-10 0 0,44 4 0,-39-3 0,58 14 0,-59-12 0,56 9 0,-56-12 0,56 0 0,-56 0 0,40 0 0,-37 0 0,10 0 0,-13 0 0,-5 0 0,-3 0 0,-1 0 0,1 0 0,-1 0 0,12 0 0,-8 0 0,26 0 0,-28-4 0,43 3 0,-42-3 0,40 0 0,-39 3 0,27-6 0,-27 6 0,12-3 0,-4 0 0,-9 3 0,13-3 0,-15 4 0,4 0 0,-1 0 0,-3 0 0,15-3 0,-13 2 0,13-3 0,-14 4 0,13 0 0,-11 0 0,30-4 0,-27 3 0,12-3 0,-23 4 0</inkml:trace>
+  <inkml:trace contextRef="#ctx0" brushRef="#br0">0 1 16383,'0'99'0,"0"1"0,0 0 0,0 0 0,0-1 0,0 1 0,0 0 0,0 0 0,0-1 0,0 1 0,0 0 0,0 0 0,0-1 0,0 1 0,0 0 0,0 0 0,0-1 0,0 1 0,0 0 0,0-1 0,0 1 0,0 0 0,0 0 0,0-1 0,0 1 0,0 0 0,0 0 0,0-1 0,0 1 0,0 0 0,0 0 0,0-1 0,0 1 0,0 0 0,0 0 0,0-1 0,0 1 0,0 0 0,0 1 0,0 1 0,0 0 0,0 1 0,0 1 0,0 1 0,0-1 0,0 1 0,0 0 0,0 0 0,0 1 0,0-2 0,0 1 0,0-1 0,0 0 0,0-1 0,0 0 0,0-1 0,0-1 0,0-2 0,0 0 0,0-1 0,0-2 0,0-1 0,0-2 0,0-2 0,0-1 0,0-2 0,0-2 0,0-2 0,0-2 0,0-2 0,0-3 0,0-2 0,0 38 0,0-5 0,0-5 0,0-5 0,0-3 0,0-4 0,0-2 0,0-2 0,0 0 0,0-1 0,0 1 0,0 1 0,0 2 0,0 10 0,0 1 0,0-1 0,0 0 0,1 0 0,-1-2 0,0 0 0,0-2 0,1-1 0,-1-2 0,1-2 0,0 4 0,-1-3 0,1 0 0,0-3 0,1 0 0,-1-2 0,0-1 0,1 0 0,0-2 0,1 12 0,0-1 0,0-1 0,0-2 0,1-2 0,0-1 0,0-2 0,0 2 0,1-1 0,1-3 0,-1-1 0,1-2 0,0-2 0,3 19 0,0-3 0,0-3 0,1-4 0,1 8 0,-1-4 0,2-8 0,1 3 0,0-8 0,-1-17 0,-2-5 0,7 28 0,-4 2 0,-3 7 0,-2 2 0,-4-11 0,-1-23 0,-3-23 0,0-20 0,0-16 0,0-22 0,0 7 0,-2-14 0,-2 11 0,2 7 0,-2-2 0</inkml:trace>
 </inkml:ink>
 </file>
 
-<file path=ppt/ink/ink4.xml><?xml version="1.0" encoding="utf-8"?>
+<file path=ppt/ink/ink29.xml><?xml version="1.0" encoding="utf-8"?>
+<inkml:ink xmlns:inkml="http://www.w3.org/2003/InkML">
+  <inkml:definitions>
+    <inkml:context xml:id="ctx0">
+      <inkml:inkSource xml:id="inkSrc0">
+        <inkml:traceFormat>
+          <inkml:channel name="X" type="integer" min="-2.14748E9" max="2.14748E9" units="cm"/>
+          <inkml:channel name="Y" type="integer" min="-2.14748E9" max="2.14748E9" units="cm"/>
+          <inkml:channel name="F" type="integer" max="32767" units="dev"/>
+        </inkml:traceFormat>
+        <inkml:channelProperties>
+          <inkml:channelProperty channel="X" name="resolution" value="1000" units="1/cm"/>
+          <inkml:channelProperty channel="Y" name="resolution" value="1000" units="1/cm"/>
+          <inkml:channelProperty channel="F" name="resolution" value="0" units="1/dev"/>
+        </inkml:channelProperties>
+      </inkml:inkSource>
+      <inkml:timestamp xml:id="ts0" timeString="2025-10-03T15:59:36.444"/>
+    </inkml:context>
+    <inkml:brush xml:id="br0">
+      <inkml:brushProperty name="width" value="0.2" units="cm"/>
+      <inkml:brushProperty name="height" value="1.2" units="cm"/>
+      <inkml:brushProperty name="inkEffects" value="pencil"/>
+    </inkml:brush>
+  </inkml:definitions>
+  <inkml:trace contextRef="#ctx0" brushRef="#br0">0 260 16383,'70'0'0,"-1"0"0,0 0 0,16 0 0,8 0 0,8 0 0,9 0 0,-34 0 0,4 0 0,5 0 0,3 0 0,4 0 0,2 0 0,1 0 0,3 0 0,0 0 0,-7 0 0,2 0 0,2 0 0,2 0 0,2 0 0,1 0 0,1 0 0,2 0 0,0 0 0,2 0 0,0 0 0,0 0 0,-14 0 0,0 0 0,1 0 0,1 0 0,1 0 0,0 0 0,1 0 0,1 0 0,0 0 0,1 0 0,1 0 0,-1 0 0,1 0 0,1 0 0,-1 0 0,1 0 0,-5 0 0,1 0 0,0 1 0,1-1 0,0 0 0,1 0 0,0 0 0,1 0 0,-1 0 0,1 0 0,0 0 0,1 0 0,-1 0 0,0 0 0,0 0 0,0 0 0,0 0 0,0-1 0,0 1 0,1 0 0,0 0 0,-1 0 0,1 0 0,0 0 0,0-1 0,0 1 0,0 0 0,0 0 0,0 0 0,0-1 0,0 1 0,0 0 0,0-1 0,-1 1 0,1 0 0,0-1 0,-2 1 0,1-1 0,0 1 0,-1-1 0,1 0 0,0 1 0,-1-1 0,1 0 0,-1 1 0,1-1 0,-1 0 0,0 0 0,0 1 0,1-1 0,-2 0 0,1 0 0,0 1 0,-1-1 0,4 0 0,0 0 0,0 0 0,0 1 0,-1-1 0,1 0 0,-1 0 0,1 0 0,-1 0 0,0 1 0,0-1 0,0 0 0,-1 0 0,1 0 0,-1 0 0,0 1 0,0-1 0,3 0 0,0 0 0,0 0 0,-1 0 0,1 0 0,-1 1 0,1-1 0,-1 0 0,-1 0 0,1 0 0,-1 0 0,1 1 0,-1-1 0,-1 0 0,1 0 0,-1 1 0,3-1 0,-1 0 0,1 1 0,-1-1 0,0 1 0,-1-1 0,1 1 0,-1-1 0,0 1 0,0-1 0,-1 1 0,1 0 0,-1-1 0,0 1 0,1 0 0,-3 0 0,0-1 0,0 1 0,-1 0 0,1 1 0,0-1 0,-1 0 0,0 0 0,0 0 0,0 0 0,0 0 0,-1 0 0,0 0 0,-1 0 0,1 0 0,2 0 0,-1-1 0,0 1 0,0 0 0,0-1 0,0 1 0,-1 0 0,0-1 0,0 1 0,-1-1 0,0 0 0,0 1 0,0-1 0,-1 0 0,3 1 0,0-1 0,0 0 0,-1 0 0,1 0 0,-2 0 0,1 0 0,-1 0 0,0-1 0,0 1 0,-1 0 0,1-1 0,-1 0 0,4 0 0,-1 0 0,1 0 0,-1 0 0,0 0 0,-1-1 0,0 1 0,0-1 0,0 1 0,-1-1 0,0 0 0,-1 0 0,4 0 0,0 0 0,0 0 0,-1 0 0,-1-1 0,1 1 0,-2-1 0,1 1 0,-1-1 0,0 1 0,-1-1 0,5 1 0,-1-1 0,0 0 0,0 0 0,-1 0 0,-1 0 0,0 0 0,0 0 0,-1 0 0,-1 0 0,4 0 0,-1 0 0,-1-1 0,0 1 0,0 0 0,-2 0 0,0 0 0,-1 0 0,0 0 0,3 1 0,0-1 0,-2 1 0,0 0 0,0 0 0,-2 0 0,0 1 0,-1-1 0,6 0 0,-1 1 0,-1-1 0,0 1 0,-2 0 0,0 0 0,-1 1 0,7-1 0,-1 1 0,0 0 0,-2 0 0,-1 1 0,-2-1 0,6 1 0,-1 0 0,-2 0 0,-2 0 0,-3 0 0,8 1 0,-2 1 0,-3-1 0,-5 2 0,6 0 0,-4 2 0,-7 0 0,8 3 0,-8 1 0,-19 0 0,-7 1 0,14 3 0,-32-5 0,-17-1 0,-6-2 0,-3-1 0,-6-3 0,-2 0 0</inkml:trace>
+</inkml:ink>
+</file>
+
+<file path=ppt/ink/ink3.xml><?xml version="1.0" encoding="utf-8"?>
 <inkml:ink xmlns:inkml="http://www.w3.org/2003/InkML">
   <inkml:definitions>
     <inkml:context xml:id="ctx0">
@@ -759,7 +765,287 @@
 </inkml:ink>
 </file>
 
-<file path=ppt/ink/ink5.xml><?xml version="1.0" encoding="utf-8"?>
+<file path=ppt/ink/ink30.xml><?xml version="1.0" encoding="utf-8"?>
+<inkml:ink xmlns:inkml="http://www.w3.org/2003/InkML">
+  <inkml:definitions>
+    <inkml:context xml:id="ctx0">
+      <inkml:inkSource xml:id="inkSrc0">
+        <inkml:traceFormat>
+          <inkml:channel name="X" type="integer" min="-2.14748E9" max="2.14748E9" units="cm"/>
+          <inkml:channel name="Y" type="integer" min="-2.14748E9" max="2.14748E9" units="cm"/>
+          <inkml:channel name="F" type="integer" max="32767" units="dev"/>
+        </inkml:traceFormat>
+        <inkml:channelProperties>
+          <inkml:channelProperty channel="X" name="resolution" value="1000" units="1/cm"/>
+          <inkml:channelProperty channel="Y" name="resolution" value="1000" units="1/cm"/>
+          <inkml:channelProperty channel="F" name="resolution" value="0" units="1/dev"/>
+        </inkml:channelProperties>
+      </inkml:inkSource>
+      <inkml:timestamp xml:id="ts0" timeString="2025-10-03T15:59:48.815"/>
+    </inkml:context>
+    <inkml:brush xml:id="br0">
+      <inkml:brushProperty name="width" value="0.035" units="cm"/>
+      <inkml:brushProperty name="height" value="0.035" units="cm"/>
+      <inkml:brushProperty name="color" value="#E71224"/>
+    </inkml:brush>
+  </inkml:definitions>
+  <inkml:trace contextRef="#ctx0" brushRef="#br0">1 4095 24575,'0'-42'0,"2"-44"0,4 14 0,4-9 0,-1 13 0,3-4 0,1 1 0,0 0 0,2 0 0,0 1 0,1 1 0,1 2 0,-1 1 0,3-16 0,-1 4 0,-3 12 0,0 2 0,-1 3 0,0 3 0,-2 7 0,0 2 0,13-39 0,-4 19 0,-2 15 0,1 8 0,5-5 0,13-13 0,16-18 0,-22 37 0,2-2 0,2-1 0,0-1 0,0 1 0,-1 1 0,-1 1 0,-1 1 0,2-4 0,1 0 0,5-6 0,1-1 0,8-9 0,2-1 0,8-10 0,2-1 0,-20 25 0,1 0 0,0-1 0,0 0 0,1 0 0,-1 0 0,19-22 0,-1 1 0,-4 7 0,-1 3 0,-3 3 0,-1 3 0,-4 7 0,1 3 0,-2 2 0,0 3 0,0 1 0,0 2 0,0 4 0,0 3 0,-1 2 0,-1 2 0,1 2 0,1 3 0,-1 3 0,1 1 0,-1 1 0,1 1 0,47-13 0,-1 2 0,-44 17 0,0 2 0,2 1 0,0 1 0,3 2 0,0 2 0,0 1 0,1 2 0,1 0 0,1 0 0,2 1 0,0 0 0,0 0 0,2 0 0,2 0 0,2 0 0,1 0 0,1 1 0,2 1 0,0 2 0,2 2 0,0 2 0,4 4 0,0 3 0,4 6 0,-1 3 0,1 3 0,0 3 0,5 5 0,0 3 0,-6-1 0,-2 2 0,-1 0 0,-1 2 0,1 2 0,-1 1 0,-1 1 0,0 2 0,3 5 0,0 1 0,0 3 0,-1 2-339,1 3 1,0 3 338,-24-18 0,0 1 0,1 2 0,6 6 0,0 2 0,2 2-539,5 9 0,1 2 0,1 4 539,-11-12 0,0 3 0,1 2 0,-1 0 0,4 6 0,0 1 0,1 1 0,-2 0 0,-3-3 0,0 1 0,0-1 0,-2 0 0,-4-6 0,0 0 0,-2-1 0,0-1 0,9 13 0,-1-1 0,-1-1 0,-4-5 0,-1-2 0,0 1 0,2 4 0,1 1 0,5 8 0,-16-18 0,3 6 0,3 3 0,0 2 0,-1-1 0,-2-4 0,2 2 0,-2-3 0,-1 0 0,2 1 0,1 3-323,2 3 0,2 4 1,2 2-1,-1-1 1,-1-4-1,-4-6 323,3 2 0,-3-5 0,-1-4 0,0-2 0,11 10 0,1-3 0,-2-4-214,-6-10 1,0-3 0,1 1 213,5 6 0,2 0 0,0 2 0,3 3 0,-1 0 0,1 1 0,-3 0 0,0 0 0,-1-2 0,-5-3 0,-1-2 0,-2-2 266,11 14 1,-3-4-267,-10-9 0,-2-2 718,-1-2 0,-1 0-718,-2-1 0,1 1 1046,1 5 1,1 1-1047,1 4 0,-1 0 404,-2-1 0,-1-1-404,-4-6 0,-2-3 0,22 28 0,-20-34 0,-15-22 0,-8-12 0,-2-4 0,-1-1 0,-1-1 0,-1-2 0,-1-3 0,-2-1 0,-1 2 0,-2 0 0,2 0 0,0-2-1696,-1-3 0,-2 1 0,-2-1 0</inkml:trace>
+</inkml:ink>
+</file>
+
+<file path=ppt/ink/ink31.xml><?xml version="1.0" encoding="utf-8"?>
+<inkml:ink xmlns:inkml="http://www.w3.org/2003/InkML">
+  <inkml:definitions>
+    <inkml:context xml:id="ctx0">
+      <inkml:inkSource xml:id="inkSrc0">
+        <inkml:traceFormat>
+          <inkml:channel name="X" type="integer" min="-2.14748E9" max="2.14748E9" units="cm"/>
+          <inkml:channel name="Y" type="integer" min="-2.14748E9" max="2.14748E9" units="cm"/>
+          <inkml:channel name="F" type="integer" max="32767" units="dev"/>
+        </inkml:traceFormat>
+        <inkml:channelProperties>
+          <inkml:channelProperty channel="X" name="resolution" value="1000" units="1/cm"/>
+          <inkml:channelProperty channel="Y" name="resolution" value="1000" units="1/cm"/>
+          <inkml:channelProperty channel="F" name="resolution" value="0" units="1/dev"/>
+        </inkml:channelProperties>
+      </inkml:inkSource>
+      <inkml:timestamp xml:id="ts0" timeString="2025-10-03T15:59:52.010"/>
+    </inkml:context>
+    <inkml:brush xml:id="br0">
+      <inkml:brushProperty name="width" value="0.035" units="cm"/>
+      <inkml:brushProperty name="height" value="0.035" units="cm"/>
+      <inkml:brushProperty name="color" value="#E71224"/>
+    </inkml:brush>
+  </inkml:definitions>
+  <inkml:trace contextRef="#ctx0" brushRef="#br0">4254 1 24575,'0'20'0,"0"11"0,0 15 0,0 25 0,0 25 0,-3-37 0,-1 2 0,-4 10 0,-2 2 0,-3 5 0,-4 0 0,-3 3 0,-1-1 0,-2-4 0,0-4 0,2-9 0,0-4 0,-15 32 0,4-17 0,-1 3 0,11-30 0,-1 3 0,-4 7 0,-3 4 0,-7 10 0,-3 2 0,-9 10 0,-2 2 0,16-29 0,-1 0 0,-1 0 0,-1 0 0,-2-1 0,0-2 0,-17 18 0,0-5 0,6-12 0,0-4 0,3-7 0,1-4 0,-32 17 0,7-13 0,3-6 0,-2 0 0,-1 3 0,3 3 0,3 0 0,4 1 0,1 0 0,2-1 0,2-1 0,2-3 0,3-2 0,3-1 0,1-1 0,-2 7 0,-8 10 0,-11 12 0,32-29 0,-2 2 0,-2 0 0,0-1 0,1 1 0,1-1 0,-36 30 0,9-5 0,8-7 0,7-8 0,8-7 0,3-7 0,2-3 0,-2-4 0,-5-2 0,-7-1 0,-7-2 0,-10 0 0,-12 2 0,-9-2 0,-6-3 0,-3-3 0,1-5 0,0-4 0,0-2 0,2-3 0,7 0 0,12 0 0,12 0 0,15 0 0,13 0 0,10 0 0,11 0 0,3 0 0,5 0 0,-1 0 0,1 0 0,5 0 0,-1 0 0</inkml:trace>
+</inkml:ink>
+</file>
+
+<file path=ppt/ink/ink32.xml><?xml version="1.0" encoding="utf-8"?>
+<inkml:ink xmlns:inkml="http://www.w3.org/2003/InkML">
+  <inkml:definitions>
+    <inkml:context xml:id="ctx0">
+      <inkml:inkSource xml:id="inkSrc0">
+        <inkml:traceFormat>
+          <inkml:channel name="X" type="integer" min="-2.14748E9" max="2.14748E9" units="cm"/>
+          <inkml:channel name="Y" type="integer" min="-2.14748E9" max="2.14748E9" units="cm"/>
+          <inkml:channel name="F" type="integer" max="32767" units="dev"/>
+        </inkml:traceFormat>
+        <inkml:channelProperties>
+          <inkml:channelProperty channel="X" name="resolution" value="1000" units="1/cm"/>
+          <inkml:channelProperty channel="Y" name="resolution" value="1000" units="1/cm"/>
+          <inkml:channelProperty channel="F" name="resolution" value="0" units="1/dev"/>
+        </inkml:channelProperties>
+      </inkml:inkSource>
+      <inkml:timestamp xml:id="ts0" timeString="2025-10-03T16:00:05.015"/>
+    </inkml:context>
+    <inkml:brush xml:id="br0">
+      <inkml:brushProperty name="width" value="0.05" units="cm"/>
+      <inkml:brushProperty name="height" value="0.05" units="cm"/>
+      <inkml:brushProperty name="color" value="#004F8B"/>
+    </inkml:brush>
+  </inkml:definitions>
+  <inkml:trace contextRef="#ctx0" brushRef="#br0">1 5346 24575,'0'-20'0,"0"2"0,1 0 0,1 3 0,1-12 0,3-5 0,-2 0 0,0 3 0,-2 11 0,-2 3 0,0-1 0,0-1 0,0-1 0,0 0 0,0 0 0,1 5 0,1 2 0,2 3 0,-1 1 0,-2 0 0,3-2 0,1-2 0,1-4 0,3-3 0,1-4 0,3-5 0,3-7 0,2-4 0,0 0 0,2 4 0,-1 7 0,-2 7 0,-1 4 0,-3-2 0,3-4 0,3-5 0,3-3 0,1-3 0,2 0 0,6-4 0,7-10 0,10-11 0,7-8 0,3-2 0,0 3 0,-5 10 0,-3 7 0,-2 7 0,2 4 0,5 0 0,8-1 0,6-1 0,4 0 0,4 1 0,-1 3 0,-3 1 0,-7 5 0,-8 3 0,-4 2 0,5-1 0,14-7 0,11-4 0,7-2 0,3 2 0,-8 6 0,0 2 0,0 2 0,1 0 0,2 1 0,-4 1 0,-7 2 0,-9 3 0,-11 3 0,-5 4 0,0 2 0,10 3 0,11-1 0,15-1 0,8 3 0,-1 0 0,-3 4 0,-1 2 0,1 0 0,-42 0 0,-1 0 0,2 0 0,-1 0 0,49 0 0,-9 0 0,-11 0 0,-8 0 0,-4 0 0,4 2 0,12 1 0,10 2 0,-42-2 0,1 0 0,2 0 0,0 0 0,0 0 0,0 1 0,1-1 0,1 0 0,-1 1 0,0 0 0,2 0 0,0 0 0,2-1 0,-1 1 0,-3 0 0,-1 1 0,-1 0 0,-3 0 0,40 3 0,-14 1 0,-9-3 0,-10-2 0,-4-2 0,-4-2 0,-8 0 0,-7 0 0,-10-2 0,-7-5 0,2-6 0,5-9 0,7-6 0,11-9 0,11-14 0,16-12 0,-31 28 0,1-1 0,0 0 0,-1 1 0,32-25 0,-16 9 0,-13 11 0,-8 5 0,-8 6 0,0 1 0,-5 0 0,-1 1 0,-1-3 0,1-4 0,3-8 0,4-9 0,4-3 0,5-3 0,8-6 0,1-2 0,2-1 0,-4 2 0,-8 8 0,-1 2 0,2-3 0,13-15 0,-19 29 0,2-2 0,7-6 0,1-2 0,3-2 0,0-1 0,2 0 0,0-1 0,0 0 0,1 1 0,-4 3 0,1 2 0,-1 2 0,0 2 0,-2 3 0,-1 2 0,-1 2 0,0 0 0,-1 2 0,1 0 0,-1 2 0,0 0 0,34-30 0,-5 5 0,-27 26 0,0 2 0,14-10 0,6-1 0,-26 27 0,-2 3 0,0 2 0,3-2 0,0 1 0,-4 3 0,-2 1 0,-1 3 0,3-1 0,4-3 0,4-2 0,5-2 0,0-1 0,-2 2 0,0-1 0,1 0 0,4-3 0,13-5 0,11-5 0,11-3 0,9 0 0,0 2 0,-1 3 0,-3 3 0,0 0 0,0-3 0,-2-2 0,-3-1 0,-14 4 0,-14 5 0,-14 8 0,-10 5 0,-4 2 0,-3 2 0,-2 0 0,-1 1 0,0 1 0,-1 0 0,0 0 0,-4 0 0,-1 0 0,-3 0 0,-2 0 0,-1 0 0,2 1 0,-3 2 0,-2 2 0,-2 2 0,-2-3 0,0-2 0,0-5 0</inkml:trace>
+</inkml:ink>
+</file>
+
+<file path=ppt/ink/ink33.xml><?xml version="1.0" encoding="utf-8"?>
+<inkml:ink xmlns:inkml="http://www.w3.org/2003/InkML">
+  <inkml:definitions>
+    <inkml:context xml:id="ctx0">
+      <inkml:inkSource xml:id="inkSrc0">
+        <inkml:traceFormat>
+          <inkml:channel name="X" type="integer" min="-2.14748E9" max="2.14748E9" units="cm"/>
+          <inkml:channel name="Y" type="integer" min="-2.14748E9" max="2.14748E9" units="cm"/>
+          <inkml:channel name="F" type="integer" max="32767" units="dev"/>
+        </inkml:traceFormat>
+        <inkml:channelProperties>
+          <inkml:channelProperty channel="X" name="resolution" value="1000" units="1/cm"/>
+          <inkml:channelProperty channel="Y" name="resolution" value="1000" units="1/cm"/>
+          <inkml:channelProperty channel="F" name="resolution" value="0" units="1/dev"/>
+        </inkml:channelProperties>
+      </inkml:inkSource>
+      <inkml:timestamp xml:id="ts0" timeString="2025-10-03T16:00:17.036"/>
+    </inkml:context>
+    <inkml:brush xml:id="br0">
+      <inkml:brushProperty name="width" value="0.05" units="cm"/>
+      <inkml:brushProperty name="height" value="0.05" units="cm"/>
+      <inkml:brushProperty name="color" value="#004F8B"/>
+    </inkml:brush>
+  </inkml:definitions>
+  <inkml:trace contextRef="#ctx0" brushRef="#br0">1 1 24575,'15'0'0,"13"0"0,14 0 0,14 0 0,10 0 0,5 0 0,14 0 0,2 0 0,-4 0 0,-8 2 0,-14 4 0,5 5 0,7 3 0,11 3 0,13 3 0,-46-10 0,2 1 0,0 0 0,0 1 0,-3-1 0,-1 1 0,38 12 0,-7 3 0,-2 1 0,7 2 0,-39-13 0,2 0 0,6 2 0,1 2 0,4 3 0,1 1 0,6 5 0,1 1 0,3 3 0,0 2 0,0 2 0,-1 2 0,-1 2 0,-1 2 0,-3 0 0,-2 3 0,0 5 0,-3 2 0,-5 1 0,-3 1 0,-3 3 0,-3 0 0,-4 0 0,-4 1 0,-5-7 0,-2-1 0,-2-6 0,-2-2 0,14 22 0,-7-20 0,2-9 0,8 3 0,19 8 0,16 9 0,-35-24 0,1 1 0,1 2 0,-1 1 0,-2 1 0,-2 1 0,-4 0 0,-1 0 0,-2 0 0,-2 0 0,26 36 0,-9-6 0,-4-10 0,-4-8 0,5-2 0,5 1 0,4 1 0,2 0 0,-2-2 0,-1-1 0,0 3 0,-3-3 0,-5-4 0,-7-6 0,-7-7 0,-1-1 0,10 7 0,18 17 0,14 13 0,-31-27 0,1 2 0,-1 1 0,0 1 0,-4-5 0,-1-2 0,24 30 0,-15-18 0,-8-8 0,-3 2 0,3 7 0,2 5 0,-2 4 0,1 5 0,2 10 0,2 14 0,-19-41 0,-1 0 0,18 42 0,-9-20 0,-9-23 0,-5-17 0,-1-10 0,3-2 0,9 6 0,8 5 0,4 1 0,-4-2 0,-9-8 0,-9-7 0,-1-2 0,2 3 0,9 7 0,8 10 0,6 7 0,-2 5 0,-1 3 0,-1 2 0,-1 2 0,7 7 0,8 6 0,7 7 0,7 2 0,-1-6 0,0-5 0,-2-9 0,-8-8 0,-9-9 0,-13-10 0,-11-6 0,-5-3 0,-1 1 0,-1-1 0,-1 0 0,-1-1 0,0-3 0,0 0 0,1-4 0,-2-1 0,-3-2 0,-2-2 0,0 1 0,0 2 0,-4-3 0,1 0 0</inkml:trace>
+</inkml:ink>
+</file>
+
+<file path=ppt/ink/ink34.xml><?xml version="1.0" encoding="utf-8"?>
+<inkml:ink xmlns:inkml="http://www.w3.org/2003/InkML">
+  <inkml:definitions>
+    <inkml:context xml:id="ctx0">
+      <inkml:inkSource xml:id="inkSrc0">
+        <inkml:traceFormat>
+          <inkml:channel name="X" type="integer" min="-2.14748E9" max="2.14748E9" units="cm"/>
+          <inkml:channel name="Y" type="integer" min="-2.14748E9" max="2.14748E9" units="cm"/>
+          <inkml:channel name="F" type="integer" max="32767" units="dev"/>
+        </inkml:traceFormat>
+        <inkml:channelProperties>
+          <inkml:channelProperty channel="X" name="resolution" value="1000" units="1/cm"/>
+          <inkml:channelProperty channel="Y" name="resolution" value="1000" units="1/cm"/>
+          <inkml:channelProperty channel="F" name="resolution" value="0" units="1/dev"/>
+        </inkml:channelProperties>
+      </inkml:inkSource>
+      <inkml:timestamp xml:id="ts0" timeString="2025-10-03T16:00:20.909"/>
+    </inkml:context>
+    <inkml:brush xml:id="br0">
+      <inkml:brushProperty name="width" value="0.2" units="cm"/>
+      <inkml:brushProperty name="height" value="1.2" units="cm"/>
+      <inkml:brushProperty name="inkEffects" value="pencil"/>
+    </inkml:brush>
+  </inkml:definitions>
+  <inkml:trace contextRef="#ctx0" brushRef="#br0">48 0 16383,'0'66'0,"0"-1"0,0 23 0,0 7 0,0-10 0,0 4 0,0 4 0,0-14 0,0 2 0,0 2 0,0 0 0,0 1 0,0 1 0,0 0 0,0-1 0,0-3 0,0 1 0,0-2 0,0-1 0,0 17 0,0-3 0,0-2 0,-1-10 0,0-1 0,0-3 0,-1-6 0,0-3 0,-1-2 0,0 19 0,-2-6 0,1-14 0,-1-4 0,-2 25 0,2-26 0,2-11 0,1-4 0,1-9 0,1-7 0,-1-13 0,1-9 0,-2-4 0</inkml:trace>
+</inkml:ink>
+</file>
+
+<file path=ppt/ink/ink35.xml><?xml version="1.0" encoding="utf-8"?>
+<inkml:ink xmlns:inkml="http://www.w3.org/2003/InkML">
+  <inkml:definitions>
+    <inkml:context xml:id="ctx0">
+      <inkml:inkSource xml:id="inkSrc0">
+        <inkml:traceFormat>
+          <inkml:channel name="X" type="integer" min="-2.14748E9" max="2.14748E9" units="cm"/>
+          <inkml:channel name="Y" type="integer" min="-2.14748E9" max="2.14748E9" units="cm"/>
+          <inkml:channel name="F" type="integer" max="32767" units="dev"/>
+        </inkml:traceFormat>
+        <inkml:channelProperties>
+          <inkml:channelProperty channel="X" name="resolution" value="1000" units="1/cm"/>
+          <inkml:channelProperty channel="Y" name="resolution" value="1000" units="1/cm"/>
+          <inkml:channelProperty channel="F" name="resolution" value="0" units="1/dev"/>
+        </inkml:channelProperties>
+      </inkml:inkSource>
+      <inkml:timestamp xml:id="ts0" timeString="2025-10-03T16:00:22.330"/>
+    </inkml:context>
+    <inkml:brush xml:id="br0">
+      <inkml:brushProperty name="width" value="0.2" units="cm"/>
+      <inkml:brushProperty name="height" value="1.2" units="cm"/>
+      <inkml:brushProperty name="inkEffects" value="pencil"/>
+    </inkml:brush>
+  </inkml:definitions>
+  <inkml:trace contextRef="#ctx0" brushRef="#br0">242 1 16383,'67'0'0,"31"0"0,-29 0 0,4 0 0,5-1 0,1 2 0,1 1 0,-3 4 0,-10 2 0,-5 6 0,-10 8 0,-4 7 0,24 36 0,-32 3 0,-20-6 0,-18-16 0,-2-2 0,0-3 0,0-2 0,-5 0 0,-18 18 0,-3-14 0,-7 3 0,-10 11 0,-4 2 0,-9 6 0,-1 0 0,1-5 0,1-4 0,12-12 0,1-5 0,-23 15 0,3-21 0,-17-3 0,28-11 0,-1 0 0,-5 2 0,0 0 0,4 0 0,3 0 0,-29 11 0,28-11 0,20-10 0,11-7 0,6-4 0,4-2 0,4 2 0,4-2 0</inkml:trace>
+</inkml:ink>
+</file>
+
+<file path=ppt/ink/ink36.xml><?xml version="1.0" encoding="utf-8"?>
+<inkml:ink xmlns:inkml="http://www.w3.org/2003/InkML">
+  <inkml:definitions>
+    <inkml:context xml:id="ctx0">
+      <inkml:inkSource xml:id="inkSrc0">
+        <inkml:traceFormat>
+          <inkml:channel name="X" type="integer" min="-2.14748E9" max="2.14748E9" units="cm"/>
+          <inkml:channel name="Y" type="integer" min="-2.14748E9" max="2.14748E9" units="cm"/>
+          <inkml:channel name="F" type="integer" max="32767" units="dev"/>
+        </inkml:traceFormat>
+        <inkml:channelProperties>
+          <inkml:channelProperty channel="X" name="resolution" value="1000" units="1/cm"/>
+          <inkml:channelProperty channel="Y" name="resolution" value="1000" units="1/cm"/>
+          <inkml:channelProperty channel="F" name="resolution" value="0" units="1/dev"/>
+        </inkml:channelProperties>
+      </inkml:inkSource>
+      <inkml:timestamp xml:id="ts0" timeString="2025-10-03T16:00:23.626"/>
+    </inkml:context>
+    <inkml:brush xml:id="br0">
+      <inkml:brushProperty name="width" value="0.2" units="cm"/>
+      <inkml:brushProperty name="height" value="1.2" units="cm"/>
+      <inkml:brushProperty name="inkEffects" value="pencil"/>
+    </inkml:brush>
+  </inkml:definitions>
+  <inkml:trace contextRef="#ctx0" brushRef="#br0">8 0 16383,'0'84'0,"0"0"0,0-11 0,0 4 0,0 5 0,0-4 0,0 3 0,0 3 0,0 2 0,0 9 0,0 3 0,0 2 0,0 0 0,0-17 0,0 1 0,0 0 0,0-1 0,0 0 0,0 13 0,0-2 0,0 0 0,0-1 0,0-5 0,0 0 0,0-2 0,0-3 0,0 8 0,0-5 0,0-5 0,-1 6 0,0-10 0,-1 17 0,0-81 0,1-22 0,0-14 0,1-10 0,0 13 0,0 3 0</inkml:trace>
+</inkml:ink>
+</file>
+
+<file path=ppt/ink/ink37.xml><?xml version="1.0" encoding="utf-8"?>
+<inkml:ink xmlns:inkml="http://www.w3.org/2003/InkML">
+  <inkml:definitions>
+    <inkml:context xml:id="ctx0">
+      <inkml:inkSource xml:id="inkSrc0">
+        <inkml:traceFormat>
+          <inkml:channel name="X" type="integer" min="-2.14748E9" max="2.14748E9" units="cm"/>
+          <inkml:channel name="Y" type="integer" min="-2.14748E9" max="2.14748E9" units="cm"/>
+          <inkml:channel name="F" type="integer" max="32767" units="dev"/>
+        </inkml:traceFormat>
+        <inkml:channelProperties>
+          <inkml:channelProperty channel="X" name="resolution" value="1000" units="1/cm"/>
+          <inkml:channelProperty channel="Y" name="resolution" value="1000" units="1/cm"/>
+          <inkml:channelProperty channel="F" name="resolution" value="0" units="1/dev"/>
+        </inkml:channelProperties>
+      </inkml:inkSource>
+      <inkml:timestamp xml:id="ts0" timeString="2025-10-03T16:00:25.242"/>
+    </inkml:context>
+    <inkml:brush xml:id="br0">
+      <inkml:brushProperty name="width" value="0.2" units="cm"/>
+      <inkml:brushProperty name="height" value="1.2" units="cm"/>
+      <inkml:brushProperty name="inkEffects" value="pencil"/>
+    </inkml:brush>
+  </inkml:definitions>
+  <inkml:trace contextRef="#ctx0" brushRef="#br0">178 1 16383,'75'3'0,"0"-1"0,10 9 0,2 5 0,-22-3 0,2 3 0,-2 3 0,30 14 0,-5 5 0,-13 0 0,-7 7 0,-8 12 0,-5 7 0,-5 13 0,-6 7 0,-18-21 0,-4 4 0,-2 1 0,-1 7 0,-1 3 0,-4-1 0,-4-1 0,-2-1 0,-3 1 0,0-2 0,-3 0 0,0-1 0,-1-4 0,-2-1 0,0-1 0,-2 23 0,-2-5 0,-1-16 0,-2-5 0,-8 31 0,-4-34 0,-1-21 0,-5-8 0,-5-4 0,-4-2 0,-3-7 0,-5-7 0,-18-4 0,-26 1 0,31-2 0,-3 2 0,-5 0 0,-1 2 0,3 0 0,1-1 0,7-1 0,3 0 0,-26 3 0,23-7 0,17-3 0,10-2 0,3 0 0,2 0 0,-1 0 0,-6-1 0,-4-4 0,-8-2 0,-2-3 0,2-2 0,1-1 0,5 0 0,1 0 0,5 0 0,8 1 0,5 2 0,9 5 0,3 2 0</inkml:trace>
+</inkml:ink>
+</file>
+
+<file path=ppt/ink/ink38.xml><?xml version="1.0" encoding="utf-8"?>
+<inkml:ink xmlns:inkml="http://www.w3.org/2003/InkML">
+  <inkml:definitions>
+    <inkml:context xml:id="ctx0">
+      <inkml:inkSource xml:id="inkSrc0">
+        <inkml:traceFormat>
+          <inkml:channel name="X" type="integer" min="-2.14748E9" max="2.14748E9" units="cm"/>
+          <inkml:channel name="Y" type="integer" min="-2.14748E9" max="2.14748E9" units="cm"/>
+          <inkml:channel name="F" type="integer" max="32767" units="dev"/>
+        </inkml:traceFormat>
+        <inkml:channelProperties>
+          <inkml:channelProperty channel="X" name="resolution" value="1000" units="1/cm"/>
+          <inkml:channelProperty channel="Y" name="resolution" value="1000" units="1/cm"/>
+          <inkml:channelProperty channel="F" name="resolution" value="0" units="1/dev"/>
+        </inkml:channelProperties>
+      </inkml:inkSource>
+      <inkml:timestamp xml:id="ts0" timeString="2025-10-03T16:00:26.725"/>
+    </inkml:context>
+    <inkml:brush xml:id="br0">
+      <inkml:brushProperty name="width" value="0.2" units="cm"/>
+      <inkml:brushProperty name="height" value="1.2" units="cm"/>
+      <inkml:brushProperty name="inkEffects" value="pencil"/>
+    </inkml:brush>
+  </inkml:definitions>
+  <inkml:trace contextRef="#ctx0" brushRef="#br0">58 1 16383,'0'84'0,"0"-28"0,0 5 0,0 14 0,0 4 0,0 7 0,0 1 0,0-5 0,0-2 0,0-9 0,0-4 0,0-10 0,0-5 0,0 27 0,0-26 0,0-23 0,0-11 0,0-3 0,0-4 0,0-1 0,0-3 0,0 0 0,0 1 0,0 1 0,0 3 0,0 4 0,0 8 0,0 17 0,0 23 0,0 20 0,-2 13 0,-1-3 0,-3-6 0,0-6 0,0-1 0,-1-3 0,1-8 0,-1-13 0,3-16 0,0-13 0,1-11 0,1-9 0,1-4 0</inkml:trace>
+</inkml:ink>
+</file>
+
+<file path=ppt/ink/ink39.xml><?xml version="1.0" encoding="utf-8"?>
+<inkml:ink xmlns:inkml="http://www.w3.org/2003/InkML">
+  <inkml:definitions>
+    <inkml:context xml:id="ctx0">
+      <inkml:inkSource xml:id="inkSrc0">
+        <inkml:traceFormat>
+          <inkml:channel name="X" type="integer" min="-2.14748E9" max="2.14748E9" units="cm"/>
+          <inkml:channel name="Y" type="integer" min="-2.14748E9" max="2.14748E9" units="cm"/>
+          <inkml:channel name="F" type="integer" max="32767" units="dev"/>
+        </inkml:traceFormat>
+        <inkml:channelProperties>
+          <inkml:channelProperty channel="X" name="resolution" value="1000" units="1/cm"/>
+          <inkml:channelProperty channel="Y" name="resolution" value="1000" units="1/cm"/>
+          <inkml:channelProperty channel="F" name="resolution" value="0" units="1/dev"/>
+        </inkml:channelProperties>
+      </inkml:inkSource>
+      <inkml:timestamp xml:id="ts0" timeString="2025-10-03T16:00:27.891"/>
+    </inkml:context>
+    <inkml:brush xml:id="br0">
+      <inkml:brushProperty name="width" value="0.2" units="cm"/>
+      <inkml:brushProperty name="height" value="1.2" units="cm"/>
+      <inkml:brushProperty name="inkEffects" value="pencil"/>
+    </inkml:brush>
+  </inkml:definitions>
+  <inkml:trace contextRef="#ctx0" brushRef="#br0">0 8 16383,'96'-4'0,"-40"2"0,2 0 0,12 2 0,3 0 0,3 0 0,0 0 0,-5 0 0,-1 0 0,-9 0 0,-4 0 0,26 0 0,-32 0 0,-29 0 0,-14 0 0</inkml:trace>
+</inkml:ink>
+</file>
+
+<file path=ppt/ink/ink4.xml><?xml version="1.0" encoding="utf-8"?>
 <inkml:ink xmlns:inkml="http://www.w3.org/2003/InkML">
   <inkml:definitions>
     <inkml:context xml:id="ctx0">
@@ -786,7 +1072,119 @@
 </inkml:ink>
 </file>
 
-<file path=ppt/ink/ink6.xml><?xml version="1.0" encoding="utf-8"?>
+<file path=ppt/ink/ink40.xml><?xml version="1.0" encoding="utf-8"?>
+<inkml:ink xmlns:inkml="http://www.w3.org/2003/InkML">
+  <inkml:definitions>
+    <inkml:context xml:id="ctx0">
+      <inkml:inkSource xml:id="inkSrc0">
+        <inkml:traceFormat>
+          <inkml:channel name="X" type="integer" min="-2.14748E9" max="2.14748E9" units="cm"/>
+          <inkml:channel name="Y" type="integer" min="-2.14748E9" max="2.14748E9" units="cm"/>
+          <inkml:channel name="F" type="integer" max="32767" units="dev"/>
+        </inkml:traceFormat>
+        <inkml:channelProperties>
+          <inkml:channelProperty channel="X" name="resolution" value="1000" units="1/cm"/>
+          <inkml:channelProperty channel="Y" name="resolution" value="1000" units="1/cm"/>
+          <inkml:channelProperty channel="F" name="resolution" value="0" units="1/dev"/>
+        </inkml:channelProperties>
+      </inkml:inkSource>
+      <inkml:timestamp xml:id="ts0" timeString="2025-10-03T16:00:29.560"/>
+    </inkml:context>
+    <inkml:brush xml:id="br0">
+      <inkml:brushProperty name="width" value="0.2" units="cm"/>
+      <inkml:brushProperty name="height" value="1.2" units="cm"/>
+      <inkml:brushProperty name="inkEffects" value="pencil"/>
+    </inkml:brush>
+  </inkml:definitions>
+  <inkml:trace contextRef="#ctx0" brushRef="#br0">1 71 16383,'18'-19'0,"2"3"0,7 1 0,1 5 0,4 4 0,15 3 0,24 2 0,-14 1 0,4 0 0,7 0 0,1 0 0,-1 1 0,-2 0 0,-8 1 0,-4 1 0,19 3 0,-11-1 0,-8-3 0,0-2 0,0 0 0,-1 0 0,-4 0 0,-10 0 0,-6 0 0,-8 0 0,-5 0 0,-5 0 0,-4 0 0,-1 0 0,-5 0 0,-1 0 0</inkml:trace>
+</inkml:ink>
+</file>
+
+<file path=ppt/ink/ink41.xml><?xml version="1.0" encoding="utf-8"?>
+<inkml:ink xmlns:inkml="http://www.w3.org/2003/InkML">
+  <inkml:definitions>
+    <inkml:context xml:id="ctx0">
+      <inkml:inkSource xml:id="inkSrc0">
+        <inkml:traceFormat>
+          <inkml:channel name="X" type="integer" min="-2.14748E9" max="2.14748E9" units="cm"/>
+          <inkml:channel name="Y" type="integer" min="-2.14748E9" max="2.14748E9" units="cm"/>
+          <inkml:channel name="F" type="integer" max="32767" units="dev"/>
+        </inkml:traceFormat>
+        <inkml:channelProperties>
+          <inkml:channelProperty channel="X" name="resolution" value="1000" units="1/cm"/>
+          <inkml:channelProperty channel="Y" name="resolution" value="1000" units="1/cm"/>
+          <inkml:channelProperty channel="F" name="resolution" value="0" units="1/dev"/>
+        </inkml:channelProperties>
+      </inkml:inkSource>
+      <inkml:timestamp xml:id="ts0" timeString="2025-10-03T16:00:33.509"/>
+    </inkml:context>
+    <inkml:brush xml:id="br0">
+      <inkml:brushProperty name="width" value="0.2" units="cm"/>
+      <inkml:brushProperty name="height" value="1.2" units="cm"/>
+      <inkml:brushProperty name="inkEffects" value="pencil"/>
+    </inkml:brush>
+  </inkml:definitions>
+  <inkml:trace contextRef="#ctx0" brushRef="#br0">0 0 16383,'23'29'0,"14"15"0,20 18 0,-22-23 0,1 2 0,4 4 0,1 1 0,-2 0 0,1 2 0,1 3 0,1 0 0,-2 0 0,-1-1 0,-2-4 0,-2-1 0,25 34 0,-15-23 0,-13-14 0,-4-7 0,3-1 0,5 5 0,3 4 0,-1-1 0,-5-3 0,-1-3 0,2 1 0,8 13 0,10 12 0,5 13 0,-28-33 0,1 1 0,-1-1 0,-1 1 0,24 38 0,-8-14 0,-9-16 0,-7-13 0,-4-8 0,1 3 0,6 9 0,9 10 0,5 5 0,-2-1 0,-6-9 0,-8-9 0,-7-8 0,-4-10 0,-7-6 0,-9-8 0,-33-24 0,-9-7 0,-26-15 0,-3 6 0,-13 1 0,34 19 0,-2 0 0,-4-1 0,0 0 0,0 0 0,1 1 0,-42-12 0,14 4 0,16 3 0,10-1 0,11 2 0,9 0 0,8 3 0,8 6 0,4 0 0,2 5 0,-2-1 0,-4 1 0,-4-1 0,0 0 0,2-1 0,4 0 0,7 3 0,7 1 0,28 4 0,20 13 0,11 1 0,12 15 0,-10 1 0,12 11 0,-27-16 0,0 1 0,4 3 0,1 0 0,3 3 0,2-2 0,-4-2 0,-1-1 0,35 19 0,-19-12 0,-21-12 0,-13-9 0,-10-4 0,-3-2 0,-3-4 0,-5 1 0,0-3 0,-3-1 0,0-2 0,-1-6 0,-1-4 0,-2-7 0,1-2 0,0-5 0,1 0 0,3-4 0,3-7 0,2-12 0,9-17 0,9-22 0,-10 34 0,2-3 0,2-5 0,0 0 0,1 2 0,-2 2 0,-2 6 0,-1 3 0,11-22 0,-9 25 0,-9 17 0,-3 12 0,0 3 0,-1-3 0,1-3 0,0 0 0,-2 3 0,-2 3 0,-1 5 0,-2-1 0,-2 4 0,0 0 0</inkml:trace>
+</inkml:ink>
+</file>
+
+<file path=ppt/ink/ink42.xml><?xml version="1.0" encoding="utf-8"?>
+<inkml:ink xmlns:inkml="http://www.w3.org/2003/InkML">
+  <inkml:definitions>
+    <inkml:context xml:id="ctx0">
+      <inkml:inkSource xml:id="inkSrc0">
+        <inkml:traceFormat>
+          <inkml:channel name="X" type="integer" min="-2.14748E9" max="2.14748E9" units="cm"/>
+          <inkml:channel name="Y" type="integer" min="-2.14748E9" max="2.14748E9" units="cm"/>
+          <inkml:channel name="F" type="integer" max="32767" units="dev"/>
+        </inkml:traceFormat>
+        <inkml:channelProperties>
+          <inkml:channelProperty channel="X" name="resolution" value="1000" units="1/cm"/>
+          <inkml:channelProperty channel="Y" name="resolution" value="1000" units="1/cm"/>
+          <inkml:channelProperty channel="F" name="resolution" value="0" units="1/dev"/>
+        </inkml:channelProperties>
+      </inkml:inkSource>
+      <inkml:timestamp xml:id="ts0" timeString="2025-10-03T16:00:37.860"/>
+    </inkml:context>
+    <inkml:brush xml:id="br0">
+      <inkml:brushProperty name="width" value="0.2" units="cm"/>
+      <inkml:brushProperty name="height" value="1.2" units="cm"/>
+      <inkml:brushProperty name="inkEffects" value="pencil"/>
+    </inkml:brush>
+  </inkml:definitions>
+  <inkml:trace contextRef="#ctx0" brushRef="#br0">5077 1116 16383,'-54'0'0,"1"0"0,-9 0 0,-8 0 0,-8 0 0,-10 0 0,-9 0 0,-5 0 0,-4 0 0,20 0 0,-2 0 0,-4 0 0,-1 0 0,-1 0 0,0 0 0,7 0 0,-1 0 0,-2 0 0,0 0 0,1 0 0,-1 0 0,2 0 0,-13 0 0,1 0 0,0 0 0,0 0 0,3 0 0,1 0 0,-7 0 0,3 0 0,1 0 0,2 0 0,0 0 0,5 0 0,0-1 0,1 1 0,2-1 0,3 1 0,-6-1 0,4 0 0,2 0 0,4 0 0,-10 0 0,4 0 0,8 0 0,-8-1 0,16 1 0,22 1 0,19 0 0,11 0 0,-4 0 0,-20 0 0,-25 0 0,-22 0 0,-6 0 0,9 0 0,15 0 0,16 0 0,3 0 0,2 0 0,1 0 0,6 0 0,16 0 0,15 0 0,15 0 0,18-5 0,-5-1 0,7-2 0,-13 1 0,-1 3 0,-3-1 0,-2 1 0,1 1 0,0-4 0,2 0 0,0-1 0,1 0 0,1-2 0,1-2 0,4-5 0,4-6 0,3-5 0,10-17 0,21-25 0,-12 20 0,4-5 0,15-15 0,5-3 0,-15 21 0,1-1 0,2 1 0,1 1 0,0 0 0,0 3 0,18-15 0,-3 6 0,-14 15 0,-5 6 0,18-8 0,-28 27 0,-13 12 0,-5 2 0,-4 1 0,-6 0 0,-8 2 0,-18 11 0,-6 2 0,-22 19 0,-11 6 0,-7 3 0,-7 3 0,-12 4 0,30-18 0,-4 3 0,-7 5 0,-2 2 0,-5 4 0,1 0 0,6-3 0,4-2 0,13-7 0,3-3 0,-18 15 0,29-17 0,16-9 0,11-6 0,4-2 0,1-3 0,-2-2 0,1 0 0,-1-1 0,0 2 0,3 0 0,3 2 0,9 11 0,14 15 0,17 21 0,14 12 0,5-2 0,-2-9 0,-5-14 0,-4-9 0,0-4 0,3-1 0,3 4 0,1 3 0,-4 0 0,-3-1 0,-6-5 0,-7-5 0,-4-3 0,1-1 0,3 4 0,7 2 0,-5-1 0,-8-3 0,-9-5 0,-14-9 0,-3-2 0</inkml:trace>
+</inkml:ink>
+</file>
+
+<file path=ppt/ink/ink43.xml><?xml version="1.0" encoding="utf-8"?>
+<inkml:ink xmlns:inkml="http://www.w3.org/2003/InkML">
+  <inkml:definitions>
+    <inkml:context xml:id="ctx0">
+      <inkml:inkSource xml:id="inkSrc0">
+        <inkml:traceFormat>
+          <inkml:channel name="X" type="integer" min="-2.14748E9" max="2.14748E9" units="cm"/>
+          <inkml:channel name="Y" type="integer" min="-2.14748E9" max="2.14748E9" units="cm"/>
+          <inkml:channel name="F" type="integer" max="32767" units="dev"/>
+        </inkml:traceFormat>
+        <inkml:channelProperties>
+          <inkml:channelProperty channel="X" name="resolution" value="1000" units="1/cm"/>
+          <inkml:channelProperty channel="Y" name="resolution" value="1000" units="1/cm"/>
+          <inkml:channelProperty channel="F" name="resolution" value="0" units="1/dev"/>
+        </inkml:channelProperties>
+      </inkml:inkSource>
+      <inkml:timestamp xml:id="ts0" timeString="2025-10-03T16:00:41.661"/>
+    </inkml:context>
+    <inkml:brush xml:id="br0">
+      <inkml:brushProperty name="width" value="0.2" units="cm"/>
+      <inkml:brushProperty name="height" value="1.2" units="cm"/>
+      <inkml:brushProperty name="inkEffects" value="pencil"/>
+    </inkml:brush>
+  </inkml:definitions>
+  <inkml:trace contextRef="#ctx0" brushRef="#br0">2529 2603 16383,'-86'-39'0,"20"1"0,-7-9 0,0-2 0,-6-7 0,-2-4 0,9 3 0,-3-3 0,0-3 0,0-2 0,10 7 0,1-2 0,-1-1 0,1-1 0,1-1 0,0-2 0,0 0 0,2-2 0,0 0 0,2 1 0,4 1 0,1 0 0,1 0 0,2 0 0,0 1 0,-5-9 0,1 1 0,1 1 0,2 2 0,-9-14 0,3 3 0,1 3 0,8 10 0,3 3 0,1 3 0,-7-11 0,4 6 0,9 13 0,4 5 0,-6-11 0,20 27 0,13 15 0,6 8 0,2 1 0,0 1 0,0 2 0,0-2 0,-2 0 0,0 4 0,13 12 0,1 0 0,17 10 0,1-2 0,6 3 0,-1 0 0,2-5 0,1-7 0,11-6 0,12-2 0,11 0 0,8 0 0,10-1 0,-37-1 0,2-2 0,4 0 0,3-1 0,3-1 0,1 0 0,-4-1 0,-3 1 0,38-3 0,-27 4 0,-28 2 0,-16 3 0,-10 0 0,-5 2 0,-4 0 0,-6 1 0,-23 4 0,-13-4 0,-32 1 0,-16-4 0,31 0 0,-1 0 0,-6 0 0,-1 0 0,0 1 0,0 1 0,5-1 0,2 1 0,-34 2 0,20 1 0,13-1 0,12 1 0,7-3 0,8 0 0,9-2 0,5 0 0,4 0 0,1 0 0,2-3 0,-1 0 0,3-1 0,-1 0 0,-3 3 0,-6 1 0,-15 0 0,-18 0 0,-13 0 0,-4 0 0,9 0 0,14 0 0,14 0 0,8 0 0,7 0 0,3 2 0,6 1 0,20 12 0,1-2 0,21 15 0,1 7 0,15 22 0,-20-18 0,0 4 0,4 9 0,0 3 0,2 4 0,-1 2 0,-2 2 0,-3-1 0,-3-3 0,-3-1 0,-5-11 0,-2-2 0,12 22 0,-9-20 0,-2-8 0,1 2 0,2 7 0,4 10 0,1 4 0,0 0 0,-2-5 0,-3-8 0,-2-4 0,-2 0 0,0-2 0,1-2 0,-3-2 0,-2-6 0,-5-5 0,-2-5 0,-4-3 0,-1-2 0,-1 0 0,-2-2 0,-1-4 0,-1-3 0,-1 0 0,0-5 0,0 0 0</inkml:trace>
+</inkml:ink>
+</file>
+
+<file path=ppt/ink/ink5.xml><?xml version="1.0" encoding="utf-8"?>
 <inkml:ink xmlns:inkml="http://www.w3.org/2003/InkML">
   <inkml:definitions>
     <inkml:context xml:id="ctx0">
@@ -813,7 +1211,7 @@
 </inkml:ink>
 </file>
 
-<file path=ppt/ink/ink7.xml><?xml version="1.0" encoding="utf-8"?>
+<file path=ppt/ink/ink6.xml><?xml version="1.0" encoding="utf-8"?>
 <inkml:ink xmlns:inkml="http://www.w3.org/2003/InkML">
   <inkml:definitions>
     <inkml:context xml:id="ctx0">
@@ -840,7 +1238,7 @@
 </inkml:ink>
 </file>
 
-<file path=ppt/ink/ink8.xml><?xml version="1.0" encoding="utf-8"?>
+<file path=ppt/ink/ink7.xml><?xml version="1.0" encoding="utf-8"?>
 <inkml:ink xmlns:inkml="http://www.w3.org/2003/InkML">
   <inkml:definitions>
     <inkml:context xml:id="ctx0">
@@ -867,7 +1265,7 @@
 </inkml:ink>
 </file>
 
-<file path=ppt/ink/ink9.xml><?xml version="1.0" encoding="utf-8"?>
+<file path=ppt/ink/ink8.xml><?xml version="1.0" encoding="utf-8"?>
 <inkml:ink xmlns:inkml="http://www.w3.org/2003/InkML">
   <inkml:definitions>
     <inkml:context xml:id="ctx0">
@@ -891,6 +1289,33 @@
     </inkml:brush>
   </inkml:definitions>
   <inkml:trace contextRef="#ctx0" brushRef="#br0">0 120 24575,'5'-3'0,"3"2"0,-4-3 0,5 4 0,-4-4 0,2 3 0,6-10 0,-3 9 0,29-17 0,-25 16 0,44-20 0,-43 20 0,58-16 0,-47 14 0,67-8 0,-65 9 0,53 0 0,-66 4 0,24 0 0,-30 0 0,15 19 0,-17-11 0,31 43 0,-28-36 0,40 50 0,-40-49 0,40 46 0,-41-52 0,19 28 0,-24-31 0,0 9 0,-4-7 0,0 7 0,0-6 0,0 25 0,-4-25 0,4 16 0,-16 9 0,13-19 0,-31 50 0,25-51 0,-41 43 0,16-33 0,-2 6 0,13-12 0,11-18 0,10 6 0,-9-6 0,6 3 0,-3-8 0,-1 0 0,-11-16 0,5 1 0,-25-30 0,23 27 0,-18-25 0,29 36 0,-10-5 0,15 8 0,1 7 0,1-7 0,7 4 0,-3-1 0,3-3 0,1 7 0,-1-6 0,1 6 0,3-7 0,-2 7 0,10-6 0,-10 6 0,18-7 0,-17 4 0,24-5 0,-23 4 0,16-2 0,-19 6 0,7-3 0,-6 4 0,10 15 0,-10-11 0,21 34 0,-22-29 0,33 34 0,-37-31 0,30 16 0,-29-23 0,10 7 0,-7-7 0,-1-1 0,-3 4 0,10 4 0,-8-5 0,20 16 0,-19-17 0,19 18 0,-25-14 0,17 14 0,-17-13 0,13 8 0,-9-9 0,6-2 0,-7-4 0,-1-4 0</inkml:trace>
+</inkml:ink>
+</file>
+
+<file path=ppt/ink/ink9.xml><?xml version="1.0" encoding="utf-8"?>
+<inkml:ink xmlns:inkml="http://www.w3.org/2003/InkML">
+  <inkml:definitions>
+    <inkml:context xml:id="ctx0">
+      <inkml:inkSource xml:id="inkSrc0">
+        <inkml:traceFormat>
+          <inkml:channel name="X" type="integer" min="-2.14748E9" max="2.14748E9" units="cm"/>
+          <inkml:channel name="Y" type="integer" min="-2.14748E9" max="2.14748E9" units="cm"/>
+          <inkml:channel name="F" type="integer" max="32767" units="dev"/>
+        </inkml:traceFormat>
+        <inkml:channelProperties>
+          <inkml:channelProperty channel="X" name="resolution" value="1000" units="1/cm"/>
+          <inkml:channelProperty channel="Y" name="resolution" value="1000" units="1/cm"/>
+          <inkml:channelProperty channel="F" name="resolution" value="0" units="1/dev"/>
+        </inkml:channelProperties>
+      </inkml:inkSource>
+      <inkml:timestamp xml:id="ts0" timeString="2022-10-12T15:39:47.413"/>
+    </inkml:context>
+    <inkml:brush xml:id="br0">
+      <inkml:brushProperty name="width" value="0.05" units="cm"/>
+      <inkml:brushProperty name="height" value="0.05" units="cm"/>
+    </inkml:brush>
+  </inkml:definitions>
+  <inkml:trace contextRef="#ctx0" brushRef="#br0">1 1 24575,'0'8'0,"4"-3"0,-4 3 0,12 8 0,-10-5 0,5 9 0,5 27 0,-9-26-8503,15 72 8503,-16-69-231,6 68 231,-8-74-1177,0 55 1177,0-58-124,4 43 124,-3-44 0,3 14 0,-4-25 0</inkml:trace>
 </inkml:ink>
 </file>
 
@@ -1033,7 +1458,7 @@
           <a:p>
             <a:fld id="{7AF5EA4A-2EC2-5144-BEFE-D1C252CD157A}" type="datetimeFigureOut">
               <a:rPr lang="en-US" smtClean="0"/>
-              <a:t>10/7/22</a:t>
+              <a:t>10/3/25</a:t>
             </a:fld>
             <a:endParaRPr lang="en-US"/>
           </a:p>
@@ -1244,7 +1669,7 @@
           <a:p>
             <a:fld id="{7AF5EA4A-2EC2-5144-BEFE-D1C252CD157A}" type="datetimeFigureOut">
               <a:rPr lang="en-US" smtClean="0"/>
-              <a:t>10/7/22</a:t>
+              <a:t>10/3/25</a:t>
             </a:fld>
             <a:endParaRPr lang="en-US"/>
           </a:p>
@@ -1459,7 +1884,7 @@
           <a:p>
             <a:fld id="{7AF5EA4A-2EC2-5144-BEFE-D1C252CD157A}" type="datetimeFigureOut">
               <a:rPr lang="en-US" smtClean="0"/>
-              <a:t>10/7/22</a:t>
+              <a:t>10/3/25</a:t>
             </a:fld>
             <a:endParaRPr lang="en-US"/>
           </a:p>
@@ -1660,7 +2085,7 @@
           <a:p>
             <a:fld id="{7AF5EA4A-2EC2-5144-BEFE-D1C252CD157A}" type="datetimeFigureOut">
               <a:rPr lang="en-US" smtClean="0"/>
-              <a:t>10/7/22</a:t>
+              <a:t>10/3/25</a:t>
             </a:fld>
             <a:endParaRPr lang="en-US"/>
           </a:p>
@@ -1939,7 +2364,7 @@
           <a:p>
             <a:fld id="{7AF5EA4A-2EC2-5144-BEFE-D1C252CD157A}" type="datetimeFigureOut">
               <a:rPr lang="en-US" smtClean="0"/>
-              <a:t>10/7/22</a:t>
+              <a:t>10/3/25</a:t>
             </a:fld>
             <a:endParaRPr lang="en-US"/>
           </a:p>
@@ -2207,7 +2632,7 @@
           <a:p>
             <a:fld id="{7AF5EA4A-2EC2-5144-BEFE-D1C252CD157A}" type="datetimeFigureOut">
               <a:rPr lang="en-US" smtClean="0"/>
-              <a:t>10/7/22</a:t>
+              <a:t>10/3/25</a:t>
             </a:fld>
             <a:endParaRPr lang="en-US"/>
           </a:p>
@@ -2623,7 +3048,7 @@
           <a:p>
             <a:fld id="{7AF5EA4A-2EC2-5144-BEFE-D1C252CD157A}" type="datetimeFigureOut">
               <a:rPr lang="en-US" smtClean="0"/>
-              <a:t>10/7/22</a:t>
+              <a:t>10/3/25</a:t>
             </a:fld>
             <a:endParaRPr lang="en-US"/>
           </a:p>
@@ -2772,7 +3197,7 @@
           <a:p>
             <a:fld id="{7AF5EA4A-2EC2-5144-BEFE-D1C252CD157A}" type="datetimeFigureOut">
               <a:rPr lang="en-US" smtClean="0"/>
-              <a:t>10/7/22</a:t>
+              <a:t>10/3/25</a:t>
             </a:fld>
             <a:endParaRPr lang="en-US"/>
           </a:p>
@@ -2898,7 +3323,7 @@
           <a:p>
             <a:fld id="{7AF5EA4A-2EC2-5144-BEFE-D1C252CD157A}" type="datetimeFigureOut">
               <a:rPr lang="en-US" smtClean="0"/>
-              <a:t>10/7/22</a:t>
+              <a:t>10/3/25</a:t>
             </a:fld>
             <a:endParaRPr lang="en-US"/>
           </a:p>
@@ -3149,7 +3574,7 @@
           <a:p>
             <a:fld id="{7AF5EA4A-2EC2-5144-BEFE-D1C252CD157A}" type="datetimeFigureOut">
               <a:rPr lang="en-US" smtClean="0"/>
-              <a:t>10/7/22</a:t>
+              <a:t>10/3/25</a:t>
             </a:fld>
             <a:endParaRPr lang="en-US"/>
           </a:p>
@@ -3594,7 +4019,7 @@
           <a:p>
             <a:fld id="{7AF5EA4A-2EC2-5144-BEFE-D1C252CD157A}" type="datetimeFigureOut">
               <a:rPr lang="en-US" smtClean="0"/>
-              <a:t>10/7/22</a:t>
+              <a:t>10/3/25</a:t>
             </a:fld>
             <a:endParaRPr lang="en-US"/>
           </a:p>
@@ -3921,7 +4346,7 @@
           <a:p>
             <a:fld id="{7AF5EA4A-2EC2-5144-BEFE-D1C252CD157A}" type="datetimeFigureOut">
               <a:rPr lang="en-US" smtClean="0"/>
-              <a:t>10/7/22</a:t>
+              <a:t>10/3/25</a:t>
             </a:fld>
             <a:endParaRPr lang="en-US"/>
           </a:p>
@@ -4412,7 +4837,7 @@
           <p:cNvPr id="2" name="Title 1">
             <a:extLst>
               <a:ext uri="{FF2B5EF4-FFF2-40B4-BE49-F238E27FC236}">
-                <a16:creationId xmlns:a16="http://schemas.microsoft.com/office/drawing/2014/main" id="{D0D55C68-E839-8202-4B3A-3804B6CCBF9C}"/>
+                <a16:creationId xmlns:a16="http://schemas.microsoft.com/office/drawing/2014/main" id="{E5A7F2B1-A8B4-3718-1525-12E1A7D53471}"/>
               </a:ext>
             </a:extLst>
           </p:cNvPr>
@@ -4440,7 +4865,7 @@
           <p:cNvPr id="3" name="Content Placeholder 2">
             <a:extLst>
               <a:ext uri="{FF2B5EF4-FFF2-40B4-BE49-F238E27FC236}">
-                <a16:creationId xmlns:a16="http://schemas.microsoft.com/office/drawing/2014/main" id="{F44D5BD2-7BEB-9571-7296-3D1879D70F6B}"/>
+                <a16:creationId xmlns:a16="http://schemas.microsoft.com/office/drawing/2014/main" id="{469DBC9C-18C8-2C59-5065-29000B4AE989}"/>
               </a:ext>
             </a:extLst>
           </p:cNvPr>
@@ -4453,151 +4878,92 @@
         </p:nvSpPr>
         <p:spPr>
           <a:xfrm>
-            <a:off x="1451579" y="1915064"/>
-            <a:ext cx="9603275" cy="4138417"/>
+            <a:off x="1451579" y="1928191"/>
+            <a:ext cx="9603275" cy="4125289"/>
           </a:xfrm>
         </p:spPr>
         <p:txBody>
-          <a:bodyPr>
-            <a:normAutofit fontScale="92500" lnSpcReduction="10000"/>
-          </a:bodyPr>
+          <a:bodyPr/>
           <a:lstStyle/>
           <a:p>
             <a:r>
               <a:rPr lang="en-US" dirty="0"/>
-              <a:t>Quiz and Exam:</a:t>
+              <a:t>Today:</a:t>
             </a:r>
           </a:p>
           <a:p>
             <a:pPr lvl="1"/>
             <a:r>
               <a:rPr lang="en-US" dirty="0"/>
-              <a:t>Exam was supposed to be today (on syllabus), but we got pushed by holidays moving quiz. </a:t>
+              <a:t>Relationships between </a:t>
+            </a:r>
+            <a:r>
+              <a:rPr lang="en-US" dirty="0" err="1"/>
+              <a:t>varaiables</a:t>
+            </a:r>
+            <a:r>
+              <a:rPr lang="en-US" dirty="0"/>
+              <a:t> (chapter 7). </a:t>
             </a:r>
           </a:p>
           <a:p>
             <a:pPr lvl="1"/>
             <a:r>
               <a:rPr lang="en-US" dirty="0"/>
-              <a:t>Exam – next Wednesday (Oct 19). </a:t>
-            </a:r>
+              <a:t>Covariance, scatter plots, </a:t>
+            </a:r>
+            <a:r>
+              <a:rPr lang="en-US"/>
+              <a:t>and correlation. </a:t>
+            </a:r>
+            <a:endParaRPr lang="en-US" dirty="0"/>
           </a:p>
           <a:p>
             <a:pPr lvl="1"/>
             <a:r>
               <a:rPr lang="en-US" dirty="0"/>
-              <a:t>Offer – exam grade replaces quiz grade, if it is higher. </a:t>
-            </a:r>
-          </a:p>
-          <a:p>
-            <a:r>
-              <a:rPr lang="en-US" dirty="0"/>
-              <a:t>Quiz:</a:t>
+              <a:t>Some really big and pretty useful exercises. </a:t>
+            </a:r>
+          </a:p>
+          <a:p>
+            <a:r>
+              <a:rPr lang="en-US" dirty="0"/>
+              <a:t>Grades and other unimportant stuff. </a:t>
             </a:r>
           </a:p>
           <a:p>
             <a:pPr lvl="1"/>
             <a:r>
               <a:rPr lang="en-US" dirty="0"/>
-              <a:t>Results not amazing…</a:t>
+              <a:t>I didn’t get through all the assignments, I’ll finish this afternoon or tomorrow, sorry. </a:t>
             </a:r>
           </a:p>
           <a:p>
             <a:pPr lvl="1"/>
             <a:r>
               <a:rPr lang="en-US" dirty="0"/>
-              <a:t>I need to know, what was the challenge – stats, math, coding, time, newness???</a:t>
+              <a:t>There’s a new assignment – entirely explanatory (i.e. you take data and interpret). </a:t>
+            </a:r>
+          </a:p>
+          <a:p>
+            <a:r>
+              <a:rPr lang="en-US" dirty="0"/>
+              <a:t>Next week – estimation. </a:t>
             </a:r>
           </a:p>
           <a:p>
             <a:pPr lvl="1"/>
             <a:r>
               <a:rPr lang="en-US" dirty="0"/>
-              <a:t>Sample solution in original repository. We can go over </a:t>
-            </a:r>
-            <a:r>
-              <a:rPr lang="en-US"/>
-              <a:t>on Friday. </a:t>
-            </a:r>
-            <a:endParaRPr lang="en-US" dirty="0"/>
-          </a:p>
-          <a:p>
-            <a:r>
-              <a:rPr lang="en-US" dirty="0"/>
-              <a:t>Today:</a:t>
-            </a:r>
-          </a:p>
-          <a:p>
-            <a:pPr lvl="1"/>
-            <a:r>
-              <a:rPr lang="en-US" dirty="0"/>
-              <a:t>Correlation and multiple variables. </a:t>
-            </a:r>
-          </a:p>
-          <a:p>
-            <a:pPr lvl="1"/>
-            <a:r>
-              <a:rPr lang="en-US" dirty="0"/>
-              <a:t>A bit more on analytical distributions and auto-fitting. </a:t>
+              <a:t>Ensure that the ‘match to analytical’ stuff makes sense. </a:t>
             </a:r>
           </a:p>
         </p:txBody>
       </p:sp>
-      <mc:AlternateContent xmlns:mc="http://schemas.openxmlformats.org/markup-compatibility/2006">
-        <mc:Choice xmlns:p14="http://schemas.microsoft.com/office/powerpoint/2010/main" Requires="p14">
-          <p:contentPart p14:bwMode="auto" r:id="rId2">
-            <p14:nvContentPartPr>
-              <p14:cNvPr id="5" name="Ink 4">
-                <a:extLst>
-                  <a:ext uri="{FF2B5EF4-FFF2-40B4-BE49-F238E27FC236}">
-                    <a16:creationId xmlns:a16="http://schemas.microsoft.com/office/drawing/2014/main" id="{C3E9AFE6-71D9-A992-A3C7-4062A9DA7D28}"/>
-                  </a:ext>
-                </a:extLst>
-              </p14:cNvPr>
-              <p14:cNvContentPartPr/>
-              <p14:nvPr/>
-            </p14:nvContentPartPr>
-            <p14:xfrm>
-              <a:off x="3170540" y="2938877"/>
-              <a:ext cx="360" cy="360"/>
-            </p14:xfrm>
-          </p:contentPart>
-        </mc:Choice>
-        <mc:Fallback>
-          <p:pic>
-            <p:nvPicPr>
-              <p:cNvPr id="5" name="Ink 4">
-                <a:extLst>
-                  <a:ext uri="{FF2B5EF4-FFF2-40B4-BE49-F238E27FC236}">
-                    <a16:creationId xmlns:a16="http://schemas.microsoft.com/office/drawing/2014/main" id="{C3E9AFE6-71D9-A992-A3C7-4062A9DA7D28}"/>
-                  </a:ext>
-                </a:extLst>
-              </p:cNvPr>
-              <p:cNvPicPr/>
-              <p:nvPr/>
-            </p:nvPicPr>
-            <p:blipFill>
-              <a:blip r:embed="rId3"/>
-              <a:stretch>
-                <a:fillRect/>
-              </a:stretch>
-            </p:blipFill>
-            <p:spPr>
-              <a:xfrm>
-                <a:off x="3161540" y="2929877"/>
-                <a:ext cx="18000" cy="18000"/>
-              </a:xfrm>
-              <a:prstGeom prst="rect">
-                <a:avLst/>
-              </a:prstGeom>
-            </p:spPr>
-          </p:pic>
-        </mc:Fallback>
-      </mc:AlternateContent>
     </p:spTree>
     <p:extLst>
       <p:ext uri="{BB962C8B-B14F-4D97-AF65-F5344CB8AC3E}">
-        <p14:creationId xmlns:p14="http://schemas.microsoft.com/office/powerpoint/2010/main" val="3447247341"/>
+        <p14:creationId xmlns:p14="http://schemas.microsoft.com/office/powerpoint/2010/main" val="1679917004"/>
       </p:ext>
     </p:extLst>
   </p:cSld>
@@ -4608,6 +4974,638 @@
 </file>
 
 <file path=ppt/slides/slide10.xml><?xml version="1.0" encoding="utf-8"?>
+<p:sld xmlns:a="http://schemas.openxmlformats.org/drawingml/2006/main" xmlns:r="http://schemas.openxmlformats.org/officeDocument/2006/relationships" xmlns:p="http://schemas.openxmlformats.org/presentationml/2006/main">
+  <p:cSld>
+    <p:bg>
+      <p:bgPr>
+        <a:gradFill rotWithShape="1">
+          <a:gsLst>
+            <a:gs pos="0">
+              <a:schemeClr val="bg2">
+                <a:tint val="94000"/>
+                <a:satMod val="80000"/>
+                <a:lumMod val="106000"/>
+              </a:schemeClr>
+            </a:gs>
+            <a:gs pos="100000">
+              <a:schemeClr val="bg2">
+                <a:shade val="80000"/>
+              </a:schemeClr>
+            </a:gs>
+          </a:gsLst>
+          <a:path path="circle">
+            <a:fillToRect l="43000" r="43000" b="100000"/>
+          </a:path>
+        </a:gradFill>
+        <a:effectLst/>
+      </p:bgPr>
+    </p:bg>
+    <p:spTree>
+      <p:nvGrpSpPr>
+        <p:cNvPr id="1" name=""/>
+        <p:cNvGrpSpPr/>
+        <p:nvPr/>
+      </p:nvGrpSpPr>
+      <p:grpSpPr>
+        <a:xfrm>
+          <a:off x="0" y="0"/>
+          <a:ext cx="0" cy="0"/>
+          <a:chOff x="0" y="0"/>
+          <a:chExt cx="0" cy="0"/>
+        </a:xfrm>
+      </p:grpSpPr>
+      <p:sp>
+        <p:nvSpPr>
+          <p:cNvPr id="2" name="Title 1">
+            <a:extLst>
+              <a:ext uri="{FF2B5EF4-FFF2-40B4-BE49-F238E27FC236}">
+                <a16:creationId xmlns:a16="http://schemas.microsoft.com/office/drawing/2014/main" id="{43AEFE4F-BFAA-B34C-AECC-8D7FDDBA30CE}"/>
+              </a:ext>
+            </a:extLst>
+          </p:cNvPr>
+          <p:cNvSpPr>
+            <a:spLocks noGrp="1"/>
+          </p:cNvSpPr>
+          <p:nvPr>
+            <p:ph type="title"/>
+          </p:nvPr>
+        </p:nvSpPr>
+        <p:spPr>
+          <a:xfrm>
+            <a:off x="1451579" y="804519"/>
+            <a:ext cx="9603275" cy="1049235"/>
+          </a:xfrm>
+        </p:spPr>
+        <p:txBody>
+          <a:bodyPr>
+            <a:normAutofit/>
+          </a:bodyPr>
+          <a:lstStyle/>
+          <a:p>
+            <a:r>
+              <a:rPr lang="en-US" dirty="0"/>
+              <a:t>Variance</a:t>
+            </a:r>
+          </a:p>
+        </p:txBody>
+      </p:sp>
+      <p:sp>
+        <p:nvSpPr>
+          <p:cNvPr id="3" name="Content Placeholder 2">
+            <a:extLst>
+              <a:ext uri="{FF2B5EF4-FFF2-40B4-BE49-F238E27FC236}">
+                <a16:creationId xmlns:a16="http://schemas.microsoft.com/office/drawing/2014/main" id="{5469E00B-C07F-734B-943E-B4C7F2440F00}"/>
+              </a:ext>
+            </a:extLst>
+          </p:cNvPr>
+          <p:cNvSpPr>
+            <a:spLocks noGrp="1"/>
+          </p:cNvSpPr>
+          <p:nvPr>
+            <p:ph idx="1"/>
+          </p:nvPr>
+        </p:nvSpPr>
+        <p:spPr>
+          <a:xfrm>
+            <a:off x="518984" y="2015734"/>
+            <a:ext cx="6554879" cy="4037747"/>
+          </a:xfrm>
+        </p:spPr>
+        <p:txBody>
+          <a:bodyPr>
+            <a:normAutofit/>
+          </a:bodyPr>
+          <a:lstStyle/>
+          <a:p>
+            <a:r>
+              <a:rPr lang="en-US" dirty="0"/>
+              <a:t>Recall – Variance is the average squared distance from the mean of a dataset.</a:t>
+            </a:r>
+          </a:p>
+          <a:p>
+            <a:r>
+              <a:rPr lang="en-US" dirty="0"/>
+              <a:t>Large variance = spread data. </a:t>
+            </a:r>
+          </a:p>
+          <a:p>
+            <a:r>
+              <a:rPr lang="en-US" dirty="0"/>
+              <a:t>Small variance = condensed data. </a:t>
+            </a:r>
+          </a:p>
+          <a:p>
+            <a:r>
+              <a:rPr lang="en-US" dirty="0"/>
+              <a:t>Note: The n-1 is for sample, population uses n. The rationale is that if there is only n=1 in the sample, there is not variance. You need at least 2 values to have 1 variance. </a:t>
+            </a:r>
+          </a:p>
+        </p:txBody>
+      </p:sp>
+      <p:pic>
+        <p:nvPicPr>
+          <p:cNvPr id="2050" name="Picture 2" descr="Sample Variance: Simple Definition, How to Find it in Easy Steps -  Statistics How To">
+            <a:extLst>
+              <a:ext uri="{FF2B5EF4-FFF2-40B4-BE49-F238E27FC236}">
+                <a16:creationId xmlns:a16="http://schemas.microsoft.com/office/drawing/2014/main" id="{1F6EDE4D-AB1B-B14D-B7EE-B9D654618A64}"/>
+              </a:ext>
+            </a:extLst>
+          </p:cNvPr>
+          <p:cNvPicPr>
+            <a:picLocks noChangeAspect="1" noChangeArrowheads="1"/>
+          </p:cNvPicPr>
+          <p:nvPr/>
+        </p:nvPicPr>
+        <p:blipFill>
+          <a:blip r:embed="rId2">
+            <a:extLst>
+              <a:ext uri="{28A0092B-C50C-407E-A947-70E740481C1C}">
+                <a14:useLocalDpi xmlns:a14="http://schemas.microsoft.com/office/drawing/2010/main" val="0"/>
+              </a:ext>
+            </a:extLst>
+          </a:blip>
+          <a:stretch>
+            <a:fillRect/>
+          </a:stretch>
+        </p:blipFill>
+        <p:spPr bwMode="auto">
+          <a:xfrm>
+            <a:off x="7554139" y="1817854"/>
+            <a:ext cx="4539809" cy="1543535"/>
+          </a:xfrm>
+          <a:prstGeom prst="rect">
+            <a:avLst/>
+          </a:prstGeom>
+          <a:noFill/>
+          <a:extLst>
+            <a:ext uri="{909E8E84-426E-40DD-AFC4-6F175D3DCCD1}">
+              <a14:hiddenFill xmlns:a14="http://schemas.microsoft.com/office/drawing/2010/main">
+                <a:solidFill>
+                  <a:srgbClr val="FFFFFF"/>
+                </a:solidFill>
+              </a14:hiddenFill>
+            </a:ext>
+          </a:extLst>
+        </p:spPr>
+      </p:pic>
+      <p:pic>
+        <p:nvPicPr>
+          <p:cNvPr id="1026" name="Picture 2">
+            <a:extLst>
+              <a:ext uri="{FF2B5EF4-FFF2-40B4-BE49-F238E27FC236}">
+                <a16:creationId xmlns:a16="http://schemas.microsoft.com/office/drawing/2014/main" id="{E7F26235-31B8-C8D4-9F61-9E050A7283CD}"/>
+              </a:ext>
+            </a:extLst>
+          </p:cNvPr>
+          <p:cNvPicPr>
+            <a:picLocks noChangeAspect="1" noChangeArrowheads="1"/>
+          </p:cNvPicPr>
+          <p:nvPr/>
+        </p:nvPicPr>
+        <p:blipFill>
+          <a:blip r:embed="rId3">
+            <a:extLst>
+              <a:ext uri="{28A0092B-C50C-407E-A947-70E740481C1C}">
+                <a14:useLocalDpi xmlns:a14="http://schemas.microsoft.com/office/drawing/2010/main" val="0"/>
+              </a:ext>
+            </a:extLst>
+          </a:blip>
+          <a:srcRect/>
+          <a:stretch>
+            <a:fillRect/>
+          </a:stretch>
+        </p:blipFill>
+        <p:spPr bwMode="auto">
+          <a:xfrm>
+            <a:off x="8067460" y="3385370"/>
+            <a:ext cx="3605556" cy="2668111"/>
+          </a:xfrm>
+          <a:prstGeom prst="rect">
+            <a:avLst/>
+          </a:prstGeom>
+          <a:noFill/>
+          <a:extLst>
+            <a:ext uri="{909E8E84-426E-40DD-AFC4-6F175D3DCCD1}">
+              <a14:hiddenFill xmlns:a14="http://schemas.microsoft.com/office/drawing/2010/main">
+                <a:solidFill>
+                  <a:srgbClr val="FFFFFF"/>
+                </a:solidFill>
+              </a14:hiddenFill>
+            </a:ext>
+          </a:extLst>
+        </p:spPr>
+      </p:pic>
+    </p:spTree>
+    <p:extLst>
+      <p:ext uri="{BB962C8B-B14F-4D97-AF65-F5344CB8AC3E}">
+        <p14:creationId xmlns:p14="http://schemas.microsoft.com/office/powerpoint/2010/main" val="3520502105"/>
+      </p:ext>
+    </p:extLst>
+  </p:cSld>
+  <p:clrMapOvr>
+    <a:masterClrMapping/>
+  </p:clrMapOvr>
+</p:sld>
+</file>
+
+<file path=ppt/slides/slide11.xml><?xml version="1.0" encoding="utf-8"?>
+<p:sld xmlns:a="http://schemas.openxmlformats.org/drawingml/2006/main" xmlns:r="http://schemas.openxmlformats.org/officeDocument/2006/relationships" xmlns:p="http://schemas.openxmlformats.org/presentationml/2006/main">
+  <p:cSld>
+    <p:bg>
+      <p:bgPr>
+        <a:gradFill rotWithShape="1">
+          <a:gsLst>
+            <a:gs pos="0">
+              <a:schemeClr val="bg2">
+                <a:tint val="94000"/>
+                <a:satMod val="80000"/>
+                <a:lumMod val="106000"/>
+              </a:schemeClr>
+            </a:gs>
+            <a:gs pos="100000">
+              <a:schemeClr val="bg2">
+                <a:shade val="80000"/>
+              </a:schemeClr>
+            </a:gs>
+          </a:gsLst>
+          <a:path path="circle">
+            <a:fillToRect l="43000" r="43000" b="100000"/>
+          </a:path>
+        </a:gradFill>
+        <a:effectLst/>
+      </p:bgPr>
+    </p:bg>
+    <p:spTree>
+      <p:nvGrpSpPr>
+        <p:cNvPr id="1" name=""/>
+        <p:cNvGrpSpPr/>
+        <p:nvPr/>
+      </p:nvGrpSpPr>
+      <p:grpSpPr>
+        <a:xfrm>
+          <a:off x="0" y="0"/>
+          <a:ext cx="0" cy="0"/>
+          <a:chOff x="0" y="0"/>
+          <a:chExt cx="0" cy="0"/>
+        </a:xfrm>
+      </p:grpSpPr>
+      <p:sp>
+        <p:nvSpPr>
+          <p:cNvPr id="2" name="Title 1">
+            <a:extLst>
+              <a:ext uri="{FF2B5EF4-FFF2-40B4-BE49-F238E27FC236}">
+                <a16:creationId xmlns:a16="http://schemas.microsoft.com/office/drawing/2014/main" id="{9A9A00FC-EA00-EE4B-AB0E-81853B5C377D}"/>
+              </a:ext>
+            </a:extLst>
+          </p:cNvPr>
+          <p:cNvSpPr>
+            <a:spLocks noGrp="1"/>
+          </p:cNvSpPr>
+          <p:nvPr>
+            <p:ph type="title"/>
+          </p:nvPr>
+        </p:nvSpPr>
+        <p:spPr>
+          <a:xfrm>
+            <a:off x="1451579" y="804519"/>
+            <a:ext cx="9603275" cy="1049235"/>
+          </a:xfrm>
+        </p:spPr>
+        <p:txBody>
+          <a:bodyPr>
+            <a:normAutofit/>
+          </a:bodyPr>
+          <a:lstStyle/>
+          <a:p>
+            <a:r>
+              <a:rPr lang="en-US" dirty="0"/>
+              <a:t>Covariance</a:t>
+            </a:r>
+          </a:p>
+        </p:txBody>
+      </p:sp>
+      <p:sp>
+        <p:nvSpPr>
+          <p:cNvPr id="3" name="Content Placeholder 2">
+            <a:extLst>
+              <a:ext uri="{FF2B5EF4-FFF2-40B4-BE49-F238E27FC236}">
+                <a16:creationId xmlns:a16="http://schemas.microsoft.com/office/drawing/2014/main" id="{74DEFC01-B939-414B-A110-BF5FCDEA9F57}"/>
+              </a:ext>
+            </a:extLst>
+          </p:cNvPr>
+          <p:cNvSpPr>
+            <a:spLocks noGrp="1"/>
+          </p:cNvSpPr>
+          <p:nvPr>
+            <p:ph idx="1"/>
+          </p:nvPr>
+        </p:nvSpPr>
+        <p:spPr>
+          <a:xfrm>
+            <a:off x="276045" y="2015734"/>
+            <a:ext cx="5338089" cy="3450613"/>
+          </a:xfrm>
+        </p:spPr>
+        <p:txBody>
+          <a:bodyPr>
+            <a:normAutofit lnSpcReduction="10000"/>
+          </a:bodyPr>
+          <a:lstStyle/>
+          <a:p>
+            <a:r>
+              <a:rPr lang="en-US" dirty="0"/>
+              <a:t>Covariance is the average distance of the x-axis values times the y-axis value. </a:t>
+            </a:r>
+          </a:p>
+          <a:p>
+            <a:r>
+              <a:rPr lang="en-US" dirty="0"/>
+              <a:t>Can think of it as a 2 dimensional variance.</a:t>
+            </a:r>
+          </a:p>
+          <a:p>
+            <a:pPr lvl="1"/>
+            <a:r>
+              <a:rPr lang="en-US" dirty="0"/>
+              <a:t>Distance from mean on X axis. </a:t>
+            </a:r>
+          </a:p>
+          <a:p>
+            <a:pPr lvl="1"/>
+            <a:r>
+              <a:rPr lang="en-US" dirty="0"/>
+              <a:t>Distance from mean on Y axis. </a:t>
+            </a:r>
+          </a:p>
+          <a:p>
+            <a:r>
+              <a:rPr lang="en-US" dirty="0"/>
+              <a:t>If positive – as X goes up, Y goes up.</a:t>
+            </a:r>
+          </a:p>
+          <a:p>
+            <a:r>
+              <a:rPr lang="en-US" dirty="0"/>
+              <a:t>If negative – as X goes up, y goes down. </a:t>
+            </a:r>
+          </a:p>
+          <a:p>
+            <a:r>
+              <a:rPr lang="en-US" dirty="0"/>
+              <a:t>Larger number, stronger relationship. </a:t>
+            </a:r>
+          </a:p>
+        </p:txBody>
+      </p:sp>
+      <p:pic>
+        <p:nvPicPr>
+          <p:cNvPr id="1032" name="Picture 8" descr="Covariance Formula For Population and Sample With Solved Example Questions">
+            <a:extLst>
+              <a:ext uri="{FF2B5EF4-FFF2-40B4-BE49-F238E27FC236}">
+                <a16:creationId xmlns:a16="http://schemas.microsoft.com/office/drawing/2014/main" id="{4697FE88-8969-334D-9CB5-0A146F75073F}"/>
+              </a:ext>
+            </a:extLst>
+          </p:cNvPr>
+          <p:cNvPicPr>
+            <a:picLocks noChangeAspect="1" noChangeArrowheads="1"/>
+          </p:cNvPicPr>
+          <p:nvPr/>
+        </p:nvPicPr>
+        <p:blipFill rotWithShape="1">
+          <a:blip r:embed="rId2">
+            <a:extLst>
+              <a:ext uri="{28A0092B-C50C-407E-A947-70E740481C1C}">
+                <a14:useLocalDpi xmlns:a14="http://schemas.microsoft.com/office/drawing/2010/main" val="0"/>
+              </a:ext>
+            </a:extLst>
+          </a:blip>
+          <a:srcRect t="45374"/>
+          <a:stretch/>
+        </p:blipFill>
+        <p:spPr bwMode="auto">
+          <a:xfrm>
+            <a:off x="6096000" y="2602376"/>
+            <a:ext cx="6073069" cy="2401871"/>
+          </a:xfrm>
+          <a:prstGeom prst="rect">
+            <a:avLst/>
+          </a:prstGeom>
+          <a:noFill/>
+          <a:extLst>
+            <a:ext uri="{909E8E84-426E-40DD-AFC4-6F175D3DCCD1}">
+              <a14:hiddenFill xmlns:a14="http://schemas.microsoft.com/office/drawing/2010/main">
+                <a:solidFill>
+                  <a:srgbClr val="FFFFFF"/>
+                </a:solidFill>
+              </a14:hiddenFill>
+            </a:ext>
+          </a:extLst>
+        </p:spPr>
+      </p:pic>
+      <p:sp>
+        <p:nvSpPr>
+          <p:cNvPr id="4" name="AutoShape 2" descr="{\displaystyle q_{jk}={\frac {1}{N-1}}\sum _{i=1}^{N}\left(X_{ij}-{\bar {X}}_{j}\right)\left(X_{ik}-{\bar {X}}_{k}\right),}">
+            <a:extLst>
+              <a:ext uri="{FF2B5EF4-FFF2-40B4-BE49-F238E27FC236}">
+                <a16:creationId xmlns:a16="http://schemas.microsoft.com/office/drawing/2014/main" id="{6F572B6F-BFFE-294F-AB67-43222AB9359B}"/>
+              </a:ext>
+            </a:extLst>
+          </p:cNvPr>
+          <p:cNvSpPr>
+            <a:spLocks noChangeAspect="1" noChangeArrowheads="1"/>
+          </p:cNvSpPr>
+          <p:nvPr/>
+        </p:nvSpPr>
+        <p:spPr bwMode="auto">
+          <a:xfrm>
+            <a:off x="5943600" y="3276600"/>
+            <a:ext cx="304800" cy="304800"/>
+          </a:xfrm>
+          <a:prstGeom prst="rect">
+            <a:avLst/>
+          </a:prstGeom>
+          <a:noFill/>
+          <a:extLst>
+            <a:ext uri="{909E8E84-426E-40DD-AFC4-6F175D3DCCD1}">
+              <a14:hiddenFill xmlns:a14="http://schemas.microsoft.com/office/drawing/2010/main">
+                <a:solidFill>
+                  <a:srgbClr val="FFFFFF"/>
+                </a:solidFill>
+              </a14:hiddenFill>
+            </a:ext>
+          </a:extLst>
+        </p:spPr>
+        <p:txBody>
+          <a:bodyPr vert="horz" wrap="square" lIns="91440" tIns="45720" rIns="91440" bIns="45720" numCol="1" anchor="t" anchorCtr="0" compatLnSpc="1">
+            <a:prstTxWarp prst="textNoShape">
+              <a:avLst/>
+            </a:prstTxWarp>
+          </a:bodyPr>
+          <a:lstStyle/>
+          <a:p>
+            <a:endParaRPr lang="en-US"/>
+          </a:p>
+        </p:txBody>
+      </p:sp>
+    </p:spTree>
+    <p:extLst>
+      <p:ext uri="{BB962C8B-B14F-4D97-AF65-F5344CB8AC3E}">
+        <p14:creationId xmlns:p14="http://schemas.microsoft.com/office/powerpoint/2010/main" val="4078945355"/>
+      </p:ext>
+    </p:extLst>
+  </p:cSld>
+  <p:clrMapOvr>
+    <a:masterClrMapping/>
+  </p:clrMapOvr>
+</p:sld>
+</file>
+
+<file path=ppt/slides/slide12.xml><?xml version="1.0" encoding="utf-8"?>
+<p:sld xmlns:a="http://schemas.openxmlformats.org/drawingml/2006/main" xmlns:r="http://schemas.openxmlformats.org/officeDocument/2006/relationships" xmlns:p="http://schemas.openxmlformats.org/presentationml/2006/main">
+  <p:cSld>
+    <p:spTree>
+      <p:nvGrpSpPr>
+        <p:cNvPr id="1" name=""/>
+        <p:cNvGrpSpPr/>
+        <p:nvPr/>
+      </p:nvGrpSpPr>
+      <p:grpSpPr>
+        <a:xfrm>
+          <a:off x="0" y="0"/>
+          <a:ext cx="0" cy="0"/>
+          <a:chOff x="0" y="0"/>
+          <a:chExt cx="0" cy="0"/>
+        </a:xfrm>
+      </p:grpSpPr>
+      <p:sp>
+        <p:nvSpPr>
+          <p:cNvPr id="2" name="Title 1">
+            <a:extLst>
+              <a:ext uri="{FF2B5EF4-FFF2-40B4-BE49-F238E27FC236}">
+                <a16:creationId xmlns:a16="http://schemas.microsoft.com/office/drawing/2014/main" id="{97F3532F-7F32-FFB3-13EE-AC2FDF34E771}"/>
+              </a:ext>
+            </a:extLst>
+          </p:cNvPr>
+          <p:cNvSpPr>
+            <a:spLocks noGrp="1"/>
+          </p:cNvSpPr>
+          <p:nvPr>
+            <p:ph type="title"/>
+          </p:nvPr>
+        </p:nvSpPr>
+        <p:spPr/>
+        <p:txBody>
+          <a:bodyPr/>
+          <a:lstStyle/>
+          <a:p>
+            <a:r>
+              <a:rPr lang="en-US" dirty="0"/>
+              <a:t>Covariance</a:t>
+            </a:r>
+          </a:p>
+        </p:txBody>
+      </p:sp>
+      <p:sp>
+        <p:nvSpPr>
+          <p:cNvPr id="3" name="Content Placeholder 2">
+            <a:extLst>
+              <a:ext uri="{FF2B5EF4-FFF2-40B4-BE49-F238E27FC236}">
+                <a16:creationId xmlns:a16="http://schemas.microsoft.com/office/drawing/2014/main" id="{FAABE7FA-749B-5547-838F-FEF833D9736C}"/>
+              </a:ext>
+            </a:extLst>
+          </p:cNvPr>
+          <p:cNvSpPr>
+            <a:spLocks noGrp="1"/>
+          </p:cNvSpPr>
+          <p:nvPr>
+            <p:ph idx="1"/>
+          </p:nvPr>
+        </p:nvSpPr>
+        <p:spPr>
+          <a:xfrm>
+            <a:off x="1451579" y="2015733"/>
+            <a:ext cx="9603275" cy="1413268"/>
+          </a:xfrm>
+        </p:spPr>
+        <p:txBody>
+          <a:bodyPr/>
+          <a:lstStyle/>
+          <a:p>
+            <a:r>
+              <a:rPr lang="en-US" dirty="0"/>
+              <a:t>The stronger the changes in X and Y are tied to each other, the higher the covariance. </a:t>
+            </a:r>
+          </a:p>
+          <a:p>
+            <a:pPr lvl="1"/>
+            <a:r>
+              <a:rPr lang="en-US" dirty="0"/>
+              <a:t>I.e. measurement of how closely changes in one are reflected in the other. </a:t>
+            </a:r>
+          </a:p>
+        </p:txBody>
+      </p:sp>
+      <p:pic>
+        <p:nvPicPr>
+          <p:cNvPr id="1026" name="Picture 2" descr="What is correlation and covariance in statistics? - Data Science, AI and ML  - Discussion Forum | Board Infinity">
+            <a:extLst>
+              <a:ext uri="{FF2B5EF4-FFF2-40B4-BE49-F238E27FC236}">
+                <a16:creationId xmlns:a16="http://schemas.microsoft.com/office/drawing/2014/main" id="{8B356A93-DF1E-0129-A2BA-6FDB940D855D}"/>
+              </a:ext>
+            </a:extLst>
+          </p:cNvPr>
+          <p:cNvPicPr>
+            <a:picLocks noChangeAspect="1" noChangeArrowheads="1"/>
+          </p:cNvPicPr>
+          <p:nvPr/>
+        </p:nvPicPr>
+        <p:blipFill rotWithShape="1">
+          <a:blip r:embed="rId2">
+            <a:extLst>
+              <a:ext uri="{28A0092B-C50C-407E-A947-70E740481C1C}">
+                <a14:useLocalDpi xmlns:a14="http://schemas.microsoft.com/office/drawing/2010/main" val="0"/>
+              </a:ext>
+            </a:extLst>
+          </a:blip>
+          <a:srcRect b="50000"/>
+          <a:stretch>
+            <a:fillRect/>
+          </a:stretch>
+        </p:blipFill>
+        <p:spPr bwMode="auto">
+          <a:xfrm>
+            <a:off x="2330450" y="3429000"/>
+            <a:ext cx="7531100" cy="2590800"/>
+          </a:xfrm>
+          <a:prstGeom prst="rect">
+            <a:avLst/>
+          </a:prstGeom>
+          <a:noFill/>
+          <a:extLst>
+            <a:ext uri="{909E8E84-426E-40DD-AFC4-6F175D3DCCD1}">
+              <a14:hiddenFill xmlns:a14="http://schemas.microsoft.com/office/drawing/2010/main">
+                <a:solidFill>
+                  <a:srgbClr val="FFFFFF"/>
+                </a:solidFill>
+              </a14:hiddenFill>
+            </a:ext>
+          </a:extLst>
+        </p:spPr>
+      </p:pic>
+    </p:spTree>
+    <p:extLst>
+      <p:ext uri="{BB962C8B-B14F-4D97-AF65-F5344CB8AC3E}">
+        <p14:creationId xmlns:p14="http://schemas.microsoft.com/office/powerpoint/2010/main" val="845777609"/>
+      </p:ext>
+    </p:extLst>
+  </p:cSld>
+  <p:clrMapOvr>
+    <a:masterClrMapping/>
+  </p:clrMapOvr>
+</p:sld>
+</file>
+
+<file path=ppt/slides/slide13.xml><?xml version="1.0" encoding="utf-8"?>
 <p:sld xmlns:a="http://schemas.openxmlformats.org/drawingml/2006/main" xmlns:r="http://schemas.openxmlformats.org/officeDocument/2006/relationships" xmlns:p="http://schemas.openxmlformats.org/presentationml/2006/main">
   <p:cSld>
     <p:bg>
@@ -4828,7 +5826,7 @@
 </p:sld>
 </file>
 
-<file path=ppt/slides/slide11.xml><?xml version="1.0" encoding="utf-8"?>
+<file path=ppt/slides/slide14.xml><?xml version="1.0" encoding="utf-8"?>
 <p:sld xmlns:a="http://schemas.openxmlformats.org/drawingml/2006/main" xmlns:r="http://schemas.openxmlformats.org/officeDocument/2006/relationships" xmlns:p="http://schemas.openxmlformats.org/presentationml/2006/main">
   <p:cSld>
     <p:bg>
@@ -5026,7 +6024,7 @@
 </p:sld>
 </file>
 
-<file path=ppt/slides/slide12.xml><?xml version="1.0" encoding="utf-8"?>
+<file path=ppt/slides/slide15.xml><?xml version="1.0" encoding="utf-8"?>
 <p:sld xmlns:a="http://schemas.openxmlformats.org/drawingml/2006/main" xmlns:r="http://schemas.openxmlformats.org/officeDocument/2006/relationships" xmlns:p="http://schemas.openxmlformats.org/presentationml/2006/main">
   <p:cSld>
     <p:spTree>
@@ -5179,7 +6177,158 @@
 </p:sld>
 </file>
 
-<file path=ppt/slides/slide13.xml><?xml version="1.0" encoding="utf-8"?>
+<file path=ppt/slides/slide16.xml><?xml version="1.0" encoding="utf-8"?>
+<p:sld xmlns:a="http://schemas.openxmlformats.org/drawingml/2006/main" xmlns:r="http://schemas.openxmlformats.org/officeDocument/2006/relationships" xmlns:p="http://schemas.openxmlformats.org/presentationml/2006/main">
+  <p:cSld>
+    <p:spTree>
+      <p:nvGrpSpPr>
+        <p:cNvPr id="1" name=""/>
+        <p:cNvGrpSpPr/>
+        <p:nvPr/>
+      </p:nvGrpSpPr>
+      <p:grpSpPr>
+        <a:xfrm>
+          <a:off x="0" y="0"/>
+          <a:ext cx="0" cy="0"/>
+          <a:chOff x="0" y="0"/>
+          <a:chExt cx="0" cy="0"/>
+        </a:xfrm>
+      </p:grpSpPr>
+      <p:sp>
+        <p:nvSpPr>
+          <p:cNvPr id="2" name="Title 1">
+            <a:extLst>
+              <a:ext uri="{FF2B5EF4-FFF2-40B4-BE49-F238E27FC236}">
+                <a16:creationId xmlns:a16="http://schemas.microsoft.com/office/drawing/2014/main" id="{928B2D62-64A3-47C3-447D-6D221A826414}"/>
+              </a:ext>
+            </a:extLst>
+          </p:cNvPr>
+          <p:cNvSpPr>
+            <a:spLocks noGrp="1"/>
+          </p:cNvSpPr>
+          <p:nvPr>
+            <p:ph type="title"/>
+          </p:nvPr>
+        </p:nvSpPr>
+        <p:spPr/>
+        <p:txBody>
+          <a:bodyPr/>
+          <a:lstStyle/>
+          <a:p>
+            <a:r>
+              <a:rPr lang="en-US" dirty="0"/>
+              <a:t>Correlation</a:t>
+            </a:r>
+          </a:p>
+        </p:txBody>
+      </p:sp>
+      <p:sp>
+        <p:nvSpPr>
+          <p:cNvPr id="3" name="Content Placeholder 2">
+            <a:extLst>
+              <a:ext uri="{FF2B5EF4-FFF2-40B4-BE49-F238E27FC236}">
+                <a16:creationId xmlns:a16="http://schemas.microsoft.com/office/drawing/2014/main" id="{5E0088A1-2FA6-9045-1264-257A982360C1}"/>
+              </a:ext>
+            </a:extLst>
+          </p:cNvPr>
+          <p:cNvSpPr>
+            <a:spLocks noGrp="1"/>
+          </p:cNvSpPr>
+          <p:nvPr>
+            <p:ph idx="1"/>
+          </p:nvPr>
+        </p:nvSpPr>
+        <p:spPr>
+          <a:xfrm>
+            <a:off x="1043609" y="2015732"/>
+            <a:ext cx="3617291" cy="3450613"/>
+          </a:xfrm>
+        </p:spPr>
+        <p:txBody>
+          <a:bodyPr/>
+          <a:lstStyle/>
+          <a:p>
+            <a:r>
+              <a:rPr lang="en-US" dirty="0"/>
+              <a:t>Correlation is more common. </a:t>
+            </a:r>
+          </a:p>
+          <a:p>
+            <a:r>
+              <a:rPr lang="en-US" dirty="0"/>
+              <a:t>Measures the same concept:</a:t>
+            </a:r>
+          </a:p>
+          <a:p>
+            <a:pPr lvl="1"/>
+            <a:r>
+              <a:rPr lang="en-US" dirty="0"/>
+              <a:t>A X changes, how does Y? </a:t>
+            </a:r>
+          </a:p>
+        </p:txBody>
+      </p:sp>
+      <p:pic>
+        <p:nvPicPr>
+          <p:cNvPr id="2050" name="Picture 2" descr="What is correlation and covariance in statistics? - Data Science, AI and ML  - Discussion Forum | Board Infinity">
+            <a:extLst>
+              <a:ext uri="{FF2B5EF4-FFF2-40B4-BE49-F238E27FC236}">
+                <a16:creationId xmlns:a16="http://schemas.microsoft.com/office/drawing/2014/main" id="{D9A73697-0F8B-0B27-9DEE-FBDA7C173657}"/>
+              </a:ext>
+            </a:extLst>
+          </p:cNvPr>
+          <p:cNvPicPr>
+            <a:picLocks noChangeAspect="1" noChangeArrowheads="1"/>
+          </p:cNvPicPr>
+          <p:nvPr/>
+        </p:nvPicPr>
+        <p:blipFill>
+          <a:blip r:embed="rId2">
+            <a:extLst>
+              <a:ext uri="{28A0092B-C50C-407E-A947-70E740481C1C}">
+                <a14:useLocalDpi xmlns:a14="http://schemas.microsoft.com/office/drawing/2010/main" val="0"/>
+              </a:ext>
+            </a:extLst>
+          </a:blip>
+          <a:srcRect/>
+          <a:stretch>
+            <a:fillRect/>
+          </a:stretch>
+        </p:blipFill>
+        <p:spPr bwMode="auto">
+          <a:xfrm>
+            <a:off x="4660900" y="871881"/>
+            <a:ext cx="7531100" cy="5181600"/>
+          </a:xfrm>
+          <a:prstGeom prst="rect">
+            <a:avLst/>
+          </a:prstGeom>
+          <a:noFill/>
+          <a:extLst>
+            <a:ext uri="{909E8E84-426E-40DD-AFC4-6F175D3DCCD1}">
+              <a14:hiddenFill xmlns:a14="http://schemas.microsoft.com/office/drawing/2010/main">
+                <a:solidFill>
+                  <a:srgbClr val="FFFFFF"/>
+                </a:solidFill>
+              </a14:hiddenFill>
+            </a:ext>
+          </a:extLst>
+        </p:spPr>
+      </p:pic>
+    </p:spTree>
+    <p:extLst>
+      <p:ext uri="{BB962C8B-B14F-4D97-AF65-F5344CB8AC3E}">
+        <p14:creationId xmlns:p14="http://schemas.microsoft.com/office/powerpoint/2010/main" val="3947663226"/>
+      </p:ext>
+    </p:extLst>
+  </p:cSld>
+  <p:clrMapOvr>
+    <a:masterClrMapping/>
+  </p:clrMapOvr>
+</p:sld>
+</file>
+
+<file path=ppt/slides/slide17.xml><?xml version="1.0" encoding="utf-8"?>
 <p:sld xmlns:a="http://schemas.openxmlformats.org/drawingml/2006/main" xmlns:r="http://schemas.openxmlformats.org/officeDocument/2006/relationships" xmlns:p="http://schemas.openxmlformats.org/presentationml/2006/main">
   <p:cSld>
     <p:spTree>
@@ -5333,7 +6482,7 @@
 </p:sld>
 </file>
 
-<file path=ppt/slides/slide14.xml><?xml version="1.0" encoding="utf-8"?>
+<file path=ppt/slides/slide18.xml><?xml version="1.0" encoding="utf-8"?>
 <p:sld xmlns:a="http://schemas.openxmlformats.org/drawingml/2006/main" xmlns:r="http://schemas.openxmlformats.org/officeDocument/2006/relationships" xmlns:p="http://schemas.openxmlformats.org/presentationml/2006/main">
   <p:cSld>
     <p:spTree>
@@ -5460,7 +6609,7 @@
 </p:sld>
 </file>
 
-<file path=ppt/slides/slide15.xml><?xml version="1.0" encoding="utf-8"?>
+<file path=ppt/slides/slide19.xml><?xml version="1.0" encoding="utf-8"?>
 <p:sld xmlns:a="http://schemas.openxmlformats.org/drawingml/2006/main" xmlns:r="http://schemas.openxmlformats.org/officeDocument/2006/relationships" xmlns:p="http://schemas.openxmlformats.org/presentationml/2006/main">
   <p:cSld>
     <p:spTree>
@@ -5587,7 +6736,192 @@
 </p:sld>
 </file>
 
-<file path=ppt/slides/slide16.xml><?xml version="1.0" encoding="utf-8"?>
+<file path=ppt/slides/slide2.xml><?xml version="1.0" encoding="utf-8"?>
+<p:sld xmlns:a="http://schemas.openxmlformats.org/drawingml/2006/main" xmlns:r="http://schemas.openxmlformats.org/officeDocument/2006/relationships" xmlns:p="http://schemas.openxmlformats.org/presentationml/2006/main">
+  <p:cSld>
+    <p:spTree>
+      <p:nvGrpSpPr>
+        <p:cNvPr id="1" name=""/>
+        <p:cNvGrpSpPr/>
+        <p:nvPr/>
+      </p:nvGrpSpPr>
+      <p:grpSpPr>
+        <a:xfrm>
+          <a:off x="0" y="0"/>
+          <a:ext cx="0" cy="0"/>
+          <a:chOff x="0" y="0"/>
+          <a:chExt cx="0" cy="0"/>
+        </a:xfrm>
+      </p:grpSpPr>
+      <p:sp>
+        <p:nvSpPr>
+          <p:cNvPr id="2" name="Title 1">
+            <a:extLst>
+              <a:ext uri="{FF2B5EF4-FFF2-40B4-BE49-F238E27FC236}">
+                <a16:creationId xmlns:a16="http://schemas.microsoft.com/office/drawing/2014/main" id="{1E37A66B-C7AD-75AB-5D06-6A6448BDCCBE}"/>
+              </a:ext>
+            </a:extLst>
+          </p:cNvPr>
+          <p:cNvSpPr>
+            <a:spLocks noGrp="1"/>
+          </p:cNvSpPr>
+          <p:nvPr>
+            <p:ph type="title"/>
+          </p:nvPr>
+        </p:nvSpPr>
+        <p:spPr/>
+        <p:txBody>
+          <a:bodyPr/>
+          <a:lstStyle/>
+          <a:p>
+            <a:r>
+              <a:rPr lang="en-US" dirty="0"/>
+              <a:t>Using Distributions – in Reality</a:t>
+            </a:r>
+          </a:p>
+        </p:txBody>
+      </p:sp>
+      <p:sp>
+        <p:nvSpPr>
+          <p:cNvPr id="3" name="Content Placeholder 2">
+            <a:extLst>
+              <a:ext uri="{FF2B5EF4-FFF2-40B4-BE49-F238E27FC236}">
+                <a16:creationId xmlns:a16="http://schemas.microsoft.com/office/drawing/2014/main" id="{B0076EB3-B246-44E6-E479-C8033EA3C01B}"/>
+              </a:ext>
+            </a:extLst>
+          </p:cNvPr>
+          <p:cNvSpPr>
+            <a:spLocks noGrp="1"/>
+          </p:cNvSpPr>
+          <p:nvPr>
+            <p:ph idx="1"/>
+          </p:nvPr>
+        </p:nvSpPr>
+        <p:spPr>
+          <a:xfrm>
+            <a:off x="1451579" y="1853754"/>
+            <a:ext cx="9603276" cy="4199727"/>
+          </a:xfrm>
+        </p:spPr>
+        <p:txBody>
+          <a:bodyPr>
+            <a:normAutofit/>
+          </a:bodyPr>
+          <a:lstStyle/>
+          <a:p>
+            <a:r>
+              <a:rPr lang="en-US" dirty="0"/>
+              <a:t>I’ve done one thing that directly involves basic stats for a real use. </a:t>
+            </a:r>
+          </a:p>
+          <a:p>
+            <a:r>
+              <a:rPr lang="en-US" dirty="0"/>
+              <a:t>Course evaluations at ATB (the bank).</a:t>
+            </a:r>
+          </a:p>
+          <a:p>
+            <a:r>
+              <a:rPr lang="en-US" dirty="0"/>
+              <a:t>Course evaluations were a mess, we improved by:</a:t>
+            </a:r>
+          </a:p>
+          <a:p>
+            <a:pPr lvl="1"/>
+            <a:r>
+              <a:rPr lang="en-US" dirty="0"/>
+              <a:t>Standardizing questions (e.g. “the location was good”, ”the instructor was effective”, </a:t>
+            </a:r>
+            <a:r>
+              <a:rPr lang="en-US" dirty="0" err="1"/>
+              <a:t>etc</a:t>
+            </a:r>
+            <a:r>
+              <a:rPr lang="en-US" dirty="0"/>
+              <a:t>…)</a:t>
+            </a:r>
+          </a:p>
+          <a:p>
+            <a:pPr lvl="1"/>
+            <a:r>
+              <a:rPr lang="en-US" dirty="0"/>
+              <a:t>Standardizing scale on a 4 </a:t>
+            </a:r>
+            <a:r>
+              <a:rPr lang="en-US" dirty="0" err="1"/>
+              <a:t>pt</a:t>
+            </a:r>
+            <a:r>
+              <a:rPr lang="en-US" dirty="0"/>
+              <a:t> scale. </a:t>
+            </a:r>
+          </a:p>
+          <a:p>
+            <a:r>
+              <a:rPr lang="en-US" dirty="0"/>
+              <a:t>This gave us data that could be consolidated into a dataset:</a:t>
+            </a:r>
+          </a:p>
+          <a:p>
+            <a:pPr lvl="1"/>
+            <a:r>
+              <a:rPr lang="en-US" dirty="0"/>
+              <a:t>Each row is one response, each column is one value/feature/variable:</a:t>
+            </a:r>
+          </a:p>
+          <a:p>
+            <a:pPr lvl="2"/>
+            <a:r>
+              <a:rPr lang="en-US" dirty="0"/>
+              <a:t>Some are demographic categorical – instructor, location, course, </a:t>
+            </a:r>
+            <a:r>
+              <a:rPr lang="en-US" dirty="0" err="1"/>
+              <a:t>etc</a:t>
+            </a:r>
+            <a:r>
+              <a:rPr lang="en-US" dirty="0"/>
+              <a:t>…</a:t>
+            </a:r>
+          </a:p>
+          <a:p>
+            <a:pPr lvl="2"/>
+            <a:r>
+              <a:rPr lang="en-US" dirty="0"/>
+              <a:t>Some are numerical scores – each question response. </a:t>
+            </a:r>
+          </a:p>
+          <a:p>
+            <a:pPr lvl="1"/>
+            <a:r>
+              <a:rPr lang="en-US" dirty="0"/>
+              <a:t>Subgrouping and comparisons became easy - per location, instructor, </a:t>
+            </a:r>
+            <a:r>
+              <a:rPr lang="en-US" dirty="0" err="1"/>
+              <a:t>etc</a:t>
+            </a:r>
+            <a:r>
+              <a:rPr lang="en-US" dirty="0"/>
+              <a:t>…</a:t>
+            </a:r>
+          </a:p>
+        </p:txBody>
+      </p:sp>
+    </p:spTree>
+    <p:extLst>
+      <p:ext uri="{BB962C8B-B14F-4D97-AF65-F5344CB8AC3E}">
+        <p14:creationId xmlns:p14="http://schemas.microsoft.com/office/powerpoint/2010/main" val="27960617"/>
+      </p:ext>
+    </p:extLst>
+  </p:cSld>
+  <p:clrMapOvr>
+    <a:masterClrMapping/>
+  </p:clrMapOvr>
+</p:sld>
+</file>
+
+<file path=ppt/slides/slide20.xml><?xml version="1.0" encoding="utf-8"?>
 <p:sld xmlns:a="http://schemas.openxmlformats.org/drawingml/2006/main" xmlns:r="http://schemas.openxmlformats.org/officeDocument/2006/relationships" xmlns:p="http://schemas.openxmlformats.org/presentationml/2006/main">
   <p:cSld>
     <p:bg>
@@ -5791,7 +7125,7 @@
 </p:sld>
 </file>
 
-<file path=ppt/slides/slide17.xml><?xml version="1.0" encoding="utf-8"?>
+<file path=ppt/slides/slide21.xml><?xml version="1.0" encoding="utf-8"?>
 <p:sld xmlns:a="http://schemas.openxmlformats.org/drawingml/2006/main" xmlns:r="http://schemas.openxmlformats.org/officeDocument/2006/relationships" xmlns:p="http://schemas.openxmlformats.org/presentationml/2006/main">
   <p:cSld>
     <p:bg>
@@ -5885,8 +7219,8 @@
         </p:nvSpPr>
         <p:spPr>
           <a:xfrm>
-            <a:off x="405442" y="2015734"/>
-            <a:ext cx="5208692" cy="4261498"/>
+            <a:off x="405441" y="1853754"/>
+            <a:ext cx="5935723" cy="4199727"/>
           </a:xfrm>
         </p:spPr>
         <p:txBody>
@@ -5932,6 +7266,12 @@
             <a:r>
               <a:rPr lang="en-US" dirty="0"/>
               <a:t>More robust with relationships that are not linear, or have outliers. </a:t>
+            </a:r>
+          </a:p>
+          <a:p>
+            <a:r>
+              <a:rPr lang="en-US" dirty="0"/>
+              <a:t>Equivalent to median vs mean. </a:t>
             </a:r>
           </a:p>
         </p:txBody>
@@ -5979,7 +7319,7 @@
 </p:sld>
 </file>
 
-<file path=ppt/slides/slide18.xml><?xml version="1.0" encoding="utf-8"?>
+<file path=ppt/slides/slide22.xml><?xml version="1.0" encoding="utf-8"?>
 <p:sld xmlns:a="http://schemas.openxmlformats.org/drawingml/2006/main" xmlns:r="http://schemas.openxmlformats.org/officeDocument/2006/relationships" xmlns:p="http://schemas.openxmlformats.org/presentationml/2006/main">
   <p:cSld>
     <p:spTree>
@@ -6151,7 +7491,7 @@
 </p:sld>
 </file>
 
-<file path=ppt/slides/slide19.xml><?xml version="1.0" encoding="utf-8"?>
+<file path=ppt/slides/slide23.xml><?xml version="1.0" encoding="utf-8"?>
 <p:sld xmlns:a="http://schemas.openxmlformats.org/drawingml/2006/main" xmlns:r="http://schemas.openxmlformats.org/officeDocument/2006/relationships" xmlns:p="http://schemas.openxmlformats.org/presentationml/2006/main">
   <p:cSld>
     <p:bg>
@@ -6339,184 +7679,7 @@
 </p:sld>
 </file>
 
-<file path=ppt/slides/slide2.xml><?xml version="1.0" encoding="utf-8"?>
-<p:sld xmlns:a="http://schemas.openxmlformats.org/drawingml/2006/main" xmlns:r="http://schemas.openxmlformats.org/officeDocument/2006/relationships" xmlns:p="http://schemas.openxmlformats.org/presentationml/2006/main">
-  <p:cSld>
-    <p:spTree>
-      <p:nvGrpSpPr>
-        <p:cNvPr id="1" name=""/>
-        <p:cNvGrpSpPr/>
-        <p:nvPr/>
-      </p:nvGrpSpPr>
-      <p:grpSpPr>
-        <a:xfrm>
-          <a:off x="0" y="0"/>
-          <a:ext cx="0" cy="0"/>
-          <a:chOff x="0" y="0"/>
-          <a:chExt cx="0" cy="0"/>
-        </a:xfrm>
-      </p:grpSpPr>
-      <p:sp>
-        <p:nvSpPr>
-          <p:cNvPr id="2" name="Title 1">
-            <a:extLst>
-              <a:ext uri="{FF2B5EF4-FFF2-40B4-BE49-F238E27FC236}">
-                <a16:creationId xmlns:a16="http://schemas.microsoft.com/office/drawing/2014/main" id="{1E37A66B-C7AD-75AB-5D06-6A6448BDCCBE}"/>
-              </a:ext>
-            </a:extLst>
-          </p:cNvPr>
-          <p:cNvSpPr>
-            <a:spLocks noGrp="1"/>
-          </p:cNvSpPr>
-          <p:nvPr>
-            <p:ph type="title"/>
-          </p:nvPr>
-        </p:nvSpPr>
-        <p:spPr/>
-        <p:txBody>
-          <a:bodyPr/>
-          <a:lstStyle/>
-          <a:p>
-            <a:r>
-              <a:rPr lang="en-US" dirty="0"/>
-              <a:t>Using Distributions – in Reality</a:t>
-            </a:r>
-          </a:p>
-        </p:txBody>
-      </p:sp>
-      <p:sp>
-        <p:nvSpPr>
-          <p:cNvPr id="3" name="Content Placeholder 2">
-            <a:extLst>
-              <a:ext uri="{FF2B5EF4-FFF2-40B4-BE49-F238E27FC236}">
-                <a16:creationId xmlns:a16="http://schemas.microsoft.com/office/drawing/2014/main" id="{B0076EB3-B246-44E6-E479-C8033EA3C01B}"/>
-              </a:ext>
-            </a:extLst>
-          </p:cNvPr>
-          <p:cNvSpPr>
-            <a:spLocks noGrp="1"/>
-          </p:cNvSpPr>
-          <p:nvPr>
-            <p:ph idx="1"/>
-          </p:nvPr>
-        </p:nvSpPr>
-        <p:spPr>
-          <a:xfrm>
-            <a:off x="500333" y="1853754"/>
-            <a:ext cx="10554522" cy="4199727"/>
-          </a:xfrm>
-        </p:spPr>
-        <p:txBody>
-          <a:bodyPr>
-            <a:normAutofit/>
-          </a:bodyPr>
-          <a:lstStyle/>
-          <a:p>
-            <a:r>
-              <a:rPr lang="en-US" dirty="0"/>
-              <a:t>I’ve done one thing that directly involves basic stats for a real use. </a:t>
-            </a:r>
-          </a:p>
-          <a:p>
-            <a:r>
-              <a:rPr lang="en-US" dirty="0"/>
-              <a:t>Course evaluations at ATB (the bank).</a:t>
-            </a:r>
-          </a:p>
-          <a:p>
-            <a:r>
-              <a:rPr lang="en-US" dirty="0"/>
-              <a:t>Course evaluations were a mess, we improved by:</a:t>
-            </a:r>
-          </a:p>
-          <a:p>
-            <a:pPr lvl="1"/>
-            <a:r>
-              <a:rPr lang="en-US" dirty="0"/>
-              <a:t>Standardizing questions (e.g. “the location was good”, ”the instructor was effective”, </a:t>
-            </a:r>
-            <a:r>
-              <a:rPr lang="en-US" dirty="0" err="1"/>
-              <a:t>etc</a:t>
-            </a:r>
-            <a:r>
-              <a:rPr lang="en-US" dirty="0"/>
-              <a:t>…)</a:t>
-            </a:r>
-          </a:p>
-          <a:p>
-            <a:pPr lvl="1"/>
-            <a:r>
-              <a:rPr lang="en-US" dirty="0"/>
-              <a:t>Standardizing scale on a 4 </a:t>
-            </a:r>
-            <a:r>
-              <a:rPr lang="en-US" dirty="0" err="1"/>
-              <a:t>pt</a:t>
-            </a:r>
-            <a:r>
-              <a:rPr lang="en-US" dirty="0"/>
-              <a:t> scale. </a:t>
-            </a:r>
-          </a:p>
-          <a:p>
-            <a:r>
-              <a:rPr lang="en-US" dirty="0"/>
-              <a:t>This led to data that could be consolidated into a dataset:</a:t>
-            </a:r>
-          </a:p>
-          <a:p>
-            <a:pPr lvl="1"/>
-            <a:r>
-              <a:rPr lang="en-US" dirty="0"/>
-              <a:t>Each row is one response. </a:t>
-            </a:r>
-          </a:p>
-          <a:p>
-            <a:pPr lvl="1"/>
-            <a:r>
-              <a:rPr lang="en-US" dirty="0"/>
-              <a:t>Each column is one value/feature/variable:</a:t>
-            </a:r>
-          </a:p>
-          <a:p>
-            <a:pPr lvl="2"/>
-            <a:r>
-              <a:rPr lang="en-US" dirty="0"/>
-              <a:t>Some are demographic categorical – instructor, location, course, </a:t>
-            </a:r>
-            <a:r>
-              <a:rPr lang="en-US" dirty="0" err="1"/>
-              <a:t>etc</a:t>
-            </a:r>
-            <a:r>
-              <a:rPr lang="en-US" dirty="0"/>
-              <a:t>…</a:t>
-            </a:r>
-          </a:p>
-          <a:p>
-            <a:pPr lvl="2"/>
-            <a:r>
-              <a:rPr lang="en-US" dirty="0"/>
-              <a:t>Some are numerical scores – each question response. </a:t>
-            </a:r>
-          </a:p>
-        </p:txBody>
-      </p:sp>
-    </p:spTree>
-    <p:extLst>
-      <p:ext uri="{BB962C8B-B14F-4D97-AF65-F5344CB8AC3E}">
-        <p14:creationId xmlns:p14="http://schemas.microsoft.com/office/powerpoint/2010/main" val="27960617"/>
-      </p:ext>
-    </p:extLst>
-  </p:cSld>
-  <p:clrMapOvr>
-    <a:masterClrMapping/>
-  </p:clrMapOvr>
-</p:sld>
-</file>
-
-<file path=ppt/slides/slide20.xml><?xml version="1.0" encoding="utf-8"?>
+<file path=ppt/slides/slide24.xml><?xml version="1.0" encoding="utf-8"?>
 <p:sld xmlns:a="http://schemas.openxmlformats.org/drawingml/2006/main" xmlns:r="http://schemas.openxmlformats.org/officeDocument/2006/relationships" xmlns:p="http://schemas.openxmlformats.org/presentationml/2006/main">
   <p:cSld>
     <p:spTree>
@@ -6653,7 +7816,7 @@
 </p:sld>
 </file>
 
-<file path=ppt/slides/slide21.xml><?xml version="1.0" encoding="utf-8"?>
+<file path=ppt/slides/slide25.xml><?xml version="1.0" encoding="utf-8"?>
 <p:sld xmlns:a="http://schemas.openxmlformats.org/drawingml/2006/main" xmlns:r="http://schemas.openxmlformats.org/officeDocument/2006/relationships" xmlns:p="http://schemas.openxmlformats.org/presentationml/2006/main">
   <p:cSld>
     <p:spTree>
@@ -6765,6 +7928,13 @@
               <a:t>If two things have a correlation of 1, that means they “give” the model the same info. </a:t>
             </a:r>
           </a:p>
+          <a:p>
+            <a:pPr lvl="1"/>
+            <a:r>
+              <a:rPr lang="en-US" dirty="0"/>
+              <a:t>If two things are correlated, knowing X tells us an expectation for Y. </a:t>
+            </a:r>
+          </a:p>
         </p:txBody>
       </p:sp>
     </p:spTree>
@@ -6780,7 +7950,7 @@
 </p:sld>
 </file>
 
-<file path=ppt/slides/slide22.xml><?xml version="1.0" encoding="utf-8"?>
+<file path=ppt/slides/slide26.xml><?xml version="1.0" encoding="utf-8"?>
 <p:sld xmlns:a="http://schemas.openxmlformats.org/drawingml/2006/main" xmlns:r="http://schemas.openxmlformats.org/officeDocument/2006/relationships" xmlns:p="http://schemas.openxmlformats.org/presentationml/2006/main">
   <p:cSld>
     <p:bg>
@@ -6886,6 +8056,13 @@
             <a:schemeClr val="lt1"/>
           </a:fontRef>
         </p:style>
+        <p:txBody>
+          <a:bodyPr/>
+          <a:lstStyle/>
+          <a:p>
+            <a:endParaRPr lang="en-US"/>
+          </a:p>
+        </p:txBody>
       </p:sp>
       <p:pic>
         <p:nvPicPr>
@@ -7638,7 +8815,7 @@
 </p:sld>
 </file>
 
-<file path=ppt/slides/slide23.xml><?xml version="1.0" encoding="utf-8"?>
+<file path=ppt/slides/slide27.xml><?xml version="1.0" encoding="utf-8"?>
 <p:sld xmlns:a="http://schemas.openxmlformats.org/drawingml/2006/main" xmlns:r="http://schemas.openxmlformats.org/officeDocument/2006/relationships" xmlns:p="http://schemas.openxmlformats.org/presentationml/2006/main">
   <p:cSld>
     <p:spTree>
@@ -7919,7 +9096,7 @@
 </file>
 
 <file path=ppt/slides/slide4.xml><?xml version="1.0" encoding="utf-8"?>
-<p:sld xmlns:a="http://schemas.openxmlformats.org/drawingml/2006/main" xmlns:r="http://schemas.openxmlformats.org/officeDocument/2006/relationships" xmlns:p="http://schemas.openxmlformats.org/presentationml/2006/main">
+<p:sld xmlns:a="http://schemas.openxmlformats.org/drawingml/2006/main" xmlns:r="http://schemas.openxmlformats.org/officeDocument/2006/relationships" xmlns:p="http://schemas.openxmlformats.org/presentationml/2006/main" show="0">
   <p:cSld>
     <p:spTree>
       <p:nvGrpSpPr>
@@ -7935,8 +9112,8 @@
           <a:chExt cx="0" cy="0"/>
         </a:xfrm>
       </p:grpSpPr>
-      <mc:AlternateContent xmlns:mc="http://schemas.openxmlformats.org/markup-compatibility/2006">
-        <mc:Choice xmlns:p14="http://schemas.microsoft.com/office/powerpoint/2010/main" Requires="p14">
+      <mc:AlternateContent xmlns:mc="http://schemas.openxmlformats.org/markup-compatibility/2006" xmlns:p14="http://schemas.microsoft.com/office/powerpoint/2010/main">
+        <mc:Choice Requires="p14">
           <p:contentPart p14:bwMode="auto" r:id="rId2">
             <p14:nvContentPartPr>
               <p14:cNvPr id="4" name="Ink 3">
@@ -7955,7 +9132,7 @@
             </p14:xfrm>
           </p:contentPart>
         </mc:Choice>
-        <mc:Fallback>
+        <mc:Fallback xmlns="">
           <p:pic>
             <p:nvPicPr>
               <p:cNvPr id="4" name="Ink 3">
@@ -8006,8 +9183,8 @@
             <a:chExt cx="11202840" cy="310320"/>
           </a:xfrm>
         </p:grpSpPr>
-        <mc:AlternateContent xmlns:mc="http://schemas.openxmlformats.org/markup-compatibility/2006">
-          <mc:Choice xmlns:p14="http://schemas.microsoft.com/office/powerpoint/2010/main" Requires="p14">
+        <mc:AlternateContent xmlns:mc="http://schemas.openxmlformats.org/markup-compatibility/2006" xmlns:p14="http://schemas.microsoft.com/office/powerpoint/2010/main">
+          <mc:Choice Requires="p14">
             <p:contentPart p14:bwMode="auto" r:id="rId4">
               <p14:nvContentPartPr>
                 <p14:cNvPr id="5" name="Ink 4">
@@ -8026,7 +9203,7 @@
               </p14:xfrm>
             </p:contentPart>
           </mc:Choice>
-          <mc:Fallback>
+          <mc:Fallback xmlns="">
             <p:pic>
               <p:nvPicPr>
                 <p:cNvPr id="5" name="Ink 4">
@@ -8057,8 +9234,8 @@
             </p:pic>
           </mc:Fallback>
         </mc:AlternateContent>
-        <mc:AlternateContent xmlns:mc="http://schemas.openxmlformats.org/markup-compatibility/2006">
-          <mc:Choice xmlns:p14="http://schemas.microsoft.com/office/powerpoint/2010/main" Requires="p14">
+        <mc:AlternateContent xmlns:mc="http://schemas.openxmlformats.org/markup-compatibility/2006" xmlns:p14="http://schemas.microsoft.com/office/powerpoint/2010/main">
+          <mc:Choice Requires="p14">
             <p:contentPart p14:bwMode="auto" r:id="rId6">
               <p14:nvContentPartPr>
                 <p14:cNvPr id="6" name="Ink 5">
@@ -8077,7 +9254,7 @@
               </p14:xfrm>
             </p:contentPart>
           </mc:Choice>
-          <mc:Fallback>
+          <mc:Fallback xmlns="">
             <p:pic>
               <p:nvPicPr>
                 <p:cNvPr id="6" name="Ink 5">
@@ -8129,8 +9306,8 @@
             <a:chExt cx="234000" cy="172440"/>
           </a:xfrm>
         </p:grpSpPr>
-        <mc:AlternateContent xmlns:mc="http://schemas.openxmlformats.org/markup-compatibility/2006">
-          <mc:Choice xmlns:p14="http://schemas.microsoft.com/office/powerpoint/2010/main" Requires="p14">
+        <mc:AlternateContent xmlns:mc="http://schemas.openxmlformats.org/markup-compatibility/2006" xmlns:p14="http://schemas.microsoft.com/office/powerpoint/2010/main">
+          <mc:Choice Requires="p14">
             <p:contentPart p14:bwMode="auto" r:id="rId8">
               <p14:nvContentPartPr>
                 <p14:cNvPr id="8" name="Ink 7">
@@ -8149,7 +9326,7 @@
               </p14:xfrm>
             </p:contentPart>
           </mc:Choice>
-          <mc:Fallback>
+          <mc:Fallback xmlns="">
             <p:pic>
               <p:nvPicPr>
                 <p:cNvPr id="8" name="Ink 7">
@@ -8180,8 +9357,8 @@
             </p:pic>
           </mc:Fallback>
         </mc:AlternateContent>
-        <mc:AlternateContent xmlns:mc="http://schemas.openxmlformats.org/markup-compatibility/2006">
-          <mc:Choice xmlns:p14="http://schemas.microsoft.com/office/powerpoint/2010/main" Requires="p14">
+        <mc:AlternateContent xmlns:mc="http://schemas.openxmlformats.org/markup-compatibility/2006" xmlns:p14="http://schemas.microsoft.com/office/powerpoint/2010/main">
+          <mc:Choice Requires="p14">
             <p:contentPart p14:bwMode="auto" r:id="rId10">
               <p14:nvContentPartPr>
                 <p14:cNvPr id="9" name="Ink 8">
@@ -8200,7 +9377,7 @@
               </p14:xfrm>
             </p:contentPart>
           </mc:Choice>
-          <mc:Fallback>
+          <mc:Fallback xmlns="">
             <p:pic>
               <p:nvPicPr>
                 <p:cNvPr id="9" name="Ink 8">
@@ -8231,8 +9408,8 @@
             </p:pic>
           </mc:Fallback>
         </mc:AlternateContent>
-        <mc:AlternateContent xmlns:mc="http://schemas.openxmlformats.org/markup-compatibility/2006">
-          <mc:Choice xmlns:p14="http://schemas.microsoft.com/office/powerpoint/2010/main" Requires="p14">
+        <mc:AlternateContent xmlns:mc="http://schemas.openxmlformats.org/markup-compatibility/2006" xmlns:p14="http://schemas.microsoft.com/office/powerpoint/2010/main">
+          <mc:Choice Requires="p14">
             <p:contentPart p14:bwMode="auto" r:id="rId12">
               <p14:nvContentPartPr>
                 <p14:cNvPr id="10" name="Ink 9">
@@ -8251,7 +9428,7 @@
               </p14:xfrm>
             </p:contentPart>
           </mc:Choice>
-          <mc:Fallback>
+          <mc:Fallback xmlns="">
             <p:pic>
               <p:nvPicPr>
                 <p:cNvPr id="10" name="Ink 9">
@@ -8283,8 +9460,8 @@
           </mc:Fallback>
         </mc:AlternateContent>
       </p:grpSp>
-      <mc:AlternateContent xmlns:mc="http://schemas.openxmlformats.org/markup-compatibility/2006">
-        <mc:Choice xmlns:p14="http://schemas.microsoft.com/office/powerpoint/2010/main" Requires="p14">
+      <mc:AlternateContent xmlns:mc="http://schemas.openxmlformats.org/markup-compatibility/2006" xmlns:p14="http://schemas.microsoft.com/office/powerpoint/2010/main">
+        <mc:Choice Requires="p14">
           <p:contentPart p14:bwMode="auto" r:id="rId14">
             <p14:nvContentPartPr>
               <p14:cNvPr id="12" name="Ink 11">
@@ -8303,7 +9480,7 @@
             </p14:xfrm>
           </p:contentPart>
         </mc:Choice>
-        <mc:Fallback>
+        <mc:Fallback xmlns="">
           <p:pic>
             <p:nvPicPr>
               <p:cNvPr id="12" name="Ink 11">
@@ -8334,8 +9511,8 @@
           </p:pic>
         </mc:Fallback>
       </mc:AlternateContent>
-      <mc:AlternateContent xmlns:mc="http://schemas.openxmlformats.org/markup-compatibility/2006">
-        <mc:Choice xmlns:p14="http://schemas.microsoft.com/office/powerpoint/2010/main" Requires="p14">
+      <mc:AlternateContent xmlns:mc="http://schemas.openxmlformats.org/markup-compatibility/2006" xmlns:p14="http://schemas.microsoft.com/office/powerpoint/2010/main">
+        <mc:Choice Requires="p14">
           <p:contentPart p14:bwMode="auto" r:id="rId16">
             <p14:nvContentPartPr>
               <p14:cNvPr id="13" name="Ink 12">
@@ -8354,7 +9531,7 @@
             </p14:xfrm>
           </p:contentPart>
         </mc:Choice>
-        <mc:Fallback>
+        <mc:Fallback xmlns="">
           <p:pic>
             <p:nvPicPr>
               <p:cNvPr id="13" name="Ink 12">
@@ -8385,8 +9562,8 @@
           </p:pic>
         </mc:Fallback>
       </mc:AlternateContent>
-      <mc:AlternateContent xmlns:mc="http://schemas.openxmlformats.org/markup-compatibility/2006">
-        <mc:Choice xmlns:p14="http://schemas.microsoft.com/office/powerpoint/2010/main" Requires="p14">
+      <mc:AlternateContent xmlns:mc="http://schemas.openxmlformats.org/markup-compatibility/2006" xmlns:p14="http://schemas.microsoft.com/office/powerpoint/2010/main">
+        <mc:Choice Requires="p14">
           <p:contentPart p14:bwMode="auto" r:id="rId18">
             <p14:nvContentPartPr>
               <p14:cNvPr id="14" name="Ink 13">
@@ -8405,7 +9582,7 @@
             </p14:xfrm>
           </p:contentPart>
         </mc:Choice>
-        <mc:Fallback>
+        <mc:Fallback xmlns="">
           <p:pic>
             <p:nvPicPr>
               <p:cNvPr id="14" name="Ink 13">
@@ -8456,8 +9633,8 @@
             <a:chExt cx="341280" cy="288720"/>
           </a:xfrm>
         </p:grpSpPr>
-        <mc:AlternateContent xmlns:mc="http://schemas.openxmlformats.org/markup-compatibility/2006">
-          <mc:Choice xmlns:p14="http://schemas.microsoft.com/office/powerpoint/2010/main" Requires="p14">
+        <mc:AlternateContent xmlns:mc="http://schemas.openxmlformats.org/markup-compatibility/2006" xmlns:p14="http://schemas.microsoft.com/office/powerpoint/2010/main">
+          <mc:Choice Requires="p14">
             <p:contentPart p14:bwMode="auto" r:id="rId20">
               <p14:nvContentPartPr>
                 <p14:cNvPr id="15" name="Ink 14">
@@ -8476,7 +9653,7 @@
               </p14:xfrm>
             </p:contentPart>
           </mc:Choice>
-          <mc:Fallback>
+          <mc:Fallback xmlns="">
             <p:pic>
               <p:nvPicPr>
                 <p:cNvPr id="15" name="Ink 14">
@@ -8507,8 +9684,8 @@
             </p:pic>
           </mc:Fallback>
         </mc:AlternateContent>
-        <mc:AlternateContent xmlns:mc="http://schemas.openxmlformats.org/markup-compatibility/2006">
-          <mc:Choice xmlns:p14="http://schemas.microsoft.com/office/powerpoint/2010/main" Requires="p14">
+        <mc:AlternateContent xmlns:mc="http://schemas.openxmlformats.org/markup-compatibility/2006" xmlns:p14="http://schemas.microsoft.com/office/powerpoint/2010/main">
+          <mc:Choice Requires="p14">
             <p:contentPart p14:bwMode="auto" r:id="rId22">
               <p14:nvContentPartPr>
                 <p14:cNvPr id="16" name="Ink 15">
@@ -8527,7 +9704,7 @@
               </p14:xfrm>
             </p:contentPart>
           </mc:Choice>
-          <mc:Fallback>
+          <mc:Fallback xmlns="">
             <p:pic>
               <p:nvPicPr>
                 <p:cNvPr id="16" name="Ink 15">
@@ -8558,8 +9735,8 @@
             </p:pic>
           </mc:Fallback>
         </mc:AlternateContent>
-        <mc:AlternateContent xmlns:mc="http://schemas.openxmlformats.org/markup-compatibility/2006">
-          <mc:Choice xmlns:p14="http://schemas.microsoft.com/office/powerpoint/2010/main" Requires="p14">
+        <mc:AlternateContent xmlns:mc="http://schemas.openxmlformats.org/markup-compatibility/2006" xmlns:p14="http://schemas.microsoft.com/office/powerpoint/2010/main">
+          <mc:Choice Requires="p14">
             <p:contentPart p14:bwMode="auto" r:id="rId24">
               <p14:nvContentPartPr>
                 <p14:cNvPr id="17" name="Ink 16">
@@ -8578,7 +9755,7 @@
               </p14:xfrm>
             </p:contentPart>
           </mc:Choice>
-          <mc:Fallback>
+          <mc:Fallback xmlns="">
             <p:pic>
               <p:nvPicPr>
                 <p:cNvPr id="17" name="Ink 16">
@@ -8630,8 +9807,8 @@
             <a:chExt cx="230760" cy="629640"/>
           </a:xfrm>
         </p:grpSpPr>
-        <mc:AlternateContent xmlns:mc="http://schemas.openxmlformats.org/markup-compatibility/2006">
-          <mc:Choice xmlns:p14="http://schemas.microsoft.com/office/powerpoint/2010/main" Requires="p14">
+        <mc:AlternateContent xmlns:mc="http://schemas.openxmlformats.org/markup-compatibility/2006" xmlns:p14="http://schemas.microsoft.com/office/powerpoint/2010/main">
+          <mc:Choice Requires="p14">
             <p:contentPart p14:bwMode="auto" r:id="rId26">
               <p14:nvContentPartPr>
                 <p14:cNvPr id="19" name="Ink 18">
@@ -8650,7 +9827,7 @@
               </p14:xfrm>
             </p:contentPart>
           </mc:Choice>
-          <mc:Fallback>
+          <mc:Fallback xmlns="">
             <p:pic>
               <p:nvPicPr>
                 <p:cNvPr id="19" name="Ink 18">
@@ -8681,8 +9858,8 @@
             </p:pic>
           </mc:Fallback>
         </mc:AlternateContent>
-        <mc:AlternateContent xmlns:mc="http://schemas.openxmlformats.org/markup-compatibility/2006">
-          <mc:Choice xmlns:p14="http://schemas.microsoft.com/office/powerpoint/2010/main" Requires="p14">
+        <mc:AlternateContent xmlns:mc="http://schemas.openxmlformats.org/markup-compatibility/2006" xmlns:p14="http://schemas.microsoft.com/office/powerpoint/2010/main">
+          <mc:Choice Requires="p14">
             <p:contentPart p14:bwMode="auto" r:id="rId28">
               <p14:nvContentPartPr>
                 <p14:cNvPr id="20" name="Ink 19">
@@ -8701,7 +9878,7 @@
               </p14:xfrm>
             </p:contentPart>
           </mc:Choice>
-          <mc:Fallback>
+          <mc:Fallback xmlns="">
             <p:pic>
               <p:nvPicPr>
                 <p:cNvPr id="20" name="Ink 19">
@@ -8732,8 +9909,8 @@
             </p:pic>
           </mc:Fallback>
         </mc:AlternateContent>
-        <mc:AlternateContent xmlns:mc="http://schemas.openxmlformats.org/markup-compatibility/2006">
-          <mc:Choice xmlns:p14="http://schemas.microsoft.com/office/powerpoint/2010/main" Requires="p14">
+        <mc:AlternateContent xmlns:mc="http://schemas.openxmlformats.org/markup-compatibility/2006" xmlns:p14="http://schemas.microsoft.com/office/powerpoint/2010/main">
+          <mc:Choice Requires="p14">
             <p:contentPart p14:bwMode="auto" r:id="rId30">
               <p14:nvContentPartPr>
                 <p14:cNvPr id="21" name="Ink 20">
@@ -8752,7 +9929,7 @@
               </p14:xfrm>
             </p:contentPart>
           </mc:Choice>
-          <mc:Fallback>
+          <mc:Fallback xmlns="">
             <p:pic>
               <p:nvPicPr>
                 <p:cNvPr id="21" name="Ink 20">
@@ -8783,8 +9960,8 @@
             </p:pic>
           </mc:Fallback>
         </mc:AlternateContent>
-        <mc:AlternateContent xmlns:mc="http://schemas.openxmlformats.org/markup-compatibility/2006">
-          <mc:Choice xmlns:p14="http://schemas.microsoft.com/office/powerpoint/2010/main" Requires="p14">
+        <mc:AlternateContent xmlns:mc="http://schemas.openxmlformats.org/markup-compatibility/2006" xmlns:p14="http://schemas.microsoft.com/office/powerpoint/2010/main">
+          <mc:Choice Requires="p14">
             <p:contentPart p14:bwMode="auto" r:id="rId32">
               <p14:nvContentPartPr>
                 <p14:cNvPr id="22" name="Ink 21">
@@ -8803,7 +9980,7 @@
               </p14:xfrm>
             </p:contentPart>
           </mc:Choice>
-          <mc:Fallback>
+          <mc:Fallback xmlns="">
             <p:pic>
               <p:nvPicPr>
                 <p:cNvPr id="22" name="Ink 21">
@@ -8835,8 +10012,8 @@
           </mc:Fallback>
         </mc:AlternateContent>
       </p:grpSp>
-      <mc:AlternateContent xmlns:mc="http://schemas.openxmlformats.org/markup-compatibility/2006">
-        <mc:Choice xmlns:p14="http://schemas.microsoft.com/office/powerpoint/2010/main" Requires="p14">
+      <mc:AlternateContent xmlns:mc="http://schemas.openxmlformats.org/markup-compatibility/2006" xmlns:p14="http://schemas.microsoft.com/office/powerpoint/2010/main">
+        <mc:Choice Requires="p14">
           <p:contentPart p14:bwMode="auto" r:id="rId34">
             <p14:nvContentPartPr>
               <p14:cNvPr id="24" name="Ink 23">
@@ -8855,7 +10032,7 @@
             </p14:xfrm>
           </p:contentPart>
         </mc:Choice>
-        <mc:Fallback>
+        <mc:Fallback xmlns="">
           <p:pic>
             <p:nvPicPr>
               <p:cNvPr id="24" name="Ink 23">
@@ -8886,8 +10063,8 @@
           </p:pic>
         </mc:Fallback>
       </mc:AlternateContent>
-      <mc:AlternateContent xmlns:mc="http://schemas.openxmlformats.org/markup-compatibility/2006">
-        <mc:Choice xmlns:p14="http://schemas.microsoft.com/office/powerpoint/2010/main" Requires="p14">
+      <mc:AlternateContent xmlns:mc="http://schemas.openxmlformats.org/markup-compatibility/2006" xmlns:p14="http://schemas.microsoft.com/office/powerpoint/2010/main">
+        <mc:Choice Requires="p14">
           <p:contentPart p14:bwMode="auto" r:id="rId36">
             <p14:nvContentPartPr>
               <p14:cNvPr id="25" name="Ink 24">
@@ -8906,7 +10083,7 @@
             </p14:xfrm>
           </p:contentPart>
         </mc:Choice>
-        <mc:Fallback>
+        <mc:Fallback xmlns="">
           <p:pic>
             <p:nvPicPr>
               <p:cNvPr id="25" name="Ink 24">
@@ -8937,8 +10114,8 @@
           </p:pic>
         </mc:Fallback>
       </mc:AlternateContent>
-      <mc:AlternateContent xmlns:mc="http://schemas.openxmlformats.org/markup-compatibility/2006">
-        <mc:Choice xmlns:p14="http://schemas.microsoft.com/office/powerpoint/2010/main" Requires="p14">
+      <mc:AlternateContent xmlns:mc="http://schemas.openxmlformats.org/markup-compatibility/2006" xmlns:p14="http://schemas.microsoft.com/office/powerpoint/2010/main">
+        <mc:Choice Requires="p14">
           <p:contentPart p14:bwMode="auto" r:id="rId38">
             <p14:nvContentPartPr>
               <p14:cNvPr id="26" name="Ink 25">
@@ -8957,7 +10134,7 @@
             </p14:xfrm>
           </p:contentPart>
         </mc:Choice>
-        <mc:Fallback>
+        <mc:Fallback xmlns="">
           <p:pic>
             <p:nvPicPr>
               <p:cNvPr id="26" name="Ink 25">
@@ -8988,8 +10165,8 @@
           </p:pic>
         </mc:Fallback>
       </mc:AlternateContent>
-      <mc:AlternateContent xmlns:mc="http://schemas.openxmlformats.org/markup-compatibility/2006">
-        <mc:Choice xmlns:p14="http://schemas.microsoft.com/office/powerpoint/2010/main" Requires="p14">
+      <mc:AlternateContent xmlns:mc="http://schemas.openxmlformats.org/markup-compatibility/2006" xmlns:p14="http://schemas.microsoft.com/office/powerpoint/2010/main">
+        <mc:Choice Requires="p14">
           <p:contentPart p14:bwMode="auto" r:id="rId40">
             <p14:nvContentPartPr>
               <p14:cNvPr id="27" name="Ink 26">
@@ -9008,7 +10185,7 @@
             </p14:xfrm>
           </p:contentPart>
         </mc:Choice>
-        <mc:Fallback>
+        <mc:Fallback xmlns="">
           <p:pic>
             <p:nvPicPr>
               <p:cNvPr id="27" name="Ink 26">
@@ -9059,8 +10236,8 @@
             <a:chExt cx="1194120" cy="510120"/>
           </a:xfrm>
         </p:grpSpPr>
-        <mc:AlternateContent xmlns:mc="http://schemas.openxmlformats.org/markup-compatibility/2006">
-          <mc:Choice xmlns:p14="http://schemas.microsoft.com/office/powerpoint/2010/main" Requires="p14">
+        <mc:AlternateContent xmlns:mc="http://schemas.openxmlformats.org/markup-compatibility/2006" xmlns:p14="http://schemas.microsoft.com/office/powerpoint/2010/main">
+          <mc:Choice Requires="p14">
             <p:contentPart p14:bwMode="auto" r:id="rId42">
               <p14:nvContentPartPr>
                 <p14:cNvPr id="28" name="Ink 27">
@@ -9079,7 +10256,7 @@
               </p14:xfrm>
             </p:contentPart>
           </mc:Choice>
-          <mc:Fallback>
+          <mc:Fallback xmlns="">
             <p:pic>
               <p:nvPicPr>
                 <p:cNvPr id="28" name="Ink 27">
@@ -9110,8 +10287,8 @@
             </p:pic>
           </mc:Fallback>
         </mc:AlternateContent>
-        <mc:AlternateContent xmlns:mc="http://schemas.openxmlformats.org/markup-compatibility/2006">
-          <mc:Choice xmlns:p14="http://schemas.microsoft.com/office/powerpoint/2010/main" Requires="p14">
+        <mc:AlternateContent xmlns:mc="http://schemas.openxmlformats.org/markup-compatibility/2006" xmlns:p14="http://schemas.microsoft.com/office/powerpoint/2010/main">
+          <mc:Choice Requires="p14">
             <p:contentPart p14:bwMode="auto" r:id="rId44">
               <p14:nvContentPartPr>
                 <p14:cNvPr id="29" name="Ink 28">
@@ -9130,7 +10307,7 @@
               </p14:xfrm>
             </p:contentPart>
           </mc:Choice>
-          <mc:Fallback>
+          <mc:Fallback xmlns="">
             <p:pic>
               <p:nvPicPr>
                 <p:cNvPr id="29" name="Ink 28">
@@ -9161,8 +10338,8 @@
             </p:pic>
           </mc:Fallback>
         </mc:AlternateContent>
-        <mc:AlternateContent xmlns:mc="http://schemas.openxmlformats.org/markup-compatibility/2006">
-          <mc:Choice xmlns:p14="http://schemas.microsoft.com/office/powerpoint/2010/main" Requires="p14">
+        <mc:AlternateContent xmlns:mc="http://schemas.openxmlformats.org/markup-compatibility/2006" xmlns:p14="http://schemas.microsoft.com/office/powerpoint/2010/main">
+          <mc:Choice Requires="p14">
             <p:contentPart p14:bwMode="auto" r:id="rId46">
               <p14:nvContentPartPr>
                 <p14:cNvPr id="31" name="Ink 30">
@@ -9181,7 +10358,7 @@
               </p14:xfrm>
             </p:contentPart>
           </mc:Choice>
-          <mc:Fallback>
+          <mc:Fallback xmlns="">
             <p:pic>
               <p:nvPicPr>
                 <p:cNvPr id="31" name="Ink 30">
@@ -9212,8 +10389,8 @@
             </p:pic>
           </mc:Fallback>
         </mc:AlternateContent>
-        <mc:AlternateContent xmlns:mc="http://schemas.openxmlformats.org/markup-compatibility/2006">
-          <mc:Choice xmlns:p14="http://schemas.microsoft.com/office/powerpoint/2010/main" Requires="p14">
+        <mc:AlternateContent xmlns:mc="http://schemas.openxmlformats.org/markup-compatibility/2006" xmlns:p14="http://schemas.microsoft.com/office/powerpoint/2010/main">
+          <mc:Choice Requires="p14">
             <p:contentPart p14:bwMode="auto" r:id="rId48">
               <p14:nvContentPartPr>
                 <p14:cNvPr id="33" name="Ink 32">
@@ -9232,7 +10409,7 @@
               </p14:xfrm>
             </p:contentPart>
           </mc:Choice>
-          <mc:Fallback>
+          <mc:Fallback xmlns="">
             <p:pic>
               <p:nvPicPr>
                 <p:cNvPr id="33" name="Ink 32">
@@ -9263,8 +10440,8 @@
             </p:pic>
           </mc:Fallback>
         </mc:AlternateContent>
-        <mc:AlternateContent xmlns:mc="http://schemas.openxmlformats.org/markup-compatibility/2006">
-          <mc:Choice xmlns:p14="http://schemas.microsoft.com/office/powerpoint/2010/main" Requires="p14">
+        <mc:AlternateContent xmlns:mc="http://schemas.openxmlformats.org/markup-compatibility/2006" xmlns:p14="http://schemas.microsoft.com/office/powerpoint/2010/main">
+          <mc:Choice Requires="p14">
             <p:contentPart p14:bwMode="auto" r:id="rId50">
               <p14:nvContentPartPr>
                 <p14:cNvPr id="35" name="Ink 34">
@@ -9283,7 +10460,7 @@
               </p14:xfrm>
             </p:contentPart>
           </mc:Choice>
-          <mc:Fallback>
+          <mc:Fallback xmlns="">
             <p:pic>
               <p:nvPicPr>
                 <p:cNvPr id="35" name="Ink 34">
@@ -9314,8 +10491,8 @@
             </p:pic>
           </mc:Fallback>
         </mc:AlternateContent>
-        <mc:AlternateContent xmlns:mc="http://schemas.openxmlformats.org/markup-compatibility/2006">
-          <mc:Choice xmlns:p14="http://schemas.microsoft.com/office/powerpoint/2010/main" Requires="p14">
+        <mc:AlternateContent xmlns:mc="http://schemas.openxmlformats.org/markup-compatibility/2006" xmlns:p14="http://schemas.microsoft.com/office/powerpoint/2010/main">
+          <mc:Choice Requires="p14">
             <p:contentPart p14:bwMode="auto" r:id="rId52">
               <p14:nvContentPartPr>
                 <p14:cNvPr id="37" name="Ink 36">
@@ -9334,7 +10511,7 @@
               </p14:xfrm>
             </p:contentPart>
           </mc:Choice>
-          <mc:Fallback>
+          <mc:Fallback xmlns="">
             <p:pic>
               <p:nvPicPr>
                 <p:cNvPr id="37" name="Ink 36">
@@ -9365,8 +10542,8 @@
             </p:pic>
           </mc:Fallback>
         </mc:AlternateContent>
-        <mc:AlternateContent xmlns:mc="http://schemas.openxmlformats.org/markup-compatibility/2006">
-          <mc:Choice xmlns:p14="http://schemas.microsoft.com/office/powerpoint/2010/main" Requires="p14">
+        <mc:AlternateContent xmlns:mc="http://schemas.openxmlformats.org/markup-compatibility/2006" xmlns:p14="http://schemas.microsoft.com/office/powerpoint/2010/main">
+          <mc:Choice Requires="p14">
             <p:contentPart p14:bwMode="auto" r:id="rId54">
               <p14:nvContentPartPr>
                 <p14:cNvPr id="38" name="Ink 37">
@@ -9385,7 +10562,7 @@
               </p14:xfrm>
             </p:contentPart>
           </mc:Choice>
-          <mc:Fallback>
+          <mc:Fallback xmlns="">
             <p:pic>
               <p:nvPicPr>
                 <p:cNvPr id="38" name="Ink 37">
@@ -9447,6 +10624,894 @@
           <a:chExt cx="0" cy="0"/>
         </a:xfrm>
       </p:grpSpPr>
+      <p:grpSp>
+        <p:nvGrpSpPr>
+          <p:cNvPr id="5" name="Group 4">
+            <a:extLst>
+              <a:ext uri="{FF2B5EF4-FFF2-40B4-BE49-F238E27FC236}">
+                <a16:creationId xmlns:a16="http://schemas.microsoft.com/office/drawing/2014/main" id="{4E42AEFA-ADA1-D703-1701-F66FF74F366A}"/>
+              </a:ext>
+            </a:extLst>
+          </p:cNvPr>
+          <p:cNvGrpSpPr/>
+          <p:nvPr/>
+        </p:nvGrpSpPr>
+        <p:grpSpPr>
+          <a:xfrm>
+            <a:off x="1965819" y="594219"/>
+            <a:ext cx="9215280" cy="4628880"/>
+            <a:chOff x="1965819" y="594219"/>
+            <a:chExt cx="9215280" cy="4628880"/>
+          </a:xfrm>
+        </p:grpSpPr>
+        <mc:AlternateContent xmlns:mc="http://schemas.openxmlformats.org/markup-compatibility/2006">
+          <mc:Choice xmlns:p14="http://schemas.microsoft.com/office/powerpoint/2010/main" xmlns:aink="http://schemas.microsoft.com/office/drawing/2016/ink" Requires="p14 aink">
+            <p:contentPart p14:bwMode="auto" r:id="rId2">
+              <p14:nvContentPartPr>
+                <p14:cNvPr id="2" name="Ink 1">
+                  <a:extLst>
+                    <a:ext uri="{FF2B5EF4-FFF2-40B4-BE49-F238E27FC236}">
+                      <a16:creationId xmlns:a16="http://schemas.microsoft.com/office/drawing/2014/main" id="{B38B5C49-A97E-4B5B-5D49-B2212C6CC223}"/>
+                    </a:ext>
+                  </a:extLst>
+                </p14:cNvPr>
+                <p14:cNvContentPartPr/>
+                <p14:nvPr/>
+              </p14:nvContentPartPr>
+              <p14:xfrm>
+                <a:off x="2986419" y="594219"/>
+                <a:ext cx="87840" cy="4628880"/>
+              </p14:xfrm>
+            </p:contentPart>
+          </mc:Choice>
+          <mc:Fallback>
+            <p:pic>
+              <p:nvPicPr>
+                <p:cNvPr id="2" name="Ink 1">
+                  <a:extLst>
+                    <a:ext uri="{FF2B5EF4-FFF2-40B4-BE49-F238E27FC236}">
+                      <a16:creationId xmlns:a16="http://schemas.microsoft.com/office/drawing/2014/main" id="{B38B5C49-A97E-4B5B-5D49-B2212C6CC223}"/>
+                    </a:ext>
+                  </a:extLst>
+                </p:cNvPr>
+                <p:cNvPicPr/>
+                <p:nvPr/>
+              </p:nvPicPr>
+              <p:blipFill>
+                <a:blip r:embed="rId3"/>
+                <a:stretch>
+                  <a:fillRect/>
+                </a:stretch>
+              </p:blipFill>
+              <p:spPr>
+                <a:xfrm>
+                  <a:off x="2950419" y="378579"/>
+                  <a:ext cx="159480" cy="5060520"/>
+                </a:xfrm>
+                <a:prstGeom prst="rect">
+                  <a:avLst/>
+                </a:prstGeom>
+              </p:spPr>
+            </p:pic>
+          </mc:Fallback>
+        </mc:AlternateContent>
+        <mc:AlternateContent xmlns:mc="http://schemas.openxmlformats.org/markup-compatibility/2006">
+          <mc:Choice xmlns:p14="http://schemas.microsoft.com/office/powerpoint/2010/main" xmlns:aink="http://schemas.microsoft.com/office/drawing/2016/ink" Requires="p14 aink">
+            <p:contentPart p14:bwMode="auto" r:id="rId4">
+              <p14:nvContentPartPr>
+                <p14:cNvPr id="3" name="Ink 2">
+                  <a:extLst>
+                    <a:ext uri="{FF2B5EF4-FFF2-40B4-BE49-F238E27FC236}">
+                      <a16:creationId xmlns:a16="http://schemas.microsoft.com/office/drawing/2014/main" id="{5A48F68B-73B8-7DB1-2779-4241FC05A632}"/>
+                    </a:ext>
+                  </a:extLst>
+                </p14:cNvPr>
+                <p14:cNvContentPartPr/>
+                <p14:nvPr/>
+              </p14:nvContentPartPr>
+              <p14:xfrm>
+                <a:off x="1965819" y="3765099"/>
+                <a:ext cx="9215280" cy="93960"/>
+              </p14:xfrm>
+            </p:contentPart>
+          </mc:Choice>
+          <mc:Fallback>
+            <p:pic>
+              <p:nvPicPr>
+                <p:cNvPr id="3" name="Ink 2">
+                  <a:extLst>
+                    <a:ext uri="{FF2B5EF4-FFF2-40B4-BE49-F238E27FC236}">
+                      <a16:creationId xmlns:a16="http://schemas.microsoft.com/office/drawing/2014/main" id="{5A48F68B-73B8-7DB1-2779-4241FC05A632}"/>
+                    </a:ext>
+                  </a:extLst>
+                </p:cNvPr>
+                <p:cNvPicPr/>
+                <p:nvPr/>
+              </p:nvPicPr>
+              <p:blipFill>
+                <a:blip r:embed="rId5"/>
+                <a:stretch>
+                  <a:fillRect/>
+                </a:stretch>
+              </p:blipFill>
+              <p:spPr>
+                <a:xfrm>
+                  <a:off x="1929819" y="3549459"/>
+                  <a:ext cx="9286920" cy="525600"/>
+                </a:xfrm>
+                <a:prstGeom prst="rect">
+                  <a:avLst/>
+                </a:prstGeom>
+              </p:spPr>
+            </p:pic>
+          </mc:Fallback>
+        </mc:AlternateContent>
+      </p:grpSp>
+      <mc:AlternateContent xmlns:mc="http://schemas.openxmlformats.org/markup-compatibility/2006">
+        <mc:Choice xmlns:p14="http://schemas.microsoft.com/office/powerpoint/2010/main" Requires="p14">
+          <p:contentPart p14:bwMode="auto" r:id="rId6">
+            <p14:nvContentPartPr>
+              <p14:cNvPr id="6" name="Ink 5">
+                <a:extLst>
+                  <a:ext uri="{FF2B5EF4-FFF2-40B4-BE49-F238E27FC236}">
+                    <a16:creationId xmlns:a16="http://schemas.microsoft.com/office/drawing/2014/main" id="{49F0174B-8A9B-2BF0-A89E-9490CA883258}"/>
+                  </a:ext>
+                </a:extLst>
+              </p14:cNvPr>
+              <p14:cNvContentPartPr/>
+              <p14:nvPr/>
+            </p14:nvContentPartPr>
+            <p14:xfrm>
+              <a:off x="6071259" y="1002099"/>
+              <a:ext cx="3804120" cy="2499840"/>
+            </p14:xfrm>
+          </p:contentPart>
+        </mc:Choice>
+        <mc:Fallback>
+          <p:pic>
+            <p:nvPicPr>
+              <p:cNvPr id="6" name="Ink 5">
+                <a:extLst>
+                  <a:ext uri="{FF2B5EF4-FFF2-40B4-BE49-F238E27FC236}">
+                    <a16:creationId xmlns:a16="http://schemas.microsoft.com/office/drawing/2014/main" id="{49F0174B-8A9B-2BF0-A89E-9490CA883258}"/>
+                  </a:ext>
+                </a:extLst>
+              </p:cNvPr>
+              <p:cNvPicPr/>
+              <p:nvPr/>
+            </p:nvPicPr>
+            <p:blipFill>
+              <a:blip r:embed="rId7"/>
+              <a:stretch>
+                <a:fillRect/>
+              </a:stretch>
+            </p:blipFill>
+            <p:spPr>
+              <a:xfrm>
+                <a:off x="6065139" y="995979"/>
+                <a:ext cx="3816360" cy="2512080"/>
+              </a:xfrm>
+              <a:prstGeom prst="rect">
+                <a:avLst/>
+              </a:prstGeom>
+            </p:spPr>
+          </p:pic>
+        </mc:Fallback>
+      </mc:AlternateContent>
+      <mc:AlternateContent xmlns:mc="http://schemas.openxmlformats.org/markup-compatibility/2006">
+        <mc:Choice xmlns:p14="http://schemas.microsoft.com/office/powerpoint/2010/main" Requires="p14">
+          <p:contentPart p14:bwMode="auto" r:id="rId8">
+            <p14:nvContentPartPr>
+              <p14:cNvPr id="7" name="Ink 6">
+                <a:extLst>
+                  <a:ext uri="{FF2B5EF4-FFF2-40B4-BE49-F238E27FC236}">
+                    <a16:creationId xmlns:a16="http://schemas.microsoft.com/office/drawing/2014/main" id="{B1BA6614-2DA7-2EFC-6483-7C87585BE4B2}"/>
+                  </a:ext>
+                </a:extLst>
+              </p14:cNvPr>
+              <p14:cNvContentPartPr/>
+              <p14:nvPr/>
+            </p14:nvContentPartPr>
+            <p14:xfrm>
+              <a:off x="4539459" y="2445339"/>
+              <a:ext cx="1531800" cy="1462320"/>
+            </p14:xfrm>
+          </p:contentPart>
+        </mc:Choice>
+        <mc:Fallback>
+          <p:pic>
+            <p:nvPicPr>
+              <p:cNvPr id="7" name="Ink 6">
+                <a:extLst>
+                  <a:ext uri="{FF2B5EF4-FFF2-40B4-BE49-F238E27FC236}">
+                    <a16:creationId xmlns:a16="http://schemas.microsoft.com/office/drawing/2014/main" id="{B1BA6614-2DA7-2EFC-6483-7C87585BE4B2}"/>
+                  </a:ext>
+                </a:extLst>
+              </p:cNvPr>
+              <p:cNvPicPr/>
+              <p:nvPr/>
+            </p:nvPicPr>
+            <p:blipFill>
+              <a:blip r:embed="rId9"/>
+              <a:stretch>
+                <a:fillRect/>
+              </a:stretch>
+            </p:blipFill>
+            <p:spPr>
+              <a:xfrm>
+                <a:off x="4533339" y="2439219"/>
+                <a:ext cx="1544040" cy="1474560"/>
+              </a:xfrm>
+              <a:prstGeom prst="rect">
+                <a:avLst/>
+              </a:prstGeom>
+            </p:spPr>
+          </p:pic>
+        </mc:Fallback>
+      </mc:AlternateContent>
+      <mc:AlternateContent xmlns:mc="http://schemas.openxmlformats.org/markup-compatibility/2006">
+        <mc:Choice xmlns:p14="http://schemas.microsoft.com/office/powerpoint/2010/main" Requires="p14">
+          <p:contentPart p14:bwMode="auto" r:id="rId10">
+            <p14:nvContentPartPr>
+              <p14:cNvPr id="8" name="Ink 7">
+                <a:extLst>
+                  <a:ext uri="{FF2B5EF4-FFF2-40B4-BE49-F238E27FC236}">
+                    <a16:creationId xmlns:a16="http://schemas.microsoft.com/office/drawing/2014/main" id="{79C457F8-AD8E-ACA2-EA67-F6A6C55E8B8D}"/>
+                  </a:ext>
+                </a:extLst>
+              </p14:cNvPr>
+              <p14:cNvContentPartPr/>
+              <p14:nvPr/>
+            </p14:nvContentPartPr>
+            <p14:xfrm>
+              <a:off x="4030059" y="1791579"/>
+              <a:ext cx="3633480" cy="1924920"/>
+            </p14:xfrm>
+          </p:contentPart>
+        </mc:Choice>
+        <mc:Fallback>
+          <p:pic>
+            <p:nvPicPr>
+              <p:cNvPr id="8" name="Ink 7">
+                <a:extLst>
+                  <a:ext uri="{FF2B5EF4-FFF2-40B4-BE49-F238E27FC236}">
+                    <a16:creationId xmlns:a16="http://schemas.microsoft.com/office/drawing/2014/main" id="{79C457F8-AD8E-ACA2-EA67-F6A6C55E8B8D}"/>
+                  </a:ext>
+                </a:extLst>
+              </p:cNvPr>
+              <p:cNvPicPr/>
+              <p:nvPr/>
+            </p:nvPicPr>
+            <p:blipFill>
+              <a:blip r:embed="rId11"/>
+              <a:stretch>
+                <a:fillRect/>
+              </a:stretch>
+            </p:blipFill>
+            <p:spPr>
+              <a:xfrm>
+                <a:off x="4021419" y="1782579"/>
+                <a:ext cx="3651120" cy="1942560"/>
+              </a:xfrm>
+              <a:prstGeom prst="rect">
+                <a:avLst/>
+              </a:prstGeom>
+            </p:spPr>
+          </p:pic>
+        </mc:Fallback>
+      </mc:AlternateContent>
+      <mc:AlternateContent xmlns:mc="http://schemas.openxmlformats.org/markup-compatibility/2006">
+        <mc:Choice xmlns:p14="http://schemas.microsoft.com/office/powerpoint/2010/main" Requires="p14">
+          <p:contentPart p14:bwMode="auto" r:id="rId12">
+            <p14:nvContentPartPr>
+              <p14:cNvPr id="12" name="Ink 11">
+                <a:extLst>
+                  <a:ext uri="{FF2B5EF4-FFF2-40B4-BE49-F238E27FC236}">
+                    <a16:creationId xmlns:a16="http://schemas.microsoft.com/office/drawing/2014/main" id="{8FA89D2F-DC55-8224-1883-F21315574371}"/>
+                  </a:ext>
+                </a:extLst>
+              </p14:cNvPr>
+              <p14:cNvContentPartPr/>
+              <p14:nvPr/>
+            </p14:nvContentPartPr>
+            <p14:xfrm>
+              <a:off x="7650219" y="1804899"/>
+              <a:ext cx="2444760" cy="1920600"/>
+            </p14:xfrm>
+          </p:contentPart>
+        </mc:Choice>
+        <mc:Fallback>
+          <p:pic>
+            <p:nvPicPr>
+              <p:cNvPr id="12" name="Ink 11">
+                <a:extLst>
+                  <a:ext uri="{FF2B5EF4-FFF2-40B4-BE49-F238E27FC236}">
+                    <a16:creationId xmlns:a16="http://schemas.microsoft.com/office/drawing/2014/main" id="{8FA89D2F-DC55-8224-1883-F21315574371}"/>
+                  </a:ext>
+                </a:extLst>
+              </p:cNvPr>
+              <p:cNvPicPr/>
+              <p:nvPr/>
+            </p:nvPicPr>
+            <p:blipFill>
+              <a:blip r:embed="rId13"/>
+              <a:stretch>
+                <a:fillRect/>
+              </a:stretch>
+            </p:blipFill>
+            <p:spPr>
+              <a:xfrm>
+                <a:off x="7641579" y="1796259"/>
+                <a:ext cx="2462400" cy="1938240"/>
+              </a:xfrm>
+              <a:prstGeom prst="rect">
+                <a:avLst/>
+              </a:prstGeom>
+            </p:spPr>
+          </p:pic>
+        </mc:Fallback>
+      </mc:AlternateContent>
+      <p:grpSp>
+        <p:nvGrpSpPr>
+          <p:cNvPr id="31" name="Group 30">
+            <a:extLst>
+              <a:ext uri="{FF2B5EF4-FFF2-40B4-BE49-F238E27FC236}">
+                <a16:creationId xmlns:a16="http://schemas.microsoft.com/office/drawing/2014/main" id="{4ED95354-AEDA-01B6-0B32-271D1CED75A3}"/>
+              </a:ext>
+            </a:extLst>
+          </p:cNvPr>
+          <p:cNvGrpSpPr/>
+          <p:nvPr/>
+        </p:nvGrpSpPr>
+        <p:grpSpPr>
+          <a:xfrm>
+            <a:off x="3371619" y="160059"/>
+            <a:ext cx="1806120" cy="1113840"/>
+            <a:chOff x="3371619" y="160059"/>
+            <a:chExt cx="1806120" cy="1113840"/>
+          </a:xfrm>
+        </p:grpSpPr>
+        <mc:AlternateContent xmlns:mc="http://schemas.openxmlformats.org/markup-compatibility/2006">
+          <mc:Choice xmlns:p14="http://schemas.microsoft.com/office/powerpoint/2010/main" xmlns:aink="http://schemas.microsoft.com/office/drawing/2016/ink" Requires="p14 aink">
+            <p:contentPart p14:bwMode="auto" r:id="rId14">
+              <p14:nvContentPartPr>
+                <p14:cNvPr id="13" name="Ink 12">
+                  <a:extLst>
+                    <a:ext uri="{FF2B5EF4-FFF2-40B4-BE49-F238E27FC236}">
+                      <a16:creationId xmlns:a16="http://schemas.microsoft.com/office/drawing/2014/main" id="{B00F6E25-60F3-032D-9DB3-05B9962C7743}"/>
+                    </a:ext>
+                  </a:extLst>
+                </p14:cNvPr>
+                <p14:cNvContentPartPr/>
+                <p14:nvPr/>
+              </p14:nvContentPartPr>
+              <p14:xfrm>
+                <a:off x="3454059" y="160059"/>
+                <a:ext cx="17280" cy="1047960"/>
+              </p14:xfrm>
+            </p:contentPart>
+          </mc:Choice>
+          <mc:Fallback>
+            <p:pic>
+              <p:nvPicPr>
+                <p:cNvPr id="13" name="Ink 12">
+                  <a:extLst>
+                    <a:ext uri="{FF2B5EF4-FFF2-40B4-BE49-F238E27FC236}">
+                      <a16:creationId xmlns:a16="http://schemas.microsoft.com/office/drawing/2014/main" id="{B00F6E25-60F3-032D-9DB3-05B9962C7743}"/>
+                    </a:ext>
+                  </a:extLst>
+                </p:cNvPr>
+                <p:cNvPicPr/>
+                <p:nvPr/>
+              </p:nvPicPr>
+              <p:blipFill>
+                <a:blip r:embed="rId15"/>
+                <a:stretch>
+                  <a:fillRect/>
+                </a:stretch>
+              </p:blipFill>
+              <p:spPr>
+                <a:xfrm>
+                  <a:off x="3418059" y="-55941"/>
+                  <a:ext cx="88920" cy="1479600"/>
+                </a:xfrm>
+                <a:prstGeom prst="rect">
+                  <a:avLst/>
+                </a:prstGeom>
+              </p:spPr>
+            </p:pic>
+          </mc:Fallback>
+        </mc:AlternateContent>
+        <mc:AlternateContent xmlns:mc="http://schemas.openxmlformats.org/markup-compatibility/2006">
+          <mc:Choice xmlns:p14="http://schemas.microsoft.com/office/powerpoint/2010/main" xmlns:aink="http://schemas.microsoft.com/office/drawing/2016/ink" Requires="p14 aink">
+            <p:contentPart p14:bwMode="auto" r:id="rId16">
+              <p14:nvContentPartPr>
+                <p14:cNvPr id="14" name="Ink 13">
+                  <a:extLst>
+                    <a:ext uri="{FF2B5EF4-FFF2-40B4-BE49-F238E27FC236}">
+                      <a16:creationId xmlns:a16="http://schemas.microsoft.com/office/drawing/2014/main" id="{C8C2B7BB-B108-7F5E-B614-0FF49C8C5EE3}"/>
+                    </a:ext>
+                  </a:extLst>
+                </p14:cNvPr>
+                <p14:cNvContentPartPr/>
+                <p14:nvPr/>
+              </p14:nvContentPartPr>
+              <p14:xfrm>
+                <a:off x="3371619" y="254019"/>
+                <a:ext cx="441360" cy="498600"/>
+              </p14:xfrm>
+            </p:contentPart>
+          </mc:Choice>
+          <mc:Fallback>
+            <p:pic>
+              <p:nvPicPr>
+                <p:cNvPr id="14" name="Ink 13">
+                  <a:extLst>
+                    <a:ext uri="{FF2B5EF4-FFF2-40B4-BE49-F238E27FC236}">
+                      <a16:creationId xmlns:a16="http://schemas.microsoft.com/office/drawing/2014/main" id="{C8C2B7BB-B108-7F5E-B614-0FF49C8C5EE3}"/>
+                    </a:ext>
+                  </a:extLst>
+                </p:cNvPr>
+                <p:cNvPicPr/>
+                <p:nvPr/>
+              </p:nvPicPr>
+              <p:blipFill>
+                <a:blip r:embed="rId17"/>
+                <a:stretch>
+                  <a:fillRect/>
+                </a:stretch>
+              </p:blipFill>
+              <p:spPr>
+                <a:xfrm>
+                  <a:off x="3335979" y="38019"/>
+                  <a:ext cx="513000" cy="930240"/>
+                </a:xfrm>
+                <a:prstGeom prst="rect">
+                  <a:avLst/>
+                </a:prstGeom>
+              </p:spPr>
+            </p:pic>
+          </mc:Fallback>
+        </mc:AlternateContent>
+        <mc:AlternateContent xmlns:mc="http://schemas.openxmlformats.org/markup-compatibility/2006">
+          <mc:Choice xmlns:p14="http://schemas.microsoft.com/office/powerpoint/2010/main" xmlns:aink="http://schemas.microsoft.com/office/drawing/2016/ink" Requires="p14 aink">
+            <p:contentPart p14:bwMode="auto" r:id="rId18">
+              <p14:nvContentPartPr>
+                <p14:cNvPr id="17" name="Ink 16">
+                  <a:extLst>
+                    <a:ext uri="{FF2B5EF4-FFF2-40B4-BE49-F238E27FC236}">
+                      <a16:creationId xmlns:a16="http://schemas.microsoft.com/office/drawing/2014/main" id="{5A0AD2BE-6D49-BFA4-07D3-1799FF6400B0}"/>
+                    </a:ext>
+                  </a:extLst>
+                </p14:cNvPr>
+                <p14:cNvContentPartPr/>
+                <p14:nvPr/>
+              </p14:nvContentPartPr>
+              <p14:xfrm>
+                <a:off x="4010619" y="269499"/>
+                <a:ext cx="3240" cy="1004400"/>
+              </p14:xfrm>
+            </p:contentPart>
+          </mc:Choice>
+          <mc:Fallback>
+            <p:pic>
+              <p:nvPicPr>
+                <p:cNvPr id="17" name="Ink 16">
+                  <a:extLst>
+                    <a:ext uri="{FF2B5EF4-FFF2-40B4-BE49-F238E27FC236}">
+                      <a16:creationId xmlns:a16="http://schemas.microsoft.com/office/drawing/2014/main" id="{5A0AD2BE-6D49-BFA4-07D3-1799FF6400B0}"/>
+                    </a:ext>
+                  </a:extLst>
+                </p:cNvPr>
+                <p:cNvPicPr/>
+                <p:nvPr/>
+              </p:nvPicPr>
+              <p:blipFill>
+                <a:blip r:embed="rId19"/>
+                <a:stretch>
+                  <a:fillRect/>
+                </a:stretch>
+              </p:blipFill>
+              <p:spPr>
+                <a:xfrm>
+                  <a:off x="3974619" y="53499"/>
+                  <a:ext cx="74880" cy="1436040"/>
+                </a:xfrm>
+                <a:prstGeom prst="rect">
+                  <a:avLst/>
+                </a:prstGeom>
+              </p:spPr>
+            </p:pic>
+          </mc:Fallback>
+        </mc:AlternateContent>
+        <mc:AlternateContent xmlns:mc="http://schemas.openxmlformats.org/markup-compatibility/2006">
+          <mc:Choice xmlns:p14="http://schemas.microsoft.com/office/powerpoint/2010/main" xmlns:aink="http://schemas.microsoft.com/office/drawing/2016/ink" Requires="p14 aink">
+            <p:contentPart p14:bwMode="auto" r:id="rId20">
+              <p14:nvContentPartPr>
+                <p14:cNvPr id="20" name="Ink 19">
+                  <a:extLst>
+                    <a:ext uri="{FF2B5EF4-FFF2-40B4-BE49-F238E27FC236}">
+                      <a16:creationId xmlns:a16="http://schemas.microsoft.com/office/drawing/2014/main" id="{8B01D2F5-7E97-7F8D-CB67-5826A2AC5FFE}"/>
+                    </a:ext>
+                  </a:extLst>
+                </p14:cNvPr>
+                <p14:cNvContentPartPr/>
+                <p14:nvPr/>
+              </p14:nvContentPartPr>
+              <p14:xfrm>
+                <a:off x="3973899" y="358419"/>
+                <a:ext cx="513360" cy="838800"/>
+              </p14:xfrm>
+            </p:contentPart>
+          </mc:Choice>
+          <mc:Fallback>
+            <p:pic>
+              <p:nvPicPr>
+                <p:cNvPr id="20" name="Ink 19">
+                  <a:extLst>
+                    <a:ext uri="{FF2B5EF4-FFF2-40B4-BE49-F238E27FC236}">
+                      <a16:creationId xmlns:a16="http://schemas.microsoft.com/office/drawing/2014/main" id="{8B01D2F5-7E97-7F8D-CB67-5826A2AC5FFE}"/>
+                    </a:ext>
+                  </a:extLst>
+                </p:cNvPr>
+                <p:cNvPicPr/>
+                <p:nvPr/>
+              </p:nvPicPr>
+              <p:blipFill>
+                <a:blip r:embed="rId21"/>
+                <a:stretch>
+                  <a:fillRect/>
+                </a:stretch>
+              </p:blipFill>
+              <p:spPr>
+                <a:xfrm>
+                  <a:off x="3938259" y="142779"/>
+                  <a:ext cx="585000" cy="1270440"/>
+                </a:xfrm>
+                <a:prstGeom prst="rect">
+                  <a:avLst/>
+                </a:prstGeom>
+              </p:spPr>
+            </p:pic>
+          </mc:Fallback>
+        </mc:AlternateContent>
+        <mc:AlternateContent xmlns:mc="http://schemas.openxmlformats.org/markup-compatibility/2006">
+          <mc:Choice xmlns:p14="http://schemas.microsoft.com/office/powerpoint/2010/main" xmlns:aink="http://schemas.microsoft.com/office/drawing/2016/ink" Requires="p14 aink">
+            <p:contentPart p14:bwMode="auto" r:id="rId22">
+              <p14:nvContentPartPr>
+                <p14:cNvPr id="23" name="Ink 22">
+                  <a:extLst>
+                    <a:ext uri="{FF2B5EF4-FFF2-40B4-BE49-F238E27FC236}">
+                      <a16:creationId xmlns:a16="http://schemas.microsoft.com/office/drawing/2014/main" id="{2658E9EE-A141-A969-9D2E-4FF0026C4F5F}"/>
+                    </a:ext>
+                  </a:extLst>
+                </p14:cNvPr>
+                <p14:cNvContentPartPr/>
+                <p14:nvPr/>
+              </p14:nvContentPartPr>
+              <p14:xfrm>
+                <a:off x="4677699" y="295779"/>
+                <a:ext cx="21240" cy="791280"/>
+              </p14:xfrm>
+            </p:contentPart>
+          </mc:Choice>
+          <mc:Fallback>
+            <p:pic>
+              <p:nvPicPr>
+                <p:cNvPr id="23" name="Ink 22">
+                  <a:extLst>
+                    <a:ext uri="{FF2B5EF4-FFF2-40B4-BE49-F238E27FC236}">
+                      <a16:creationId xmlns:a16="http://schemas.microsoft.com/office/drawing/2014/main" id="{2658E9EE-A141-A969-9D2E-4FF0026C4F5F}"/>
+                    </a:ext>
+                  </a:extLst>
+                </p:cNvPr>
+                <p:cNvPicPr/>
+                <p:nvPr/>
+              </p:nvPicPr>
+              <p:blipFill>
+                <a:blip r:embed="rId23"/>
+                <a:stretch>
+                  <a:fillRect/>
+                </a:stretch>
+              </p:blipFill>
+              <p:spPr>
+                <a:xfrm>
+                  <a:off x="4642059" y="80139"/>
+                  <a:ext cx="92880" cy="1222920"/>
+                </a:xfrm>
+                <a:prstGeom prst="rect">
+                  <a:avLst/>
+                </a:prstGeom>
+              </p:spPr>
+            </p:pic>
+          </mc:Fallback>
+        </mc:AlternateContent>
+        <mc:AlternateContent xmlns:mc="http://schemas.openxmlformats.org/markup-compatibility/2006">
+          <mc:Choice xmlns:p14="http://schemas.microsoft.com/office/powerpoint/2010/main" xmlns:aink="http://schemas.microsoft.com/office/drawing/2016/ink" Requires="p14 aink">
+            <p:contentPart p14:bwMode="auto" r:id="rId24">
+              <p14:nvContentPartPr>
+                <p14:cNvPr id="26" name="Ink 25">
+                  <a:extLst>
+                    <a:ext uri="{FF2B5EF4-FFF2-40B4-BE49-F238E27FC236}">
+                      <a16:creationId xmlns:a16="http://schemas.microsoft.com/office/drawing/2014/main" id="{C70AC4FD-8087-0977-7946-761F1B27CC2B}"/>
+                    </a:ext>
+                  </a:extLst>
+                </p14:cNvPr>
+                <p14:cNvContentPartPr/>
+                <p14:nvPr/>
+              </p14:nvContentPartPr>
+              <p14:xfrm>
+                <a:off x="4702179" y="284619"/>
+                <a:ext cx="334440" cy="2880"/>
+              </p14:xfrm>
+            </p:contentPart>
+          </mc:Choice>
+          <mc:Fallback>
+            <p:pic>
+              <p:nvPicPr>
+                <p:cNvPr id="26" name="Ink 25">
+                  <a:extLst>
+                    <a:ext uri="{FF2B5EF4-FFF2-40B4-BE49-F238E27FC236}">
+                      <a16:creationId xmlns:a16="http://schemas.microsoft.com/office/drawing/2014/main" id="{C70AC4FD-8087-0977-7946-761F1B27CC2B}"/>
+                    </a:ext>
+                  </a:extLst>
+                </p:cNvPr>
+                <p:cNvPicPr/>
+                <p:nvPr/>
+              </p:nvPicPr>
+              <p:blipFill>
+                <a:blip r:embed="rId25"/>
+                <a:stretch>
+                  <a:fillRect/>
+                </a:stretch>
+              </p:blipFill>
+              <p:spPr>
+                <a:xfrm>
+                  <a:off x="4666179" y="68619"/>
+                  <a:ext cx="406080" cy="434520"/>
+                </a:xfrm>
+                <a:prstGeom prst="rect">
+                  <a:avLst/>
+                </a:prstGeom>
+              </p:spPr>
+            </p:pic>
+          </mc:Fallback>
+        </mc:AlternateContent>
+        <mc:AlternateContent xmlns:mc="http://schemas.openxmlformats.org/markup-compatibility/2006">
+          <mc:Choice xmlns:p14="http://schemas.microsoft.com/office/powerpoint/2010/main" xmlns:aink="http://schemas.microsoft.com/office/drawing/2016/ink" Requires="p14 aink">
+            <p:contentPart p14:bwMode="auto" r:id="rId26">
+              <p14:nvContentPartPr>
+                <p14:cNvPr id="29" name="Ink 28">
+                  <a:extLst>
+                    <a:ext uri="{FF2B5EF4-FFF2-40B4-BE49-F238E27FC236}">
+                      <a16:creationId xmlns:a16="http://schemas.microsoft.com/office/drawing/2014/main" id="{698626AA-95D8-7FA9-5191-01022AEF97DD}"/>
+                    </a:ext>
+                  </a:extLst>
+                </p14:cNvPr>
+                <p14:cNvContentPartPr/>
+                <p14:nvPr/>
+              </p14:nvContentPartPr>
+              <p14:xfrm>
+                <a:off x="4707579" y="479019"/>
+                <a:ext cx="470160" cy="25920"/>
+              </p14:xfrm>
+            </p:contentPart>
+          </mc:Choice>
+          <mc:Fallback>
+            <p:pic>
+              <p:nvPicPr>
+                <p:cNvPr id="29" name="Ink 28">
+                  <a:extLst>
+                    <a:ext uri="{FF2B5EF4-FFF2-40B4-BE49-F238E27FC236}">
+                      <a16:creationId xmlns:a16="http://schemas.microsoft.com/office/drawing/2014/main" id="{698626AA-95D8-7FA9-5191-01022AEF97DD}"/>
+                    </a:ext>
+                  </a:extLst>
+                </p:cNvPr>
+                <p:cNvPicPr/>
+                <p:nvPr/>
+              </p:nvPicPr>
+              <p:blipFill>
+                <a:blip r:embed="rId27"/>
+                <a:stretch>
+                  <a:fillRect/>
+                </a:stretch>
+              </p:blipFill>
+              <p:spPr>
+                <a:xfrm>
+                  <a:off x="4671939" y="263379"/>
+                  <a:ext cx="541800" cy="457560"/>
+                </a:xfrm>
+                <a:prstGeom prst="rect">
+                  <a:avLst/>
+                </a:prstGeom>
+              </p:spPr>
+            </p:pic>
+          </mc:Fallback>
+        </mc:AlternateContent>
+      </p:grpSp>
+      <mc:AlternateContent xmlns:mc="http://schemas.openxmlformats.org/markup-compatibility/2006">
+        <mc:Choice xmlns:p14="http://schemas.microsoft.com/office/powerpoint/2010/main" xmlns:aink="http://schemas.microsoft.com/office/drawing/2016/ink" Requires="p14 aink">
+          <p:contentPart p14:bwMode="auto" r:id="rId28">
+            <p14:nvContentPartPr>
+              <p14:cNvPr id="32" name="Ink 31">
+                <a:extLst>
+                  <a:ext uri="{FF2B5EF4-FFF2-40B4-BE49-F238E27FC236}">
+                    <a16:creationId xmlns:a16="http://schemas.microsoft.com/office/drawing/2014/main" id="{B1A8AF6C-9F58-ABA0-7254-6456BC7D9AAA}"/>
+                  </a:ext>
+                </a:extLst>
+              </p14:cNvPr>
+              <p14:cNvContentPartPr/>
+              <p14:nvPr/>
+            </p14:nvContentPartPr>
+            <p14:xfrm>
+              <a:off x="3677619" y="2320419"/>
+              <a:ext cx="714960" cy="829080"/>
+            </p14:xfrm>
+          </p:contentPart>
+        </mc:Choice>
+        <mc:Fallback>
+          <p:pic>
+            <p:nvPicPr>
+              <p:cNvPr id="32" name="Ink 31">
+                <a:extLst>
+                  <a:ext uri="{FF2B5EF4-FFF2-40B4-BE49-F238E27FC236}">
+                    <a16:creationId xmlns:a16="http://schemas.microsoft.com/office/drawing/2014/main" id="{B1A8AF6C-9F58-ABA0-7254-6456BC7D9AAA}"/>
+                  </a:ext>
+                </a:extLst>
+              </p:cNvPr>
+              <p:cNvPicPr/>
+              <p:nvPr/>
+            </p:nvPicPr>
+            <p:blipFill>
+              <a:blip r:embed="rId29"/>
+              <a:stretch>
+                <a:fillRect/>
+              </a:stretch>
+            </p:blipFill>
+            <p:spPr>
+              <a:xfrm>
+                <a:off x="3641619" y="2104419"/>
+                <a:ext cx="786600" cy="1260720"/>
+              </a:xfrm>
+              <a:prstGeom prst="rect">
+                <a:avLst/>
+              </a:prstGeom>
+            </p:spPr>
+          </p:pic>
+        </mc:Fallback>
+      </mc:AlternateContent>
+      <mc:AlternateContent xmlns:mc="http://schemas.openxmlformats.org/markup-compatibility/2006">
+        <mc:Choice xmlns:p14="http://schemas.microsoft.com/office/powerpoint/2010/main" xmlns:aink="http://schemas.microsoft.com/office/drawing/2016/ink" Requires="p14 aink">
+          <p:contentPart p14:bwMode="auto" r:id="rId30">
+            <p14:nvContentPartPr>
+              <p14:cNvPr id="33" name="Ink 32">
+                <a:extLst>
+                  <a:ext uri="{FF2B5EF4-FFF2-40B4-BE49-F238E27FC236}">
+                    <a16:creationId xmlns:a16="http://schemas.microsoft.com/office/drawing/2014/main" id="{0F176B93-857E-7DA8-8248-36F266EC4AE9}"/>
+                  </a:ext>
+                </a:extLst>
+              </p14:cNvPr>
+              <p14:cNvContentPartPr/>
+              <p14:nvPr/>
+            </p14:nvContentPartPr>
+            <p14:xfrm>
+              <a:off x="5700099" y="3145179"/>
+              <a:ext cx="1827720" cy="552960"/>
+            </p14:xfrm>
+          </p:contentPart>
+        </mc:Choice>
+        <mc:Fallback>
+          <p:pic>
+            <p:nvPicPr>
+              <p:cNvPr id="33" name="Ink 32">
+                <a:extLst>
+                  <a:ext uri="{FF2B5EF4-FFF2-40B4-BE49-F238E27FC236}">
+                    <a16:creationId xmlns:a16="http://schemas.microsoft.com/office/drawing/2014/main" id="{0F176B93-857E-7DA8-8248-36F266EC4AE9}"/>
+                  </a:ext>
+                </a:extLst>
+              </p:cNvPr>
+              <p:cNvPicPr/>
+              <p:nvPr/>
+            </p:nvPicPr>
+            <p:blipFill>
+              <a:blip r:embed="rId31"/>
+              <a:stretch>
+                <a:fillRect/>
+              </a:stretch>
+            </p:blipFill>
+            <p:spPr>
+              <a:xfrm>
+                <a:off x="5664459" y="2929539"/>
+                <a:ext cx="1899360" cy="984600"/>
+              </a:xfrm>
+              <a:prstGeom prst="rect">
+                <a:avLst/>
+              </a:prstGeom>
+            </p:spPr>
+          </p:pic>
+        </mc:Fallback>
+      </mc:AlternateContent>
+      <mc:AlternateContent xmlns:mc="http://schemas.openxmlformats.org/markup-compatibility/2006">
+        <mc:Choice xmlns:p14="http://schemas.microsoft.com/office/powerpoint/2010/main" xmlns:aink="http://schemas.microsoft.com/office/drawing/2016/ink" Requires="p14 aink">
+          <p:contentPart p14:bwMode="auto" r:id="rId32">
+            <p14:nvContentPartPr>
+              <p14:cNvPr id="34" name="Ink 33">
+                <a:extLst>
+                  <a:ext uri="{FF2B5EF4-FFF2-40B4-BE49-F238E27FC236}">
+                    <a16:creationId xmlns:a16="http://schemas.microsoft.com/office/drawing/2014/main" id="{3C8E22E8-0234-0FBE-ED6D-C2244989C1F8}"/>
+                  </a:ext>
+                </a:extLst>
+              </p14:cNvPr>
+              <p14:cNvContentPartPr/>
+              <p14:nvPr/>
+            </p14:nvContentPartPr>
+            <p14:xfrm>
+              <a:off x="6098619" y="2385579"/>
+              <a:ext cx="910440" cy="937440"/>
+            </p14:xfrm>
+          </p:contentPart>
+        </mc:Choice>
+        <mc:Fallback>
+          <p:pic>
+            <p:nvPicPr>
+              <p:cNvPr id="34" name="Ink 33">
+                <a:extLst>
+                  <a:ext uri="{FF2B5EF4-FFF2-40B4-BE49-F238E27FC236}">
+                    <a16:creationId xmlns:a16="http://schemas.microsoft.com/office/drawing/2014/main" id="{3C8E22E8-0234-0FBE-ED6D-C2244989C1F8}"/>
+                  </a:ext>
+                </a:extLst>
+              </p:cNvPr>
+              <p:cNvPicPr/>
+              <p:nvPr/>
+            </p:nvPicPr>
+            <p:blipFill>
+              <a:blip r:embed="rId33"/>
+              <a:stretch>
+                <a:fillRect/>
+              </a:stretch>
+            </p:blipFill>
+            <p:spPr>
+              <a:xfrm>
+                <a:off x="6062979" y="2169939"/>
+                <a:ext cx="982080" cy="1369080"/>
+              </a:xfrm>
+              <a:prstGeom prst="rect">
+                <a:avLst/>
+              </a:prstGeom>
+            </p:spPr>
+          </p:pic>
+        </mc:Fallback>
+      </mc:AlternateContent>
+    </p:spTree>
+    <p:extLst>
+      <p:ext uri="{BB962C8B-B14F-4D97-AF65-F5344CB8AC3E}">
+        <p14:creationId xmlns:p14="http://schemas.microsoft.com/office/powerpoint/2010/main" val="2984559145"/>
+      </p:ext>
+    </p:extLst>
+  </p:cSld>
+  <p:clrMapOvr>
+    <a:masterClrMapping/>
+  </p:clrMapOvr>
+</p:sld>
+</file>
+
+<file path=ppt/slides/slide6.xml><?xml version="1.0" encoding="utf-8"?>
+<p:sld xmlns:a="http://schemas.openxmlformats.org/drawingml/2006/main" xmlns:r="http://schemas.openxmlformats.org/officeDocument/2006/relationships" xmlns:p="http://schemas.openxmlformats.org/presentationml/2006/main">
+  <p:cSld>
+    <p:spTree>
+      <p:nvGrpSpPr>
+        <p:cNvPr id="1" name=""/>
+        <p:cNvGrpSpPr/>
+        <p:nvPr/>
+      </p:nvGrpSpPr>
+      <p:grpSpPr>
+        <a:xfrm>
+          <a:off x="0" y="0"/>
+          <a:ext cx="0" cy="0"/>
+          <a:chOff x="0" y="0"/>
+          <a:chExt cx="0" cy="0"/>
+        </a:xfrm>
+      </p:grpSpPr>
       <p:sp>
         <p:nvSpPr>
           <p:cNvPr id="2" name="Title 1">
@@ -9513,7 +11578,231 @@
 </p:sld>
 </file>
 
-<file path=ppt/slides/slide6.xml><?xml version="1.0" encoding="utf-8"?>
+<file path=ppt/slides/slide7.xml><?xml version="1.0" encoding="utf-8"?>
+<p:sld xmlns:a="http://schemas.openxmlformats.org/drawingml/2006/main" xmlns:r="http://schemas.openxmlformats.org/officeDocument/2006/relationships" xmlns:p="http://schemas.openxmlformats.org/presentationml/2006/main">
+  <p:cSld>
+    <p:spTree>
+      <p:nvGrpSpPr>
+        <p:cNvPr id="1" name=""/>
+        <p:cNvGrpSpPr/>
+        <p:nvPr/>
+      </p:nvGrpSpPr>
+      <p:grpSpPr>
+        <a:xfrm>
+          <a:off x="0" y="0"/>
+          <a:ext cx="0" cy="0"/>
+          <a:chOff x="0" y="0"/>
+          <a:chExt cx="0" cy="0"/>
+        </a:xfrm>
+      </p:grpSpPr>
+      <p:sp>
+        <p:nvSpPr>
+          <p:cNvPr id="2" name="Title 1">
+            <a:extLst>
+              <a:ext uri="{FF2B5EF4-FFF2-40B4-BE49-F238E27FC236}">
+                <a16:creationId xmlns:a16="http://schemas.microsoft.com/office/drawing/2014/main" id="{CD2644B2-95DD-9C21-F593-B8EF5F6B940B}"/>
+              </a:ext>
+            </a:extLst>
+          </p:cNvPr>
+          <p:cNvSpPr>
+            <a:spLocks noGrp="1"/>
+          </p:cNvSpPr>
+          <p:nvPr>
+            <p:ph type="title"/>
+          </p:nvPr>
+        </p:nvSpPr>
+        <p:spPr/>
+        <p:txBody>
+          <a:bodyPr/>
+          <a:lstStyle/>
+          <a:p>
+            <a:r>
+              <a:rPr lang="en-US" dirty="0"/>
+              <a:t>Distributions of data</a:t>
+            </a:r>
+          </a:p>
+        </p:txBody>
+      </p:sp>
+      <p:sp>
+        <p:nvSpPr>
+          <p:cNvPr id="3" name="Content Placeholder 2">
+            <a:extLst>
+              <a:ext uri="{FF2B5EF4-FFF2-40B4-BE49-F238E27FC236}">
+                <a16:creationId xmlns:a16="http://schemas.microsoft.com/office/drawing/2014/main" id="{70976027-5416-3843-2F00-2E7D84A863B6}"/>
+              </a:ext>
+            </a:extLst>
+          </p:cNvPr>
+          <p:cNvSpPr>
+            <a:spLocks noGrp="1"/>
+          </p:cNvSpPr>
+          <p:nvPr>
+            <p:ph idx="1"/>
+          </p:nvPr>
+        </p:nvSpPr>
+        <p:spPr>
+          <a:xfrm>
+            <a:off x="314433" y="1853754"/>
+            <a:ext cx="6172772" cy="4278689"/>
+          </a:xfrm>
+        </p:spPr>
+        <p:txBody>
+          <a:bodyPr>
+            <a:normAutofit/>
+          </a:bodyPr>
+          <a:lstStyle/>
+          <a:p>
+            <a:r>
+              <a:rPr lang="en-US" dirty="0"/>
+              <a:t>Can we describe them?</a:t>
+            </a:r>
+          </a:p>
+          <a:p>
+            <a:pPr lvl="1"/>
+            <a:r>
+              <a:rPr lang="en-US" dirty="0"/>
+              <a:t>Statistically – mean, median, std., </a:t>
+            </a:r>
+            <a:r>
+              <a:rPr lang="en-US" dirty="0" err="1"/>
+              <a:t>etc</a:t>
+            </a:r>
+            <a:r>
+              <a:rPr lang="en-US" dirty="0"/>
+              <a:t>…</a:t>
+            </a:r>
+          </a:p>
+          <a:p>
+            <a:pPr lvl="1"/>
+            <a:r>
+              <a:rPr lang="en-US" dirty="0"/>
+              <a:t>Graphically – histogram, </a:t>
+            </a:r>
+            <a:r>
+              <a:rPr lang="en-US" dirty="0" err="1"/>
+              <a:t>pmf</a:t>
+            </a:r>
+            <a:r>
+              <a:rPr lang="en-US" dirty="0"/>
+              <a:t>, pdf, </a:t>
+            </a:r>
+            <a:r>
+              <a:rPr lang="en-US" dirty="0" err="1"/>
+              <a:t>cdf</a:t>
+            </a:r>
+            <a:r>
+              <a:rPr lang="en-US" dirty="0"/>
+              <a:t>. </a:t>
+            </a:r>
+          </a:p>
+          <a:p>
+            <a:r>
+              <a:rPr lang="en-US" dirty="0"/>
+              <a:t>Can we identify them?</a:t>
+            </a:r>
+          </a:p>
+          <a:p>
+            <a:pPr lvl="1"/>
+            <a:r>
+              <a:rPr lang="en-US" dirty="0"/>
+              <a:t>Does empirical data match established pattern?</a:t>
+            </a:r>
+          </a:p>
+          <a:p>
+            <a:pPr lvl="1"/>
+            <a:r>
+              <a:rPr lang="en-US" dirty="0"/>
+              <a:t>Visually – using charts or numerically – normality test.</a:t>
+            </a:r>
+          </a:p>
+          <a:p>
+            <a:pPr lvl="1"/>
+            <a:r>
+              <a:rPr lang="en-US" dirty="0"/>
+              <a:t>Can we use our stats to generate analytical model? </a:t>
+            </a:r>
+          </a:p>
+          <a:p>
+            <a:r>
+              <a:rPr lang="en-US" dirty="0"/>
+              <a:t>Can we change them?</a:t>
+            </a:r>
+          </a:p>
+          <a:p>
+            <a:pPr lvl="1"/>
+            <a:r>
+              <a:rPr lang="en-US" dirty="0"/>
+              <a:t>Apply transformation like log. </a:t>
+            </a:r>
+          </a:p>
+          <a:p>
+            <a:r>
+              <a:rPr lang="en-US" dirty="0"/>
+              <a:t>Use empirical to establish model – expected perf.</a:t>
+            </a:r>
+          </a:p>
+        </p:txBody>
+      </p:sp>
+      <p:pic>
+        <p:nvPicPr>
+          <p:cNvPr id="3074" name="Picture 2" descr="Understanding Data Distributions: Examples and Applications">
+            <a:extLst>
+              <a:ext uri="{FF2B5EF4-FFF2-40B4-BE49-F238E27FC236}">
+                <a16:creationId xmlns:a16="http://schemas.microsoft.com/office/drawing/2014/main" id="{9E41A695-D957-332B-D327-059A90D992F1}"/>
+              </a:ext>
+            </a:extLst>
+          </p:cNvPr>
+          <p:cNvPicPr>
+            <a:picLocks noChangeAspect="1" noChangeArrowheads="1"/>
+          </p:cNvPicPr>
+          <p:nvPr/>
+        </p:nvPicPr>
+        <p:blipFill rotWithShape="1">
+          <a:blip r:embed="rId2">
+            <a:extLst>
+              <a:ext uri="{28A0092B-C50C-407E-A947-70E740481C1C}">
+                <a14:useLocalDpi xmlns:a14="http://schemas.microsoft.com/office/drawing/2010/main" val="0"/>
+              </a:ext>
+            </a:extLst>
+          </a:blip>
+          <a:srcRect b="6666"/>
+          <a:stretch>
+            <a:fillRect/>
+          </a:stretch>
+        </p:blipFill>
+        <p:spPr bwMode="auto">
+          <a:xfrm>
+            <a:off x="6487205" y="0"/>
+            <a:ext cx="5704795" cy="6858000"/>
+          </a:xfrm>
+          <a:prstGeom prst="rect">
+            <a:avLst/>
+          </a:prstGeom>
+          <a:noFill/>
+          <a:extLst>
+            <a:ext uri="{909E8E84-426E-40DD-AFC4-6F175D3DCCD1}">
+              <a14:hiddenFill xmlns:a14="http://schemas.microsoft.com/office/drawing/2010/main">
+                <a:solidFill>
+                  <a:srgbClr val="FFFFFF"/>
+                </a:solidFill>
+              </a14:hiddenFill>
+            </a:ext>
+          </a:extLst>
+        </p:spPr>
+      </p:pic>
+    </p:spTree>
+    <p:extLst>
+      <p:ext uri="{BB962C8B-B14F-4D97-AF65-F5344CB8AC3E}">
+        <p14:creationId xmlns:p14="http://schemas.microsoft.com/office/powerpoint/2010/main" val="3990041251"/>
+      </p:ext>
+    </p:extLst>
+  </p:cSld>
+  <p:clrMapOvr>
+    <a:masterClrMapping/>
+  </p:clrMapOvr>
+</p:sld>
+</file>
+
+<file path=ppt/slides/slide8.xml><?xml version="1.0" encoding="utf-8"?>
 <p:sld xmlns:a="http://schemas.openxmlformats.org/drawingml/2006/main" xmlns:r="http://schemas.openxmlformats.org/officeDocument/2006/relationships" xmlns:p="http://schemas.openxmlformats.org/presentationml/2006/main">
   <p:cSld>
     <p:spTree>
@@ -9644,7 +11933,7 @@
 </p:sld>
 </file>
 
-<file path=ppt/slides/slide7.xml><?xml version="1.0" encoding="utf-8"?>
+<file path=ppt/slides/slide9.xml><?xml version="1.0" encoding="utf-8"?>
 <p:sld xmlns:a="http://schemas.openxmlformats.org/drawingml/2006/main" xmlns:r="http://schemas.openxmlformats.org/officeDocument/2006/relationships" xmlns:p="http://schemas.openxmlformats.org/presentationml/2006/main">
   <p:cSld>
     <p:bg>
@@ -9842,493 +12131,6 @@
     <p:extLst>
       <p:ext uri="{BB962C8B-B14F-4D97-AF65-F5344CB8AC3E}">
         <p14:creationId xmlns:p14="http://schemas.microsoft.com/office/powerpoint/2010/main" val="2685740158"/>
-      </p:ext>
-    </p:extLst>
-  </p:cSld>
-  <p:clrMapOvr>
-    <a:masterClrMapping/>
-  </p:clrMapOvr>
-</p:sld>
-</file>
-
-<file path=ppt/slides/slide8.xml><?xml version="1.0" encoding="utf-8"?>
-<p:sld xmlns:a="http://schemas.openxmlformats.org/drawingml/2006/main" xmlns:r="http://schemas.openxmlformats.org/officeDocument/2006/relationships" xmlns:p="http://schemas.openxmlformats.org/presentationml/2006/main">
-  <p:cSld>
-    <p:bg>
-      <p:bgPr>
-        <a:gradFill rotWithShape="1">
-          <a:gsLst>
-            <a:gs pos="0">
-              <a:schemeClr val="bg2">
-                <a:tint val="94000"/>
-                <a:satMod val="80000"/>
-                <a:lumMod val="106000"/>
-              </a:schemeClr>
-            </a:gs>
-            <a:gs pos="100000">
-              <a:schemeClr val="bg2">
-                <a:shade val="80000"/>
-              </a:schemeClr>
-            </a:gs>
-          </a:gsLst>
-          <a:path path="circle">
-            <a:fillToRect l="43000" r="43000" b="100000"/>
-          </a:path>
-        </a:gradFill>
-        <a:effectLst/>
-      </p:bgPr>
-    </p:bg>
-    <p:spTree>
-      <p:nvGrpSpPr>
-        <p:cNvPr id="1" name=""/>
-        <p:cNvGrpSpPr/>
-        <p:nvPr/>
-      </p:nvGrpSpPr>
-      <p:grpSpPr>
-        <a:xfrm>
-          <a:off x="0" y="0"/>
-          <a:ext cx="0" cy="0"/>
-          <a:chOff x="0" y="0"/>
-          <a:chExt cx="0" cy="0"/>
-        </a:xfrm>
-      </p:grpSpPr>
-      <p:sp>
-        <p:nvSpPr>
-          <p:cNvPr id="2" name="Title 1">
-            <a:extLst>
-              <a:ext uri="{FF2B5EF4-FFF2-40B4-BE49-F238E27FC236}">
-                <a16:creationId xmlns:a16="http://schemas.microsoft.com/office/drawing/2014/main" id="{43AEFE4F-BFAA-B34C-AECC-8D7FDDBA30CE}"/>
-              </a:ext>
-            </a:extLst>
-          </p:cNvPr>
-          <p:cNvSpPr>
-            <a:spLocks noGrp="1"/>
-          </p:cNvSpPr>
-          <p:nvPr>
-            <p:ph type="title"/>
-          </p:nvPr>
-        </p:nvSpPr>
-        <p:spPr>
-          <a:xfrm>
-            <a:off x="1451579" y="804519"/>
-            <a:ext cx="9603275" cy="1049235"/>
-          </a:xfrm>
-        </p:spPr>
-        <p:txBody>
-          <a:bodyPr>
-            <a:normAutofit/>
-          </a:bodyPr>
-          <a:lstStyle/>
-          <a:p>
-            <a:r>
-              <a:rPr lang="en-US" dirty="0"/>
-              <a:t>Variance</a:t>
-            </a:r>
-          </a:p>
-        </p:txBody>
-      </p:sp>
-      <p:sp>
-        <p:nvSpPr>
-          <p:cNvPr id="3" name="Content Placeholder 2">
-            <a:extLst>
-              <a:ext uri="{FF2B5EF4-FFF2-40B4-BE49-F238E27FC236}">
-                <a16:creationId xmlns:a16="http://schemas.microsoft.com/office/drawing/2014/main" id="{5469E00B-C07F-734B-943E-B4C7F2440F00}"/>
-              </a:ext>
-            </a:extLst>
-          </p:cNvPr>
-          <p:cNvSpPr>
-            <a:spLocks noGrp="1"/>
-          </p:cNvSpPr>
-          <p:nvPr>
-            <p:ph idx="1"/>
-          </p:nvPr>
-        </p:nvSpPr>
-        <p:spPr>
-          <a:xfrm>
-            <a:off x="518984" y="2015734"/>
-            <a:ext cx="6554879" cy="3450613"/>
-          </a:xfrm>
-        </p:spPr>
-        <p:txBody>
-          <a:bodyPr>
-            <a:normAutofit/>
-          </a:bodyPr>
-          <a:lstStyle/>
-          <a:p>
-            <a:r>
-              <a:rPr lang="en-US" dirty="0"/>
-              <a:t>Recall – Variance is the average squared distance from the mean of a dataset.</a:t>
-            </a:r>
-          </a:p>
-          <a:p>
-            <a:r>
-              <a:rPr lang="en-US" dirty="0"/>
-              <a:t>Large variance = spread data. </a:t>
-            </a:r>
-          </a:p>
-          <a:p>
-            <a:r>
-              <a:rPr lang="en-US" dirty="0"/>
-              <a:t>Small variance = condensed data. </a:t>
-            </a:r>
-          </a:p>
-          <a:p>
-            <a:r>
-              <a:rPr lang="en-US" dirty="0"/>
-              <a:t>Note: The n-1 is so sample, population uses n. The rationale is that if there is only n=1 in the sample, there is not variance. You need at least 2 values to have 1 variance. </a:t>
-            </a:r>
-          </a:p>
-        </p:txBody>
-      </p:sp>
-      <p:pic>
-        <p:nvPicPr>
-          <p:cNvPr id="2050" name="Picture 2" descr="Sample Variance: Simple Definition, How to Find it in Easy Steps -  Statistics How To">
-            <a:extLst>
-              <a:ext uri="{FF2B5EF4-FFF2-40B4-BE49-F238E27FC236}">
-                <a16:creationId xmlns:a16="http://schemas.microsoft.com/office/drawing/2014/main" id="{1F6EDE4D-AB1B-B14D-B7EE-B9D654618A64}"/>
-              </a:ext>
-            </a:extLst>
-          </p:cNvPr>
-          <p:cNvPicPr>
-            <a:picLocks noChangeAspect="1" noChangeArrowheads="1"/>
-          </p:cNvPicPr>
-          <p:nvPr/>
-        </p:nvPicPr>
-        <p:blipFill>
-          <a:blip r:embed="rId2">
-            <a:extLst>
-              <a:ext uri="{28A0092B-C50C-407E-A947-70E740481C1C}">
-                <a14:useLocalDpi xmlns:a14="http://schemas.microsoft.com/office/drawing/2010/main" val="0"/>
-              </a:ext>
-            </a:extLst>
-          </a:blip>
-          <a:stretch>
-            <a:fillRect/>
-          </a:stretch>
-        </p:blipFill>
-        <p:spPr bwMode="auto">
-          <a:xfrm>
-            <a:off x="7554139" y="1817854"/>
-            <a:ext cx="4539809" cy="1543535"/>
-          </a:xfrm>
-          <a:prstGeom prst="rect">
-            <a:avLst/>
-          </a:prstGeom>
-          <a:noFill/>
-          <a:extLst>
-            <a:ext uri="{909E8E84-426E-40DD-AFC4-6F175D3DCCD1}">
-              <a14:hiddenFill xmlns:a14="http://schemas.microsoft.com/office/drawing/2010/main">
-                <a:solidFill>
-                  <a:srgbClr val="FFFFFF"/>
-                </a:solidFill>
-              </a14:hiddenFill>
-            </a:ext>
-          </a:extLst>
-        </p:spPr>
-      </p:pic>
-      <p:pic>
-        <p:nvPicPr>
-          <p:cNvPr id="1026" name="Picture 2">
-            <a:extLst>
-              <a:ext uri="{FF2B5EF4-FFF2-40B4-BE49-F238E27FC236}">
-                <a16:creationId xmlns:a16="http://schemas.microsoft.com/office/drawing/2014/main" id="{E7F26235-31B8-C8D4-9F61-9E050A7283CD}"/>
-              </a:ext>
-            </a:extLst>
-          </p:cNvPr>
-          <p:cNvPicPr>
-            <a:picLocks noChangeAspect="1" noChangeArrowheads="1"/>
-          </p:cNvPicPr>
-          <p:nvPr/>
-        </p:nvPicPr>
-        <p:blipFill>
-          <a:blip r:embed="rId3">
-            <a:extLst>
-              <a:ext uri="{28A0092B-C50C-407E-A947-70E740481C1C}">
-                <a14:useLocalDpi xmlns:a14="http://schemas.microsoft.com/office/drawing/2010/main" val="0"/>
-              </a:ext>
-            </a:extLst>
-          </a:blip>
-          <a:srcRect/>
-          <a:stretch>
-            <a:fillRect/>
-          </a:stretch>
-        </p:blipFill>
-        <p:spPr bwMode="auto">
-          <a:xfrm>
-            <a:off x="8067460" y="3385370"/>
-            <a:ext cx="3605556" cy="2668111"/>
-          </a:xfrm>
-          <a:prstGeom prst="rect">
-            <a:avLst/>
-          </a:prstGeom>
-          <a:noFill/>
-          <a:extLst>
-            <a:ext uri="{909E8E84-426E-40DD-AFC4-6F175D3DCCD1}">
-              <a14:hiddenFill xmlns:a14="http://schemas.microsoft.com/office/drawing/2010/main">
-                <a:solidFill>
-                  <a:srgbClr val="FFFFFF"/>
-                </a:solidFill>
-              </a14:hiddenFill>
-            </a:ext>
-          </a:extLst>
-        </p:spPr>
-      </p:pic>
-    </p:spTree>
-    <p:extLst>
-      <p:ext uri="{BB962C8B-B14F-4D97-AF65-F5344CB8AC3E}">
-        <p14:creationId xmlns:p14="http://schemas.microsoft.com/office/powerpoint/2010/main" val="3520502105"/>
-      </p:ext>
-    </p:extLst>
-  </p:cSld>
-  <p:clrMapOvr>
-    <a:masterClrMapping/>
-  </p:clrMapOvr>
-</p:sld>
-</file>
-
-<file path=ppt/slides/slide9.xml><?xml version="1.0" encoding="utf-8"?>
-<p:sld xmlns:a="http://schemas.openxmlformats.org/drawingml/2006/main" xmlns:r="http://schemas.openxmlformats.org/officeDocument/2006/relationships" xmlns:p="http://schemas.openxmlformats.org/presentationml/2006/main">
-  <p:cSld>
-    <p:bg>
-      <p:bgPr>
-        <a:gradFill rotWithShape="1">
-          <a:gsLst>
-            <a:gs pos="0">
-              <a:schemeClr val="bg2">
-                <a:tint val="94000"/>
-                <a:satMod val="80000"/>
-                <a:lumMod val="106000"/>
-              </a:schemeClr>
-            </a:gs>
-            <a:gs pos="100000">
-              <a:schemeClr val="bg2">
-                <a:shade val="80000"/>
-              </a:schemeClr>
-            </a:gs>
-          </a:gsLst>
-          <a:path path="circle">
-            <a:fillToRect l="43000" r="43000" b="100000"/>
-          </a:path>
-        </a:gradFill>
-        <a:effectLst/>
-      </p:bgPr>
-    </p:bg>
-    <p:spTree>
-      <p:nvGrpSpPr>
-        <p:cNvPr id="1" name=""/>
-        <p:cNvGrpSpPr/>
-        <p:nvPr/>
-      </p:nvGrpSpPr>
-      <p:grpSpPr>
-        <a:xfrm>
-          <a:off x="0" y="0"/>
-          <a:ext cx="0" cy="0"/>
-          <a:chOff x="0" y="0"/>
-          <a:chExt cx="0" cy="0"/>
-        </a:xfrm>
-      </p:grpSpPr>
-      <p:sp>
-        <p:nvSpPr>
-          <p:cNvPr id="2" name="Title 1">
-            <a:extLst>
-              <a:ext uri="{FF2B5EF4-FFF2-40B4-BE49-F238E27FC236}">
-                <a16:creationId xmlns:a16="http://schemas.microsoft.com/office/drawing/2014/main" id="{9A9A00FC-EA00-EE4B-AB0E-81853B5C377D}"/>
-              </a:ext>
-            </a:extLst>
-          </p:cNvPr>
-          <p:cNvSpPr>
-            <a:spLocks noGrp="1"/>
-          </p:cNvSpPr>
-          <p:nvPr>
-            <p:ph type="title"/>
-          </p:nvPr>
-        </p:nvSpPr>
-        <p:spPr>
-          <a:xfrm>
-            <a:off x="1451579" y="804519"/>
-            <a:ext cx="9603275" cy="1049235"/>
-          </a:xfrm>
-        </p:spPr>
-        <p:txBody>
-          <a:bodyPr>
-            <a:normAutofit/>
-          </a:bodyPr>
-          <a:lstStyle/>
-          <a:p>
-            <a:r>
-              <a:rPr lang="en-US" dirty="0"/>
-              <a:t>Covariance</a:t>
-            </a:r>
-          </a:p>
-        </p:txBody>
-      </p:sp>
-      <p:sp>
-        <p:nvSpPr>
-          <p:cNvPr id="3" name="Content Placeholder 2">
-            <a:extLst>
-              <a:ext uri="{FF2B5EF4-FFF2-40B4-BE49-F238E27FC236}">
-                <a16:creationId xmlns:a16="http://schemas.microsoft.com/office/drawing/2014/main" id="{74DEFC01-B939-414B-A110-BF5FCDEA9F57}"/>
-              </a:ext>
-            </a:extLst>
-          </p:cNvPr>
-          <p:cNvSpPr>
-            <a:spLocks noGrp="1"/>
-          </p:cNvSpPr>
-          <p:nvPr>
-            <p:ph idx="1"/>
-          </p:nvPr>
-        </p:nvSpPr>
-        <p:spPr>
-          <a:xfrm>
-            <a:off x="276045" y="2015734"/>
-            <a:ext cx="5338089" cy="3450613"/>
-          </a:xfrm>
-        </p:spPr>
-        <p:txBody>
-          <a:bodyPr>
-            <a:normAutofit lnSpcReduction="10000"/>
-          </a:bodyPr>
-          <a:lstStyle/>
-          <a:p>
-            <a:r>
-              <a:rPr lang="en-US" dirty="0"/>
-              <a:t>Covariance is the average distance of the x-axis values times the y-axis value. </a:t>
-            </a:r>
-          </a:p>
-          <a:p>
-            <a:r>
-              <a:rPr lang="en-US" dirty="0"/>
-              <a:t>Can think of it as a 2 dimensional variance.</a:t>
-            </a:r>
-          </a:p>
-          <a:p>
-            <a:pPr lvl="1"/>
-            <a:r>
-              <a:rPr lang="en-US" dirty="0"/>
-              <a:t>Distance from mean on X axis. </a:t>
-            </a:r>
-          </a:p>
-          <a:p>
-            <a:pPr lvl="1"/>
-            <a:r>
-              <a:rPr lang="en-US" dirty="0"/>
-              <a:t>Distance from mean on Y axis. </a:t>
-            </a:r>
-          </a:p>
-          <a:p>
-            <a:r>
-              <a:rPr lang="en-US" dirty="0"/>
-              <a:t>If positive – as X goes up, Y goes up.</a:t>
-            </a:r>
-          </a:p>
-          <a:p>
-            <a:r>
-              <a:rPr lang="en-US" dirty="0"/>
-              <a:t>If negative – as X goes up, y goes down. </a:t>
-            </a:r>
-          </a:p>
-          <a:p>
-            <a:r>
-              <a:rPr lang="en-US" dirty="0"/>
-              <a:t>Larger number, stronger relationship. </a:t>
-            </a:r>
-          </a:p>
-        </p:txBody>
-      </p:sp>
-      <p:pic>
-        <p:nvPicPr>
-          <p:cNvPr id="1032" name="Picture 8" descr="Covariance Formula For Population and Sample With Solved Example Questions">
-            <a:extLst>
-              <a:ext uri="{FF2B5EF4-FFF2-40B4-BE49-F238E27FC236}">
-                <a16:creationId xmlns:a16="http://schemas.microsoft.com/office/drawing/2014/main" id="{4697FE88-8969-334D-9CB5-0A146F75073F}"/>
-              </a:ext>
-            </a:extLst>
-          </p:cNvPr>
-          <p:cNvPicPr>
-            <a:picLocks noChangeAspect="1" noChangeArrowheads="1"/>
-          </p:cNvPicPr>
-          <p:nvPr/>
-        </p:nvPicPr>
-        <p:blipFill rotWithShape="1">
-          <a:blip r:embed="rId2">
-            <a:extLst>
-              <a:ext uri="{28A0092B-C50C-407E-A947-70E740481C1C}">
-                <a14:useLocalDpi xmlns:a14="http://schemas.microsoft.com/office/drawing/2010/main" val="0"/>
-              </a:ext>
-            </a:extLst>
-          </a:blip>
-          <a:srcRect t="45374"/>
-          <a:stretch/>
-        </p:blipFill>
-        <p:spPr bwMode="auto">
-          <a:xfrm>
-            <a:off x="6096000" y="2602376"/>
-            <a:ext cx="6073069" cy="2401871"/>
-          </a:xfrm>
-          <a:prstGeom prst="rect">
-            <a:avLst/>
-          </a:prstGeom>
-          <a:noFill/>
-          <a:extLst>
-            <a:ext uri="{909E8E84-426E-40DD-AFC4-6F175D3DCCD1}">
-              <a14:hiddenFill xmlns:a14="http://schemas.microsoft.com/office/drawing/2010/main">
-                <a:solidFill>
-                  <a:srgbClr val="FFFFFF"/>
-                </a:solidFill>
-              </a14:hiddenFill>
-            </a:ext>
-          </a:extLst>
-        </p:spPr>
-      </p:pic>
-      <p:sp>
-        <p:nvSpPr>
-          <p:cNvPr id="4" name="AutoShape 2" descr="{\displaystyle q_{jk}={\frac {1}{N-1}}\sum _{i=1}^{N}\left(X_{ij}-{\bar {X}}_{j}\right)\left(X_{ik}-{\bar {X}}_{k}\right),}">
-            <a:extLst>
-              <a:ext uri="{FF2B5EF4-FFF2-40B4-BE49-F238E27FC236}">
-                <a16:creationId xmlns:a16="http://schemas.microsoft.com/office/drawing/2014/main" id="{6F572B6F-BFFE-294F-AB67-43222AB9359B}"/>
-              </a:ext>
-            </a:extLst>
-          </p:cNvPr>
-          <p:cNvSpPr>
-            <a:spLocks noChangeAspect="1" noChangeArrowheads="1"/>
-          </p:cNvSpPr>
-          <p:nvPr/>
-        </p:nvSpPr>
-        <p:spPr bwMode="auto">
-          <a:xfrm>
-            <a:off x="5943600" y="3276600"/>
-            <a:ext cx="304800" cy="304800"/>
-          </a:xfrm>
-          <a:prstGeom prst="rect">
-            <a:avLst/>
-          </a:prstGeom>
-          <a:noFill/>
-          <a:extLst>
-            <a:ext uri="{909E8E84-426E-40DD-AFC4-6F175D3DCCD1}">
-              <a14:hiddenFill xmlns:a14="http://schemas.microsoft.com/office/drawing/2010/main">
-                <a:solidFill>
-                  <a:srgbClr val="FFFFFF"/>
-                </a:solidFill>
-              </a14:hiddenFill>
-            </a:ext>
-          </a:extLst>
-        </p:spPr>
-        <p:txBody>
-          <a:bodyPr vert="horz" wrap="square" lIns="91440" tIns="45720" rIns="91440" bIns="45720" numCol="1" anchor="t" anchorCtr="0" compatLnSpc="1">
-            <a:prstTxWarp prst="textNoShape">
-              <a:avLst/>
-            </a:prstTxWarp>
-          </a:bodyPr>
-          <a:lstStyle/>
-          <a:p>
-            <a:endParaRPr lang="en-US"/>
-          </a:p>
-        </p:txBody>
-      </p:sp>
-    </p:spTree>
-    <p:extLst>
-      <p:ext uri="{BB962C8B-B14F-4D97-AF65-F5344CB8AC3E}">
-        <p14:creationId xmlns:p14="http://schemas.microsoft.com/office/powerpoint/2010/main" val="4078945355"/>
       </p:ext>
     </p:extLst>
   </p:cSld>

--- a/reference_material/slides/011_Correlation_Scatter.pptx
+++ b/reference_material/slides/011_Correlation_Scatter.pptx
@@ -4910,13 +4910,8 @@
             <a:pPr lvl="1"/>
             <a:r>
               <a:rPr lang="en-US" dirty="0"/>
-              <a:t>Covariance, scatter plots, </a:t>
-            </a:r>
-            <a:r>
-              <a:rPr lang="en-US"/>
-              <a:t>and correlation. </a:t>
-            </a:r>
-            <a:endParaRPr lang="en-US" dirty="0"/>
+              <a:t>Covariance, scatter plots, and correlation. </a:t>
+            </a:r>
           </a:p>
           <a:p>
             <a:pPr lvl="1"/>
@@ -5044,7 +5039,7 @@
           <a:p>
             <a:r>
               <a:rPr lang="en-US" dirty="0"/>
-              <a:t>Variance</a:t>
+              <a:t>How much does something change? Variance</a:t>
             </a:r>
           </a:p>
         </p:txBody>
@@ -7879,8 +7874,8 @@
         </p:nvSpPr>
         <p:spPr>
           <a:xfrm>
-            <a:off x="1451579" y="2015732"/>
-            <a:ext cx="9603275" cy="4037749"/>
+            <a:off x="1451579" y="1853754"/>
+            <a:ext cx="9603275" cy="4199727"/>
           </a:xfrm>
         </p:spPr>
         <p:txBody>
@@ -7893,13 +7888,30 @@
             </a:r>
           </a:p>
           <a:p>
-            <a:r>
-              <a:rPr lang="en-US" dirty="0"/>
-              <a:t>For now, we can normally just identify correlation visually. </a:t>
-            </a:r>
-          </a:p>
-          <a:p>
-            <a:endParaRPr lang="en-US" dirty="0"/>
+            <a:pPr lvl="1"/>
+            <a:r>
+              <a:rPr lang="en-US" dirty="0"/>
+              <a:t>Most </a:t>
+            </a:r>
+            <a:r>
+              <a:rPr lang="en-US"/>
+              <a:t>frequently just </a:t>
+            </a:r>
+            <a:r>
+              <a:rPr lang="en-US" dirty="0"/>
+              <a:t>identify correlation visually in exploration. </a:t>
+            </a:r>
+          </a:p>
+          <a:p>
+            <a:pPr lvl="1"/>
+            <a:r>
+              <a:rPr lang="en-US" dirty="0" err="1"/>
+              <a:t>Thinkstats</a:t>
+            </a:r>
+            <a:r>
+              <a:rPr lang="en-US" dirty="0"/>
+              <a:t> has functions to calculate values. </a:t>
+            </a:r>
           </a:p>
           <a:p>
             <a:r>
@@ -7933,6 +7945,19 @@
             <a:r>
               <a:rPr lang="en-US" dirty="0"/>
               <a:t>If two things are correlated, knowing X tells us an expectation for Y. </a:t>
+            </a:r>
+          </a:p>
+          <a:p>
+            <a:r>
+              <a:rPr lang="en-US" dirty="0"/>
+              <a:t>In ML we usually use R-squared – the correlation squared. </a:t>
+            </a:r>
+          </a:p>
+          <a:p>
+            <a:pPr lvl="1"/>
+            <a:r>
+              <a:rPr lang="en-US" dirty="0"/>
+              <a:t>Same concept, 0 to 1 scale, roughly “percent of variance explained”. </a:t>
             </a:r>
           </a:p>
         </p:txBody>
